--- a/説明書.pptx
+++ b/説明書.pptx
@@ -317,7 +317,7 @@
           <a:p>
             <a:fld id="{CC73F6B0-EA48-4F5C-91D5-BA0DC18B95CF}" type="datetimeFigureOut">
               <a:rPr kumimoji="1" lang="ja-JP" altLang="en-US" smtClean="0"/>
-              <a:t>2019/12/10</a:t>
+              <a:t>2019/12/12</a:t>
             </a:fld>
             <a:endParaRPr kumimoji="1" lang="ja-JP" altLang="en-US"/>
           </a:p>
@@ -514,7 +514,7 @@
           <a:p>
             <a:fld id="{CC73F6B0-EA48-4F5C-91D5-BA0DC18B95CF}" type="datetimeFigureOut">
               <a:rPr kumimoji="1" lang="ja-JP" altLang="en-US" smtClean="0"/>
-              <a:t>2019/12/10</a:t>
+              <a:t>2019/12/12</a:t>
             </a:fld>
             <a:endParaRPr kumimoji="1" lang="ja-JP" altLang="en-US"/>
           </a:p>
@@ -721,7 +721,7 @@
           <a:p>
             <a:fld id="{CC73F6B0-EA48-4F5C-91D5-BA0DC18B95CF}" type="datetimeFigureOut">
               <a:rPr kumimoji="1" lang="ja-JP" altLang="en-US" smtClean="0"/>
-              <a:t>2019/12/10</a:t>
+              <a:t>2019/12/12</a:t>
             </a:fld>
             <a:endParaRPr kumimoji="1" lang="ja-JP" altLang="en-US"/>
           </a:p>
@@ -918,7 +918,7 @@
           <a:p>
             <a:fld id="{CC73F6B0-EA48-4F5C-91D5-BA0DC18B95CF}" type="datetimeFigureOut">
               <a:rPr kumimoji="1" lang="ja-JP" altLang="en-US" smtClean="0"/>
-              <a:t>2019/12/10</a:t>
+              <a:t>2019/12/12</a:t>
             </a:fld>
             <a:endParaRPr kumimoji="1" lang="ja-JP" altLang="en-US"/>
           </a:p>
@@ -1157,7 +1157,7 @@
           <a:p>
             <a:fld id="{CC73F6B0-EA48-4F5C-91D5-BA0DC18B95CF}" type="datetimeFigureOut">
               <a:rPr kumimoji="1" lang="ja-JP" altLang="en-US" smtClean="0"/>
-              <a:t>2019/12/10</a:t>
+              <a:t>2019/12/12</a:t>
             </a:fld>
             <a:endParaRPr kumimoji="1" lang="ja-JP" altLang="en-US"/>
           </a:p>
@@ -1247,7 +1247,7 @@
           <a:p>
             <a:fld id="{CC73F6B0-EA48-4F5C-91D5-BA0DC18B95CF}" type="datetimeFigureOut">
               <a:rPr kumimoji="1" lang="ja-JP" altLang="en-US" smtClean="0"/>
-              <a:t>2019/12/10</a:t>
+              <a:t>2019/12/12</a:t>
             </a:fld>
             <a:endParaRPr kumimoji="1" lang="ja-JP" altLang="en-US"/>
           </a:p>
@@ -1685,7 +1685,7 @@
           <a:p>
             <a:fld id="{CC73F6B0-EA48-4F5C-91D5-BA0DC18B95CF}" type="datetimeFigureOut">
               <a:rPr kumimoji="1" lang="ja-JP" altLang="en-US" smtClean="0"/>
-              <a:t>2019/12/10</a:t>
+              <a:t>2019/12/12</a:t>
             </a:fld>
             <a:endParaRPr kumimoji="1" lang="ja-JP" altLang="en-US"/>
           </a:p>
@@ -2004,7 +2004,7 @@
           <a:p>
             <a:fld id="{CC73F6B0-EA48-4F5C-91D5-BA0DC18B95CF}" type="datetimeFigureOut">
               <a:rPr kumimoji="1" lang="ja-JP" altLang="en-US" smtClean="0"/>
-              <a:t>2019/12/10</a:t>
+              <a:t>2019/12/12</a:t>
             </a:fld>
             <a:endParaRPr kumimoji="1" lang="ja-JP" altLang="en-US"/>
           </a:p>
@@ -2094,7 +2094,7 @@
           <a:p>
             <a:fld id="{CC73F6B0-EA48-4F5C-91D5-BA0DC18B95CF}" type="datetimeFigureOut">
               <a:rPr kumimoji="1" lang="ja-JP" altLang="en-US" smtClean="0"/>
-              <a:t>2019/12/10</a:t>
+              <a:t>2019/12/12</a:t>
             </a:fld>
             <a:endParaRPr kumimoji="1" lang="ja-JP" altLang="en-US"/>
           </a:p>
@@ -2400,7 +2400,7 @@
           <a:p>
             <a:fld id="{CC73F6B0-EA48-4F5C-91D5-BA0DC18B95CF}" type="datetimeFigureOut">
               <a:rPr kumimoji="1" lang="ja-JP" altLang="en-US" smtClean="0"/>
-              <a:t>2019/12/10</a:t>
+              <a:t>2019/12/12</a:t>
             </a:fld>
             <a:endParaRPr kumimoji="1" lang="ja-JP" altLang="en-US"/>
           </a:p>
@@ -2672,7 +2672,7 @@
           <a:p>
             <a:fld id="{CC73F6B0-EA48-4F5C-91D5-BA0DC18B95CF}" type="datetimeFigureOut">
               <a:rPr kumimoji="1" lang="ja-JP" altLang="en-US" smtClean="0"/>
-              <a:t>2019/12/10</a:t>
+              <a:t>2019/12/12</a:t>
             </a:fld>
             <a:endParaRPr kumimoji="1" lang="ja-JP" altLang="en-US"/>
           </a:p>
@@ -3004,7 +3004,7 @@
           <a:p>
             <a:fld id="{CC73F6B0-EA48-4F5C-91D5-BA0DC18B95CF}" type="datetimeFigureOut">
               <a:rPr kumimoji="1" lang="ja-JP" altLang="en-US" smtClean="0"/>
-              <a:t>2019/12/10</a:t>
+              <a:t>2019/12/12</a:t>
             </a:fld>
             <a:endParaRPr kumimoji="1" lang="ja-JP" altLang="en-US"/>
           </a:p>
@@ -3465,8 +3465,8 @@
         </p:nvSpPr>
         <p:spPr>
           <a:xfrm>
-            <a:off x="3779912" y="2924944"/>
-            <a:ext cx="3873624" cy="1682649"/>
+            <a:off x="2987824" y="3861048"/>
+            <a:ext cx="5832648" cy="2160240"/>
           </a:xfrm>
         </p:spPr>
         <p:txBody>
@@ -3476,10 +3476,10 @@
           <a:lstStyle/>
           <a:p>
             <a:r>
-              <a:rPr kumimoji="1" lang="ja-JP" altLang="en-US" sz="9600" dirty="0" smtClean="0"/>
+              <a:rPr kumimoji="1" lang="ja-JP" altLang="en-US" sz="13800" dirty="0" smtClean="0"/>
               <a:t>説明書</a:t>
             </a:r>
-            <a:endParaRPr kumimoji="1" lang="ja-JP" altLang="en-US" sz="9600" dirty="0"/>
+            <a:endParaRPr kumimoji="1" lang="ja-JP" altLang="en-US" sz="13800" dirty="0"/>
           </a:p>
         </p:txBody>
       </p:sp>
@@ -3496,7 +3496,7 @@
         <p:spPr>
           <a:xfrm>
             <a:off x="755576" y="692696"/>
-            <a:ext cx="7474024" cy="2016224"/>
+            <a:ext cx="7704856" cy="2880320"/>
           </a:xfrm>
         </p:spPr>
         <p:txBody>
@@ -3506,28 +3506,28 @@
           <a:lstStyle/>
           <a:p>
             <a:r>
-              <a:rPr kumimoji="1" lang="en-US" altLang="ja-JP" sz="5400" dirty="0" smtClean="0"/>
+              <a:rPr kumimoji="1" lang="en-US" altLang="ja-JP" sz="7200" dirty="0" smtClean="0"/>
               <a:t>Over</a:t>
             </a:r>
             <a:r>
-              <a:rPr kumimoji="1" lang="ja-JP" altLang="en-US" sz="5400" dirty="0" smtClean="0"/>
+              <a:rPr kumimoji="1" lang="ja-JP" altLang="en-US" sz="7200" dirty="0" smtClean="0"/>
               <a:t>　</a:t>
             </a:r>
             <a:r>
-              <a:rPr kumimoji="1" lang="en-US" altLang="ja-JP" sz="5400" dirty="0" smtClean="0"/>
+              <a:rPr kumimoji="1" lang="en-US" altLang="ja-JP" sz="7200" dirty="0" smtClean="0"/>
               <a:t>Killer</a:t>
             </a:r>
           </a:p>
           <a:p>
             <a:r>
-              <a:rPr lang="ja-JP" altLang="en-US" sz="5400" dirty="0">
+              <a:rPr lang="ja-JP" altLang="en-US" sz="7200" dirty="0">
                 <a:solidFill>
                   <a:srgbClr val="FF0000"/>
                 </a:solidFill>
               </a:rPr>
               <a:t>動く屍を超えて行け</a:t>
             </a:r>
-            <a:endParaRPr kumimoji="1" lang="ja-JP" altLang="en-US" sz="5400" dirty="0"/>
+            <a:endParaRPr kumimoji="1" lang="ja-JP" altLang="en-US" sz="7200" dirty="0"/>
           </a:p>
         </p:txBody>
       </p:sp>
@@ -4387,7 +4387,7 @@
         </p:blipFill>
         <p:spPr>
           <a:xfrm>
-            <a:off x="179512" y="980728"/>
+            <a:off x="107504" y="1340768"/>
             <a:ext cx="3672408" cy="3096344"/>
           </a:xfrm>
           <a:prstGeom prst="rect">
@@ -5092,6 +5092,35 @@
           </a:p>
         </p:txBody>
       </p:sp>
+      <p:pic>
+        <p:nvPicPr>
+          <p:cNvPr id="6" name="図 5"/>
+          <p:cNvPicPr>
+            <a:picLocks noChangeAspect="1"/>
+          </p:cNvPicPr>
+          <p:nvPr/>
+        </p:nvPicPr>
+        <p:blipFill rotWithShape="1">
+          <a:blip r:embed="rId3">
+            <a:extLst>
+              <a:ext uri="{28A0092B-C50C-407E-A947-70E740481C1C}">
+                <a14:useLocalDpi xmlns:a14="http://schemas.microsoft.com/office/drawing/2010/main" val="0"/>
+              </a:ext>
+            </a:extLst>
+          </a:blip>
+          <a:srcRect l="2206" t="4413" r="2914" b="2914"/>
+          <a:stretch/>
+        </p:blipFill>
+        <p:spPr>
+          <a:xfrm>
+            <a:off x="4448229" y="3639833"/>
+            <a:ext cx="3096344" cy="3024336"/>
+          </a:xfrm>
+          <a:prstGeom prst="rect">
+            <a:avLst/>
+          </a:prstGeom>
+        </p:spPr>
+      </p:pic>
     </p:spTree>
     <p:extLst>
       <p:ext uri="{BB962C8B-B14F-4D97-AF65-F5344CB8AC3E}">

--- a/説明書.pptx
+++ b/説明書.pptx
@@ -317,7 +317,7 @@
           <a:p>
             <a:fld id="{CC73F6B0-EA48-4F5C-91D5-BA0DC18B95CF}" type="datetimeFigureOut">
               <a:rPr kumimoji="1" lang="ja-JP" altLang="en-US" smtClean="0"/>
-              <a:t>2019/12/12</a:t>
+              <a:t>2019/12/16</a:t>
             </a:fld>
             <a:endParaRPr kumimoji="1" lang="ja-JP" altLang="en-US"/>
           </a:p>
@@ -514,7 +514,7 @@
           <a:p>
             <a:fld id="{CC73F6B0-EA48-4F5C-91D5-BA0DC18B95CF}" type="datetimeFigureOut">
               <a:rPr kumimoji="1" lang="ja-JP" altLang="en-US" smtClean="0"/>
-              <a:t>2019/12/12</a:t>
+              <a:t>2019/12/16</a:t>
             </a:fld>
             <a:endParaRPr kumimoji="1" lang="ja-JP" altLang="en-US"/>
           </a:p>
@@ -721,7 +721,7 @@
           <a:p>
             <a:fld id="{CC73F6B0-EA48-4F5C-91D5-BA0DC18B95CF}" type="datetimeFigureOut">
               <a:rPr kumimoji="1" lang="ja-JP" altLang="en-US" smtClean="0"/>
-              <a:t>2019/12/12</a:t>
+              <a:t>2019/12/16</a:t>
             </a:fld>
             <a:endParaRPr kumimoji="1" lang="ja-JP" altLang="en-US"/>
           </a:p>
@@ -918,7 +918,7 @@
           <a:p>
             <a:fld id="{CC73F6B0-EA48-4F5C-91D5-BA0DC18B95CF}" type="datetimeFigureOut">
               <a:rPr kumimoji="1" lang="ja-JP" altLang="en-US" smtClean="0"/>
-              <a:t>2019/12/12</a:t>
+              <a:t>2019/12/16</a:t>
             </a:fld>
             <a:endParaRPr kumimoji="1" lang="ja-JP" altLang="en-US"/>
           </a:p>
@@ -1157,7 +1157,7 @@
           <a:p>
             <a:fld id="{CC73F6B0-EA48-4F5C-91D5-BA0DC18B95CF}" type="datetimeFigureOut">
               <a:rPr kumimoji="1" lang="ja-JP" altLang="en-US" smtClean="0"/>
-              <a:t>2019/12/12</a:t>
+              <a:t>2019/12/16</a:t>
             </a:fld>
             <a:endParaRPr kumimoji="1" lang="ja-JP" altLang="en-US"/>
           </a:p>
@@ -1247,7 +1247,7 @@
           <a:p>
             <a:fld id="{CC73F6B0-EA48-4F5C-91D5-BA0DC18B95CF}" type="datetimeFigureOut">
               <a:rPr kumimoji="1" lang="ja-JP" altLang="en-US" smtClean="0"/>
-              <a:t>2019/12/12</a:t>
+              <a:t>2019/12/16</a:t>
             </a:fld>
             <a:endParaRPr kumimoji="1" lang="ja-JP" altLang="en-US"/>
           </a:p>
@@ -1685,7 +1685,7 @@
           <a:p>
             <a:fld id="{CC73F6B0-EA48-4F5C-91D5-BA0DC18B95CF}" type="datetimeFigureOut">
               <a:rPr kumimoji="1" lang="ja-JP" altLang="en-US" smtClean="0"/>
-              <a:t>2019/12/12</a:t>
+              <a:t>2019/12/16</a:t>
             </a:fld>
             <a:endParaRPr kumimoji="1" lang="ja-JP" altLang="en-US"/>
           </a:p>
@@ -2004,7 +2004,7 @@
           <a:p>
             <a:fld id="{CC73F6B0-EA48-4F5C-91D5-BA0DC18B95CF}" type="datetimeFigureOut">
               <a:rPr kumimoji="1" lang="ja-JP" altLang="en-US" smtClean="0"/>
-              <a:t>2019/12/12</a:t>
+              <a:t>2019/12/16</a:t>
             </a:fld>
             <a:endParaRPr kumimoji="1" lang="ja-JP" altLang="en-US"/>
           </a:p>
@@ -2094,7 +2094,7 @@
           <a:p>
             <a:fld id="{CC73F6B0-EA48-4F5C-91D5-BA0DC18B95CF}" type="datetimeFigureOut">
               <a:rPr kumimoji="1" lang="ja-JP" altLang="en-US" smtClean="0"/>
-              <a:t>2019/12/12</a:t>
+              <a:t>2019/12/16</a:t>
             </a:fld>
             <a:endParaRPr kumimoji="1" lang="ja-JP" altLang="en-US"/>
           </a:p>
@@ -2400,7 +2400,7 @@
           <a:p>
             <a:fld id="{CC73F6B0-EA48-4F5C-91D5-BA0DC18B95CF}" type="datetimeFigureOut">
               <a:rPr kumimoji="1" lang="ja-JP" altLang="en-US" smtClean="0"/>
-              <a:t>2019/12/12</a:t>
+              <a:t>2019/12/16</a:t>
             </a:fld>
             <a:endParaRPr kumimoji="1" lang="ja-JP" altLang="en-US"/>
           </a:p>
@@ -2672,7 +2672,7 @@
           <a:p>
             <a:fld id="{CC73F6B0-EA48-4F5C-91D5-BA0DC18B95CF}" type="datetimeFigureOut">
               <a:rPr kumimoji="1" lang="ja-JP" altLang="en-US" smtClean="0"/>
-              <a:t>2019/12/12</a:t>
+              <a:t>2019/12/16</a:t>
             </a:fld>
             <a:endParaRPr kumimoji="1" lang="ja-JP" altLang="en-US"/>
           </a:p>
@@ -3004,7 +3004,7 @@
           <a:p>
             <a:fld id="{CC73F6B0-EA48-4F5C-91D5-BA0DC18B95CF}" type="datetimeFigureOut">
               <a:rPr kumimoji="1" lang="ja-JP" altLang="en-US" smtClean="0"/>
-              <a:t>2019/12/12</a:t>
+              <a:t>2019/12/16</a:t>
             </a:fld>
             <a:endParaRPr kumimoji="1" lang="ja-JP" altLang="en-US"/>
           </a:p>
@@ -4387,8 +4387,8 @@
         </p:blipFill>
         <p:spPr>
           <a:xfrm>
-            <a:off x="107504" y="1340768"/>
-            <a:ext cx="3672408" cy="3096344"/>
+            <a:off x="107504" y="1340767"/>
+            <a:ext cx="4752528" cy="4007033"/>
           </a:xfrm>
           <a:prstGeom prst="rect">
             <a:avLst/>
@@ -4405,8 +4405,8 @@
         </p:nvSpPr>
         <p:spPr>
           <a:xfrm>
-            <a:off x="2915816" y="1772816"/>
-            <a:ext cx="6228184" cy="5085184"/>
+            <a:off x="2915816" y="3356992"/>
+            <a:ext cx="6228184" cy="3501008"/>
           </a:xfrm>
           <a:prstGeom prst="rect">
             <a:avLst/>
@@ -5112,7 +5112,7 @@
           <a:stretch/>
         </p:blipFill>
         <p:spPr>
-          <a:xfrm>
+          <a:xfrm rot="10800000">
             <a:off x="4448229" y="3639833"/>
             <a:ext cx="3096344" cy="3024336"/>
           </a:xfrm>

--- a/説明書.pptx
+++ b/説明書.pptx
@@ -3849,11 +3849,15 @@
             </a:br>
             <a:r>
               <a:rPr lang="ja-JP" altLang="en-US" sz="4800" dirty="0" smtClean="0"/>
-              <a:t>移動中</a:t>
+              <a:t>移動キー</a:t>
             </a:r>
             <a:r>
               <a:rPr lang="en-US" altLang="ja-JP" sz="4800" dirty="0" smtClean="0"/>
-              <a:t>+A</a:t>
+              <a:t>+</a:t>
+            </a:r>
+            <a:r>
+              <a:rPr lang="en-US" altLang="ja-JP" sz="4800" dirty="0" smtClean="0"/>
+              <a:t>A</a:t>
             </a:r>
             <a:r>
               <a:rPr lang="ja-JP" altLang="en-US" sz="4800" dirty="0" smtClean="0"/>
@@ -4982,7 +4986,19 @@
             </a:r>
             <a:r>
               <a:rPr lang="ja-JP" altLang="en-US" sz="3600" dirty="0" smtClean="0"/>
-              <a:t>を５回復する</a:t>
+              <a:t>を</a:t>
+            </a:r>
+            <a:r>
+              <a:rPr lang="en-US" altLang="ja-JP" sz="3600" dirty="0" smtClean="0"/>
+              <a:t>3</a:t>
+            </a:r>
+            <a:r>
+              <a:rPr lang="ja-JP" altLang="en-US" sz="3600" dirty="0" smtClean="0"/>
+              <a:t>回復</a:t>
+            </a:r>
+            <a:r>
+              <a:rPr lang="ja-JP" altLang="en-US" sz="3600" dirty="0" smtClean="0"/>
+              <a:t>する</a:t>
             </a:r>
             <a:endParaRPr lang="en-US" altLang="ja-JP" sz="3600" dirty="0" smtClean="0"/>
           </a:p>

--- a/説明書.pptx
+++ b/説明書.pptx
@@ -4,15 +4,15 @@
   <p:sldMasterIdLst>
     <p:sldMasterId id="2147483660" r:id="rId1"/>
   </p:sldMasterIdLst>
+  <p:notesMasterIdLst>
+    <p:notesMasterId r:id="rId7"/>
+  </p:notesMasterIdLst>
   <p:sldIdLst>
     <p:sldId id="256" r:id="rId2"/>
     <p:sldId id="257" r:id="rId3"/>
-    <p:sldId id="261" r:id="rId4"/>
-    <p:sldId id="259" r:id="rId5"/>
-    <p:sldId id="264" r:id="rId6"/>
-    <p:sldId id="265" r:id="rId7"/>
-    <p:sldId id="266" r:id="rId8"/>
-    <p:sldId id="260" r:id="rId9"/>
+    <p:sldId id="268" r:id="rId4"/>
+    <p:sldId id="269" r:id="rId5"/>
+    <p:sldId id="267" r:id="rId6"/>
   </p:sldIdLst>
   <p:sldSz cx="9144000" cy="6858000" type="screen4x3"/>
   <p:notesSz cx="6858000" cy="9144000"/>
@@ -130,6 +130,388 @@
 </p:presentation>
 </file>
 
+<file path=ppt/notesMasters/notesMaster1.xml><?xml version="1.0" encoding="utf-8"?>
+<p:notesMaster xmlns:a="http://schemas.openxmlformats.org/drawingml/2006/main" xmlns:r="http://schemas.openxmlformats.org/officeDocument/2006/relationships" xmlns:p="http://schemas.openxmlformats.org/presentationml/2006/main">
+  <p:cSld>
+    <p:bg>
+      <p:bgRef idx="1001">
+        <a:schemeClr val="bg1"/>
+      </p:bgRef>
+    </p:bg>
+    <p:spTree>
+      <p:nvGrpSpPr>
+        <p:cNvPr id="1" name=""/>
+        <p:cNvGrpSpPr/>
+        <p:nvPr/>
+      </p:nvGrpSpPr>
+      <p:grpSpPr>
+        <a:xfrm>
+          <a:off x="0" y="0"/>
+          <a:ext cx="0" cy="0"/>
+          <a:chOff x="0" y="0"/>
+          <a:chExt cx="0" cy="0"/>
+        </a:xfrm>
+      </p:grpSpPr>
+      <p:sp>
+        <p:nvSpPr>
+          <p:cNvPr id="2" name="ヘッダー プレースホルダー 1"/>
+          <p:cNvSpPr>
+            <a:spLocks noGrp="1"/>
+          </p:cNvSpPr>
+          <p:nvPr>
+            <p:ph type="hdr" sz="quarter"/>
+          </p:nvPr>
+        </p:nvSpPr>
+        <p:spPr>
+          <a:xfrm>
+            <a:off x="0" y="0"/>
+            <a:ext cx="2971800" cy="458788"/>
+          </a:xfrm>
+          <a:prstGeom prst="rect">
+            <a:avLst/>
+          </a:prstGeom>
+        </p:spPr>
+        <p:txBody>
+          <a:bodyPr vert="horz" lIns="91440" tIns="45720" rIns="91440" bIns="45720" rtlCol="0"/>
+          <a:lstStyle>
+            <a:lvl1pPr algn="l">
+              <a:defRPr sz="1200"/>
+            </a:lvl1pPr>
+          </a:lstStyle>
+          <a:p>
+            <a:endParaRPr kumimoji="1" lang="ja-JP" altLang="en-US"/>
+          </a:p>
+        </p:txBody>
+      </p:sp>
+      <p:sp>
+        <p:nvSpPr>
+          <p:cNvPr id="3" name="日付プレースホルダー 2"/>
+          <p:cNvSpPr>
+            <a:spLocks noGrp="1"/>
+          </p:cNvSpPr>
+          <p:nvPr>
+            <p:ph type="dt" idx="1"/>
+          </p:nvPr>
+        </p:nvSpPr>
+        <p:spPr>
+          <a:xfrm>
+            <a:off x="3884613" y="0"/>
+            <a:ext cx="2971800" cy="458788"/>
+          </a:xfrm>
+          <a:prstGeom prst="rect">
+            <a:avLst/>
+          </a:prstGeom>
+        </p:spPr>
+        <p:txBody>
+          <a:bodyPr vert="horz" lIns="91440" tIns="45720" rIns="91440" bIns="45720" rtlCol="0"/>
+          <a:lstStyle>
+            <a:lvl1pPr algn="r">
+              <a:defRPr sz="1200"/>
+            </a:lvl1pPr>
+          </a:lstStyle>
+          <a:p>
+            <a:fld id="{E15C7742-2DEF-4E9E-9A04-1C00CA135920}" type="datetimeFigureOut">
+              <a:rPr kumimoji="1" lang="ja-JP" altLang="en-US" smtClean="0"/>
+              <a:t>2019/12/19</a:t>
+            </a:fld>
+            <a:endParaRPr kumimoji="1" lang="ja-JP" altLang="en-US"/>
+          </a:p>
+        </p:txBody>
+      </p:sp>
+      <p:sp>
+        <p:nvSpPr>
+          <p:cNvPr id="4" name="スライド イメージ プレースホルダー 3"/>
+          <p:cNvSpPr>
+            <a:spLocks noGrp="1" noRot="1" noChangeAspect="1"/>
+          </p:cNvSpPr>
+          <p:nvPr>
+            <p:ph type="sldImg" idx="2"/>
+          </p:nvPr>
+        </p:nvSpPr>
+        <p:spPr>
+          <a:xfrm>
+            <a:off x="1371600" y="1143000"/>
+            <a:ext cx="4114800" cy="3086100"/>
+          </a:xfrm>
+          <a:prstGeom prst="rect">
+            <a:avLst/>
+          </a:prstGeom>
+          <a:noFill/>
+          <a:ln w="12700">
+            <a:solidFill>
+              <a:prstClr val="black"/>
+            </a:solidFill>
+          </a:ln>
+        </p:spPr>
+        <p:txBody>
+          <a:bodyPr vert="horz" lIns="91440" tIns="45720" rIns="91440" bIns="45720" rtlCol="0" anchor="ctr"/>
+          <a:lstStyle/>
+          <a:p>
+            <a:endParaRPr lang="ja-JP" altLang="en-US"/>
+          </a:p>
+        </p:txBody>
+      </p:sp>
+      <p:sp>
+        <p:nvSpPr>
+          <p:cNvPr id="5" name="ノート プレースホルダー 4"/>
+          <p:cNvSpPr>
+            <a:spLocks noGrp="1"/>
+          </p:cNvSpPr>
+          <p:nvPr>
+            <p:ph type="body" sz="quarter" idx="3"/>
+          </p:nvPr>
+        </p:nvSpPr>
+        <p:spPr>
+          <a:xfrm>
+            <a:off x="685800" y="4400550"/>
+            <a:ext cx="5486400" cy="3600450"/>
+          </a:xfrm>
+          <a:prstGeom prst="rect">
+            <a:avLst/>
+          </a:prstGeom>
+        </p:spPr>
+        <p:txBody>
+          <a:bodyPr vert="horz" lIns="91440" tIns="45720" rIns="91440" bIns="45720" rtlCol="0"/>
+          <a:lstStyle/>
+          <a:p>
+            <a:pPr lvl="0"/>
+            <a:r>
+              <a:rPr kumimoji="1" lang="ja-JP" altLang="en-US" smtClean="0"/>
+              <a:t>マスター テキストの書式設定</a:t>
+            </a:r>
+          </a:p>
+          <a:p>
+            <a:pPr lvl="1"/>
+            <a:r>
+              <a:rPr kumimoji="1" lang="ja-JP" altLang="en-US" smtClean="0"/>
+              <a:t>第 </a:t>
+            </a:r>
+            <a:r>
+              <a:rPr kumimoji="1" lang="en-US" altLang="ja-JP" smtClean="0"/>
+              <a:t>2 </a:t>
+            </a:r>
+            <a:r>
+              <a:rPr kumimoji="1" lang="ja-JP" altLang="en-US" smtClean="0"/>
+              <a:t>レベル</a:t>
+            </a:r>
+          </a:p>
+          <a:p>
+            <a:pPr lvl="2"/>
+            <a:r>
+              <a:rPr kumimoji="1" lang="ja-JP" altLang="en-US" smtClean="0"/>
+              <a:t>第 </a:t>
+            </a:r>
+            <a:r>
+              <a:rPr kumimoji="1" lang="en-US" altLang="ja-JP" smtClean="0"/>
+              <a:t>3 </a:t>
+            </a:r>
+            <a:r>
+              <a:rPr kumimoji="1" lang="ja-JP" altLang="en-US" smtClean="0"/>
+              <a:t>レベル</a:t>
+            </a:r>
+          </a:p>
+          <a:p>
+            <a:pPr lvl="3"/>
+            <a:r>
+              <a:rPr kumimoji="1" lang="ja-JP" altLang="en-US" smtClean="0"/>
+              <a:t>第 </a:t>
+            </a:r>
+            <a:r>
+              <a:rPr kumimoji="1" lang="en-US" altLang="ja-JP" smtClean="0"/>
+              <a:t>4 </a:t>
+            </a:r>
+            <a:r>
+              <a:rPr kumimoji="1" lang="ja-JP" altLang="en-US" smtClean="0"/>
+              <a:t>レベル</a:t>
+            </a:r>
+          </a:p>
+          <a:p>
+            <a:pPr lvl="4"/>
+            <a:r>
+              <a:rPr kumimoji="1" lang="ja-JP" altLang="en-US" smtClean="0"/>
+              <a:t>第 </a:t>
+            </a:r>
+            <a:r>
+              <a:rPr kumimoji="1" lang="en-US" altLang="ja-JP" smtClean="0"/>
+              <a:t>5 </a:t>
+            </a:r>
+            <a:r>
+              <a:rPr kumimoji="1" lang="ja-JP" altLang="en-US" smtClean="0"/>
+              <a:t>レベル</a:t>
+            </a:r>
+            <a:endParaRPr kumimoji="1" lang="ja-JP" altLang="en-US"/>
+          </a:p>
+        </p:txBody>
+      </p:sp>
+      <p:sp>
+        <p:nvSpPr>
+          <p:cNvPr id="6" name="フッター プレースホルダー 5"/>
+          <p:cNvSpPr>
+            <a:spLocks noGrp="1"/>
+          </p:cNvSpPr>
+          <p:nvPr>
+            <p:ph type="ftr" sz="quarter" idx="4"/>
+          </p:nvPr>
+        </p:nvSpPr>
+        <p:spPr>
+          <a:xfrm>
+            <a:off x="0" y="8685213"/>
+            <a:ext cx="2971800" cy="458787"/>
+          </a:xfrm>
+          <a:prstGeom prst="rect">
+            <a:avLst/>
+          </a:prstGeom>
+        </p:spPr>
+        <p:txBody>
+          <a:bodyPr vert="horz" lIns="91440" tIns="45720" rIns="91440" bIns="45720" rtlCol="0" anchor="b"/>
+          <a:lstStyle>
+            <a:lvl1pPr algn="l">
+              <a:defRPr sz="1200"/>
+            </a:lvl1pPr>
+          </a:lstStyle>
+          <a:p>
+            <a:endParaRPr kumimoji="1" lang="ja-JP" altLang="en-US"/>
+          </a:p>
+        </p:txBody>
+      </p:sp>
+      <p:sp>
+        <p:nvSpPr>
+          <p:cNvPr id="7" name="スライド番号プレースホルダー 6"/>
+          <p:cNvSpPr>
+            <a:spLocks noGrp="1"/>
+          </p:cNvSpPr>
+          <p:nvPr>
+            <p:ph type="sldNum" sz="quarter" idx="5"/>
+          </p:nvPr>
+        </p:nvSpPr>
+        <p:spPr>
+          <a:xfrm>
+            <a:off x="3884613" y="8685213"/>
+            <a:ext cx="2971800" cy="458787"/>
+          </a:xfrm>
+          <a:prstGeom prst="rect">
+            <a:avLst/>
+          </a:prstGeom>
+        </p:spPr>
+        <p:txBody>
+          <a:bodyPr vert="horz" lIns="91440" tIns="45720" rIns="91440" bIns="45720" rtlCol="0" anchor="b"/>
+          <a:lstStyle>
+            <a:lvl1pPr algn="r">
+              <a:defRPr sz="1200"/>
+            </a:lvl1pPr>
+          </a:lstStyle>
+          <a:p>
+            <a:fld id="{E7F5DD6C-82EA-48CF-ACB6-92C504306159}" type="slidenum">
+              <a:rPr kumimoji="1" lang="ja-JP" altLang="en-US" smtClean="0"/>
+              <a:t>‹#›</a:t>
+            </a:fld>
+            <a:endParaRPr kumimoji="1" lang="ja-JP" altLang="en-US"/>
+          </a:p>
+        </p:txBody>
+      </p:sp>
+    </p:spTree>
+    <p:extLst>
+      <p:ext uri="{BB962C8B-B14F-4D97-AF65-F5344CB8AC3E}">
+        <p14:creationId xmlns:p14="http://schemas.microsoft.com/office/powerpoint/2010/main" val="1573002408"/>
+      </p:ext>
+    </p:extLst>
+  </p:cSld>
+  <p:clrMap bg1="lt1" tx1="dk1" bg2="lt2" tx2="dk2" accent1="accent1" accent2="accent2" accent3="accent3" accent4="accent4" accent5="accent5" accent6="accent6" hlink="hlink" folHlink="folHlink"/>
+  <p:notesStyle>
+    <a:lvl1pPr marL="0" algn="l" defTabSz="914400" rtl="0" eaLnBrk="1" latinLnBrk="0" hangingPunct="1">
+      <a:defRPr kumimoji="1" sz="1200" kern="1200">
+        <a:solidFill>
+          <a:schemeClr val="tx1"/>
+        </a:solidFill>
+        <a:latin typeface="+mn-lt"/>
+        <a:ea typeface="+mn-ea"/>
+        <a:cs typeface="+mn-cs"/>
+      </a:defRPr>
+    </a:lvl1pPr>
+    <a:lvl2pPr marL="457200" algn="l" defTabSz="914400" rtl="0" eaLnBrk="1" latinLnBrk="0" hangingPunct="1">
+      <a:defRPr kumimoji="1" sz="1200" kern="1200">
+        <a:solidFill>
+          <a:schemeClr val="tx1"/>
+        </a:solidFill>
+        <a:latin typeface="+mn-lt"/>
+        <a:ea typeface="+mn-ea"/>
+        <a:cs typeface="+mn-cs"/>
+      </a:defRPr>
+    </a:lvl2pPr>
+    <a:lvl3pPr marL="914400" algn="l" defTabSz="914400" rtl="0" eaLnBrk="1" latinLnBrk="0" hangingPunct="1">
+      <a:defRPr kumimoji="1" sz="1200" kern="1200">
+        <a:solidFill>
+          <a:schemeClr val="tx1"/>
+        </a:solidFill>
+        <a:latin typeface="+mn-lt"/>
+        <a:ea typeface="+mn-ea"/>
+        <a:cs typeface="+mn-cs"/>
+      </a:defRPr>
+    </a:lvl3pPr>
+    <a:lvl4pPr marL="1371600" algn="l" defTabSz="914400" rtl="0" eaLnBrk="1" latinLnBrk="0" hangingPunct="1">
+      <a:defRPr kumimoji="1" sz="1200" kern="1200">
+        <a:solidFill>
+          <a:schemeClr val="tx1"/>
+        </a:solidFill>
+        <a:latin typeface="+mn-lt"/>
+        <a:ea typeface="+mn-ea"/>
+        <a:cs typeface="+mn-cs"/>
+      </a:defRPr>
+    </a:lvl4pPr>
+    <a:lvl5pPr marL="1828800" algn="l" defTabSz="914400" rtl="0" eaLnBrk="1" latinLnBrk="0" hangingPunct="1">
+      <a:defRPr kumimoji="1" sz="1200" kern="1200">
+        <a:solidFill>
+          <a:schemeClr val="tx1"/>
+        </a:solidFill>
+        <a:latin typeface="+mn-lt"/>
+        <a:ea typeface="+mn-ea"/>
+        <a:cs typeface="+mn-cs"/>
+      </a:defRPr>
+    </a:lvl5pPr>
+    <a:lvl6pPr marL="2286000" algn="l" defTabSz="914400" rtl="0" eaLnBrk="1" latinLnBrk="0" hangingPunct="1">
+      <a:defRPr kumimoji="1" sz="1200" kern="1200">
+        <a:solidFill>
+          <a:schemeClr val="tx1"/>
+        </a:solidFill>
+        <a:latin typeface="+mn-lt"/>
+        <a:ea typeface="+mn-ea"/>
+        <a:cs typeface="+mn-cs"/>
+      </a:defRPr>
+    </a:lvl6pPr>
+    <a:lvl7pPr marL="2743200" algn="l" defTabSz="914400" rtl="0" eaLnBrk="1" latinLnBrk="0" hangingPunct="1">
+      <a:defRPr kumimoji="1" sz="1200" kern="1200">
+        <a:solidFill>
+          <a:schemeClr val="tx1"/>
+        </a:solidFill>
+        <a:latin typeface="+mn-lt"/>
+        <a:ea typeface="+mn-ea"/>
+        <a:cs typeface="+mn-cs"/>
+      </a:defRPr>
+    </a:lvl7pPr>
+    <a:lvl8pPr marL="3200400" algn="l" defTabSz="914400" rtl="0" eaLnBrk="1" latinLnBrk="0" hangingPunct="1">
+      <a:defRPr kumimoji="1" sz="1200" kern="1200">
+        <a:solidFill>
+          <a:schemeClr val="tx1"/>
+        </a:solidFill>
+        <a:latin typeface="+mn-lt"/>
+        <a:ea typeface="+mn-ea"/>
+        <a:cs typeface="+mn-cs"/>
+      </a:defRPr>
+    </a:lvl8pPr>
+    <a:lvl9pPr marL="3657600" algn="l" defTabSz="914400" rtl="0" eaLnBrk="1" latinLnBrk="0" hangingPunct="1">
+      <a:defRPr kumimoji="1" sz="1200" kern="1200">
+        <a:solidFill>
+          <a:schemeClr val="tx1"/>
+        </a:solidFill>
+        <a:latin typeface="+mn-lt"/>
+        <a:ea typeface="+mn-ea"/>
+        <a:cs typeface="+mn-cs"/>
+      </a:defRPr>
+    </a:lvl9pPr>
+  </p:notesStyle>
+</p:notesMaster>
+</file>
+
 <file path=ppt/slideLayouts/slideLayout1.xml><?xml version="1.0" encoding="utf-8"?>
 <p:sldLayout xmlns:a="http://schemas.openxmlformats.org/drawingml/2006/main" xmlns:r="http://schemas.openxmlformats.org/officeDocument/2006/relationships" xmlns:p="http://schemas.openxmlformats.org/presentationml/2006/main" type="title" preserve="1">
   <p:cSld name="タイトル スライド">
@@ -317,7 +699,7 @@
           <a:p>
             <a:fld id="{CC73F6B0-EA48-4F5C-91D5-BA0DC18B95CF}" type="datetimeFigureOut">
               <a:rPr kumimoji="1" lang="ja-JP" altLang="en-US" smtClean="0"/>
-              <a:t>2019/12/18</a:t>
+              <a:t>2019/12/19</a:t>
             </a:fld>
             <a:endParaRPr kumimoji="1" lang="ja-JP" altLang="en-US"/>
           </a:p>
@@ -514,7 +896,7 @@
           <a:p>
             <a:fld id="{CC73F6B0-EA48-4F5C-91D5-BA0DC18B95CF}" type="datetimeFigureOut">
               <a:rPr kumimoji="1" lang="ja-JP" altLang="en-US" smtClean="0"/>
-              <a:t>2019/12/18</a:t>
+              <a:t>2019/12/19</a:t>
             </a:fld>
             <a:endParaRPr kumimoji="1" lang="ja-JP" altLang="en-US"/>
           </a:p>
@@ -721,7 +1103,7 @@
           <a:p>
             <a:fld id="{CC73F6B0-EA48-4F5C-91D5-BA0DC18B95CF}" type="datetimeFigureOut">
               <a:rPr kumimoji="1" lang="ja-JP" altLang="en-US" smtClean="0"/>
-              <a:t>2019/12/18</a:t>
+              <a:t>2019/12/19</a:t>
             </a:fld>
             <a:endParaRPr kumimoji="1" lang="ja-JP" altLang="en-US"/>
           </a:p>
@@ -918,7 +1300,7 @@
           <a:p>
             <a:fld id="{CC73F6B0-EA48-4F5C-91D5-BA0DC18B95CF}" type="datetimeFigureOut">
               <a:rPr kumimoji="1" lang="ja-JP" altLang="en-US" smtClean="0"/>
-              <a:t>2019/12/18</a:t>
+              <a:t>2019/12/19</a:t>
             </a:fld>
             <a:endParaRPr kumimoji="1" lang="ja-JP" altLang="en-US"/>
           </a:p>
@@ -1157,7 +1539,7 @@
           <a:p>
             <a:fld id="{CC73F6B0-EA48-4F5C-91D5-BA0DC18B95CF}" type="datetimeFigureOut">
               <a:rPr kumimoji="1" lang="ja-JP" altLang="en-US" smtClean="0"/>
-              <a:t>2019/12/18</a:t>
+              <a:t>2019/12/19</a:t>
             </a:fld>
             <a:endParaRPr kumimoji="1" lang="ja-JP" altLang="en-US"/>
           </a:p>
@@ -1247,7 +1629,7 @@
           <a:p>
             <a:fld id="{CC73F6B0-EA48-4F5C-91D5-BA0DC18B95CF}" type="datetimeFigureOut">
               <a:rPr kumimoji="1" lang="ja-JP" altLang="en-US" smtClean="0"/>
-              <a:t>2019/12/18</a:t>
+              <a:t>2019/12/19</a:t>
             </a:fld>
             <a:endParaRPr kumimoji="1" lang="ja-JP" altLang="en-US"/>
           </a:p>
@@ -1685,7 +2067,7 @@
           <a:p>
             <a:fld id="{CC73F6B0-EA48-4F5C-91D5-BA0DC18B95CF}" type="datetimeFigureOut">
               <a:rPr kumimoji="1" lang="ja-JP" altLang="en-US" smtClean="0"/>
-              <a:t>2019/12/18</a:t>
+              <a:t>2019/12/19</a:t>
             </a:fld>
             <a:endParaRPr kumimoji="1" lang="ja-JP" altLang="en-US"/>
           </a:p>
@@ -2004,7 +2386,7 @@
           <a:p>
             <a:fld id="{CC73F6B0-EA48-4F5C-91D5-BA0DC18B95CF}" type="datetimeFigureOut">
               <a:rPr kumimoji="1" lang="ja-JP" altLang="en-US" smtClean="0"/>
-              <a:t>2019/12/18</a:t>
+              <a:t>2019/12/19</a:t>
             </a:fld>
             <a:endParaRPr kumimoji="1" lang="ja-JP" altLang="en-US"/>
           </a:p>
@@ -2094,7 +2476,7 @@
           <a:p>
             <a:fld id="{CC73F6B0-EA48-4F5C-91D5-BA0DC18B95CF}" type="datetimeFigureOut">
               <a:rPr kumimoji="1" lang="ja-JP" altLang="en-US" smtClean="0"/>
-              <a:t>2019/12/18</a:t>
+              <a:t>2019/12/19</a:t>
             </a:fld>
             <a:endParaRPr kumimoji="1" lang="ja-JP" altLang="en-US"/>
           </a:p>
@@ -2400,7 +2782,7 @@
           <a:p>
             <a:fld id="{CC73F6B0-EA48-4F5C-91D5-BA0DC18B95CF}" type="datetimeFigureOut">
               <a:rPr kumimoji="1" lang="ja-JP" altLang="en-US" smtClean="0"/>
-              <a:t>2019/12/18</a:t>
+              <a:t>2019/12/19</a:t>
             </a:fld>
             <a:endParaRPr kumimoji="1" lang="ja-JP" altLang="en-US"/>
           </a:p>
@@ -2672,7 +3054,7 @@
           <a:p>
             <a:fld id="{CC73F6B0-EA48-4F5C-91D5-BA0DC18B95CF}" type="datetimeFigureOut">
               <a:rPr kumimoji="1" lang="ja-JP" altLang="en-US" smtClean="0"/>
-              <a:t>2019/12/18</a:t>
+              <a:t>2019/12/19</a:t>
             </a:fld>
             <a:endParaRPr kumimoji="1" lang="ja-JP" altLang="en-US"/>
           </a:p>
@@ -3004,7 +3386,7 @@
           <a:p>
             <a:fld id="{CC73F6B0-EA48-4F5C-91D5-BA0DC18B95CF}" type="datetimeFigureOut">
               <a:rPr kumimoji="1" lang="ja-JP" altLang="en-US" smtClean="0"/>
-              <a:t>2019/12/18</a:t>
+              <a:t>2019/12/19</a:t>
             </a:fld>
             <a:endParaRPr kumimoji="1" lang="ja-JP" altLang="en-US"/>
           </a:p>
@@ -3690,43 +4072,6 @@
           <a:chExt cx="0" cy="0"/>
         </a:xfrm>
       </p:grpSpPr>
-      <p:sp>
-        <p:nvSpPr>
-          <p:cNvPr id="2" name="テキスト ボックス 1"/>
-          <p:cNvSpPr txBox="1"/>
-          <p:nvPr/>
-        </p:nvSpPr>
-        <p:spPr>
-          <a:xfrm>
-            <a:off x="2298770" y="-99392"/>
-            <a:ext cx="5009534" cy="2800767"/>
-          </a:xfrm>
-          <a:prstGeom prst="rect">
-            <a:avLst/>
-          </a:prstGeom>
-          <a:noFill/>
-        </p:spPr>
-        <p:txBody>
-          <a:bodyPr wrap="square" rtlCol="0">
-            <a:spAutoFit/>
-          </a:bodyPr>
-          <a:lstStyle/>
-          <a:p>
-            <a:r>
-              <a:rPr kumimoji="1" lang="en-US" altLang="ja-JP" sz="8800" b="1" u="sng" dirty="0" smtClean="0"/>
-              <a:t>PLAYER</a:t>
-            </a:r>
-          </a:p>
-          <a:p>
-            <a:pPr algn="r"/>
-            <a:r>
-              <a:rPr kumimoji="1" lang="ja-JP" altLang="en-US" sz="8800" b="1" u="sng" dirty="0" smtClean="0"/>
-              <a:t>操作方法</a:t>
-            </a:r>
-            <a:endParaRPr kumimoji="1" lang="ja-JP" altLang="en-US" sz="8800" b="1" u="sng" dirty="0"/>
-          </a:p>
-        </p:txBody>
-      </p:sp>
       <p:pic>
         <p:nvPicPr>
           <p:cNvPr id="4" name="図 3"/>
@@ -3735,21 +4080,16 @@
           </p:cNvPicPr>
           <p:nvPr/>
         </p:nvPicPr>
-        <p:blipFill rotWithShape="1">
-          <a:blip r:embed="rId2">
-            <a:extLst>
-              <a:ext uri="{28A0092B-C50C-407E-A947-70E740481C1C}">
-                <a14:useLocalDpi xmlns:a14="http://schemas.microsoft.com/office/drawing/2010/main" val="0"/>
-              </a:ext>
-            </a:extLst>
-          </a:blip>
-          <a:srcRect l="90" r="80654" b="52688"/>
-          <a:stretch/>
+        <p:blipFill>
+          <a:blip r:embed="rId2"/>
+          <a:stretch>
+            <a:fillRect/>
+          </a:stretch>
         </p:blipFill>
         <p:spPr>
           <a:xfrm>
-            <a:off x="179512" y="181095"/>
-            <a:ext cx="2569000" cy="2520280"/>
+            <a:off x="1" y="0"/>
+            <a:ext cx="5148064" cy="3717032"/>
           </a:xfrm>
           <a:prstGeom prst="rect">
             <a:avLst/>
@@ -3758,150 +4098,635 @@
       </p:pic>
       <p:sp>
         <p:nvSpPr>
-          <p:cNvPr id="5" name="タイトル 4"/>
-          <p:cNvSpPr>
-            <a:spLocks noGrp="1"/>
-          </p:cNvSpPr>
-          <p:nvPr>
-            <p:ph type="title"/>
-          </p:nvPr>
+          <p:cNvPr id="5" name="正方形/長方形 4"/>
+          <p:cNvSpPr/>
+          <p:nvPr/>
         </p:nvSpPr>
         <p:spPr>
           <a:xfrm>
-            <a:off x="1913783" y="3015168"/>
-            <a:ext cx="7236296" cy="3842831"/>
+            <a:off x="5580112" y="1533542"/>
+            <a:ext cx="3305965" cy="2000548"/>
           </a:xfrm>
+          <a:prstGeom prst="rect">
+            <a:avLst/>
+          </a:prstGeom>
         </p:spPr>
         <p:txBody>
-          <a:bodyPr>
-            <a:normAutofit/>
+          <a:bodyPr wrap="square">
+            <a:spAutoFit/>
           </a:bodyPr>
           <a:lstStyle/>
           <a:p>
-            <a:r>
-              <a:rPr lang="ja-JP" altLang="en-US" sz="4800" b="1" dirty="0"/>
-              <a:t>十</a:t>
-            </a:r>
-            <a:r>
-              <a:rPr lang="ja-JP" altLang="en-US" sz="4800" b="1" dirty="0" smtClean="0"/>
-              <a:t>字キー右</a:t>
-            </a:r>
-            <a:r>
-              <a:rPr lang="en-US" altLang="ja-JP" sz="4800" b="1" dirty="0" smtClean="0"/>
-              <a:t>		</a:t>
-            </a:r>
-            <a:r>
-              <a:rPr lang="ja-JP" altLang="en-US" sz="4800" b="1" dirty="0" smtClean="0"/>
-              <a:t>右に移動</a:t>
-            </a:r>
-            <a:r>
-              <a:rPr lang="en-US" altLang="ja-JP" sz="4800" b="1" dirty="0" smtClean="0"/>
-              <a:t/>
-            </a:r>
-            <a:br>
-              <a:rPr lang="en-US" altLang="ja-JP" sz="4800" b="1" dirty="0" smtClean="0"/>
-            </a:br>
-            <a:r>
-              <a:rPr lang="ja-JP" altLang="en-US" sz="4800" b="1" dirty="0"/>
-              <a:t>十字</a:t>
-            </a:r>
-            <a:r>
-              <a:rPr lang="ja-JP" altLang="en-US" sz="4800" b="1" dirty="0" smtClean="0"/>
-              <a:t>キー左</a:t>
-            </a:r>
-            <a:r>
-              <a:rPr lang="en-US" altLang="ja-JP" sz="4800" b="1" dirty="0" smtClean="0"/>
-              <a:t>		</a:t>
-            </a:r>
-            <a:r>
-              <a:rPr lang="ja-JP" altLang="en-US" sz="4800" b="1" dirty="0" smtClean="0"/>
-              <a:t>左に移動</a:t>
-            </a:r>
-            <a:r>
-              <a:rPr lang="en-US" altLang="ja-JP" sz="4800" b="1" dirty="0" smtClean="0"/>
-              <a:t/>
-            </a:r>
-            <a:br>
-              <a:rPr lang="en-US" altLang="ja-JP" sz="4800" b="1" dirty="0" smtClean="0"/>
-            </a:br>
-            <a:r>
-              <a:rPr lang="ja-JP" altLang="en-US" sz="4800" b="1" dirty="0"/>
-              <a:t>移動キー</a:t>
-            </a:r>
-            <a:r>
-              <a:rPr lang="en-US" altLang="ja-JP" sz="4800" b="1" dirty="0"/>
+            <a:pPr lvl="0"/>
+            <a:r>
+              <a:rPr lang="ja-JP" altLang="en-US" sz="2800" dirty="0">
+                <a:solidFill>
+                  <a:srgbClr val="FFFF00"/>
+                </a:solidFill>
+              </a:rPr>
+              <a:t>武器補助アイテム</a:t>
+            </a:r>
+            <a:endParaRPr lang="en-US" altLang="ja-JP" sz="2800" dirty="0">
+              <a:solidFill>
+                <a:srgbClr val="FFFF00"/>
+              </a:solidFill>
+            </a:endParaRPr>
+          </a:p>
+          <a:p>
+            <a:pPr lvl="0"/>
+            <a:r>
+              <a:rPr lang="ja-JP" altLang="en-US" sz="2400" dirty="0" smtClean="0">
+                <a:solidFill>
+                  <a:srgbClr val="FFFF00"/>
+                </a:solidFill>
+              </a:rPr>
+              <a:t>弾丸キット</a:t>
+            </a:r>
+            <a:endParaRPr lang="en-US" altLang="ja-JP" sz="2400" dirty="0" smtClean="0">
+              <a:solidFill>
+                <a:srgbClr val="FFFF00"/>
+              </a:solidFill>
+            </a:endParaRPr>
+          </a:p>
+          <a:p>
+            <a:pPr lvl="0"/>
+            <a:r>
+              <a:rPr lang="en-US" altLang="ja-JP" sz="2400" dirty="0" smtClean="0">
+                <a:solidFill>
+                  <a:srgbClr val="FFFF00"/>
+                </a:solidFill>
+              </a:rPr>
+              <a:t>MOB</a:t>
+            </a:r>
+            <a:r>
+              <a:rPr lang="ja-JP" altLang="en-US" sz="2400" dirty="0" smtClean="0">
+                <a:solidFill>
+                  <a:srgbClr val="FFFF00"/>
+                </a:solidFill>
+              </a:rPr>
+              <a:t>特殊を倒す</a:t>
+            </a:r>
+            <a:r>
+              <a:rPr lang="ja-JP" altLang="en-US" sz="2400" dirty="0" smtClean="0">
+                <a:solidFill>
+                  <a:srgbClr val="FFFF00"/>
+                </a:solidFill>
+              </a:rPr>
+              <a:t>と</a:t>
+            </a:r>
+            <a:endParaRPr lang="en-US" altLang="ja-JP" sz="2400" dirty="0" smtClean="0">
+              <a:solidFill>
+                <a:srgbClr val="FFFF00"/>
+              </a:solidFill>
+            </a:endParaRPr>
+          </a:p>
+          <a:p>
+            <a:pPr lvl="0"/>
+            <a:r>
+              <a:rPr lang="ja-JP" altLang="en-US" sz="2400" dirty="0" smtClean="0">
+                <a:solidFill>
+                  <a:srgbClr val="FFFF00"/>
+                </a:solidFill>
+              </a:rPr>
+              <a:t>一定</a:t>
+            </a:r>
+            <a:r>
+              <a:rPr lang="ja-JP" altLang="en-US" sz="2400" dirty="0" smtClean="0">
+                <a:solidFill>
+                  <a:srgbClr val="FFFF00"/>
+                </a:solidFill>
+              </a:rPr>
+              <a:t>確率でドロップ</a:t>
+            </a:r>
+            <a:endParaRPr lang="en-US" altLang="ja-JP" sz="2400" dirty="0">
+              <a:solidFill>
+                <a:srgbClr val="FFFF00"/>
+              </a:solidFill>
+            </a:endParaRPr>
+          </a:p>
+          <a:p>
+            <a:pPr lvl="0"/>
+            <a:r>
+              <a:rPr lang="ja-JP" altLang="en-US" sz="2400" dirty="0" smtClean="0">
+                <a:solidFill>
+                  <a:srgbClr val="FFFF00"/>
+                </a:solidFill>
+              </a:rPr>
+              <a:t>銃</a:t>
+            </a:r>
+            <a:r>
+              <a:rPr lang="ja-JP" altLang="en-US" sz="2400" dirty="0">
+                <a:solidFill>
+                  <a:srgbClr val="FFFF00"/>
+                </a:solidFill>
+              </a:rPr>
+              <a:t>の弾丸数を増やす</a:t>
+            </a:r>
+            <a:endParaRPr lang="ja-JP" altLang="en-US" dirty="0">
+              <a:solidFill>
+                <a:srgbClr val="FFFF00"/>
+              </a:solidFill>
+            </a:endParaRPr>
+          </a:p>
+        </p:txBody>
+      </p:sp>
+      <p:sp>
+        <p:nvSpPr>
+          <p:cNvPr id="7" name="テキスト ボックス 6"/>
+          <p:cNvSpPr txBox="1"/>
+          <p:nvPr/>
+        </p:nvSpPr>
+        <p:spPr>
+          <a:xfrm>
+            <a:off x="5148065" y="5307701"/>
+            <a:ext cx="3888431" cy="1384995"/>
+          </a:xfrm>
+          <a:prstGeom prst="rect">
+            <a:avLst/>
+          </a:prstGeom>
+          <a:noFill/>
+        </p:spPr>
+        <p:txBody>
+          <a:bodyPr wrap="square" rtlCol="0">
+            <a:spAutoFit/>
+          </a:bodyPr>
+          <a:lstStyle/>
+          <a:p>
+            <a:r>
+              <a:rPr kumimoji="1" lang="ja-JP" altLang="en-US" sz="2400" dirty="0" smtClean="0">
+                <a:solidFill>
+                  <a:srgbClr val="FFFF00"/>
+                </a:solidFill>
+              </a:rPr>
+              <a:t>回復アイテム</a:t>
+            </a:r>
+            <a:endParaRPr lang="en-US" altLang="ja-JP" sz="2000" dirty="0" smtClean="0">
+              <a:solidFill>
+                <a:srgbClr val="FFFF00"/>
+              </a:solidFill>
+            </a:endParaRPr>
+          </a:p>
+          <a:p>
+            <a:r>
+              <a:rPr lang="ja-JP" altLang="en-US" sz="2000" dirty="0" smtClean="0">
+                <a:solidFill>
+                  <a:srgbClr val="FFFF00"/>
+                </a:solidFill>
+              </a:rPr>
+              <a:t>回復薬</a:t>
+            </a:r>
+            <a:endParaRPr lang="en-US" altLang="ja-JP" sz="2000" dirty="0" smtClean="0">
+              <a:solidFill>
+                <a:srgbClr val="FFFF00"/>
+              </a:solidFill>
+            </a:endParaRPr>
+          </a:p>
+          <a:p>
+            <a:r>
+              <a:rPr lang="en-US" altLang="ja-JP" sz="2000" dirty="0" smtClean="0">
+                <a:solidFill>
+                  <a:srgbClr val="FFFF00"/>
+                </a:solidFill>
+              </a:rPr>
+              <a:t>MOB</a:t>
+            </a:r>
+            <a:r>
+              <a:rPr lang="ja-JP" altLang="en-US" sz="2000" dirty="0" smtClean="0">
+                <a:solidFill>
+                  <a:srgbClr val="FFFF00"/>
+                </a:solidFill>
+              </a:rPr>
+              <a:t>を倒すと一定確率でドロップ</a:t>
+            </a:r>
+            <a:endParaRPr lang="en-US" altLang="ja-JP" sz="2000" dirty="0" smtClean="0">
+              <a:solidFill>
+                <a:srgbClr val="FFFF00"/>
+              </a:solidFill>
+            </a:endParaRPr>
+          </a:p>
+          <a:p>
+            <a:r>
+              <a:rPr lang="en-US" altLang="ja-JP" sz="2000" dirty="0" smtClean="0">
+                <a:solidFill>
+                  <a:srgbClr val="FFFF00"/>
+                </a:solidFill>
+              </a:rPr>
+              <a:t>HP</a:t>
+            </a:r>
+            <a:r>
+              <a:rPr lang="ja-JP" altLang="en-US" sz="2000" dirty="0" smtClean="0">
+                <a:solidFill>
+                  <a:srgbClr val="FFFF00"/>
+                </a:solidFill>
+              </a:rPr>
+              <a:t>を</a:t>
+            </a:r>
+            <a:r>
+              <a:rPr lang="en-US" altLang="ja-JP" sz="2000" dirty="0" smtClean="0">
+                <a:solidFill>
+                  <a:srgbClr val="FFFF00"/>
+                </a:solidFill>
+              </a:rPr>
+              <a:t>3</a:t>
+            </a:r>
+            <a:r>
+              <a:rPr lang="ja-JP" altLang="en-US" sz="2000" dirty="0" smtClean="0">
+                <a:solidFill>
+                  <a:srgbClr val="FFFF00"/>
+                </a:solidFill>
+              </a:rPr>
+              <a:t>回復する</a:t>
+            </a:r>
+            <a:endParaRPr lang="en-US" altLang="ja-JP" sz="2000" dirty="0" smtClean="0">
+              <a:solidFill>
+                <a:srgbClr val="FFFF00"/>
+              </a:solidFill>
+            </a:endParaRPr>
+          </a:p>
+        </p:txBody>
+      </p:sp>
+      <p:cxnSp>
+        <p:nvCxnSpPr>
+          <p:cNvPr id="3" name="直線矢印コネクタ 2"/>
+          <p:cNvCxnSpPr/>
+          <p:nvPr/>
+        </p:nvCxnSpPr>
+        <p:spPr>
+          <a:xfrm flipV="1">
+            <a:off x="4381583" y="1138437"/>
+            <a:ext cx="2206641" cy="720079"/>
+          </a:xfrm>
+          <a:prstGeom prst="straightConnector1">
+            <a:avLst/>
+          </a:prstGeom>
+          <a:ln>
+            <a:tailEnd type="triangle"/>
+          </a:ln>
+        </p:spPr>
+        <p:style>
+          <a:lnRef idx="1">
+            <a:schemeClr val="accent1"/>
+          </a:lnRef>
+          <a:fillRef idx="0">
+            <a:schemeClr val="accent1"/>
+          </a:fillRef>
+          <a:effectRef idx="0">
+            <a:schemeClr val="accent1"/>
+          </a:effectRef>
+          <a:fontRef idx="minor">
+            <a:schemeClr val="tx1"/>
+          </a:fontRef>
+        </p:style>
+      </p:cxnSp>
+      <p:pic>
+        <p:nvPicPr>
+          <p:cNvPr id="14" name="図 13"/>
+          <p:cNvPicPr>
+            <a:picLocks noChangeAspect="1"/>
+          </p:cNvPicPr>
+          <p:nvPr/>
+        </p:nvPicPr>
+        <p:blipFill>
+          <a:blip r:embed="rId3"/>
+          <a:stretch>
+            <a:fillRect/>
+          </a:stretch>
+        </p:blipFill>
+        <p:spPr>
+          <a:xfrm>
+            <a:off x="6738249" y="373030"/>
+            <a:ext cx="1160512" cy="1160512"/>
+          </a:xfrm>
+          <a:prstGeom prst="rect">
+            <a:avLst/>
+          </a:prstGeom>
+        </p:spPr>
+      </p:pic>
+      <p:cxnSp>
+        <p:nvCxnSpPr>
+          <p:cNvPr id="18" name="直線矢印コネクタ 17"/>
+          <p:cNvCxnSpPr/>
+          <p:nvPr/>
+        </p:nvCxnSpPr>
+        <p:spPr>
+          <a:xfrm>
+            <a:off x="3592043" y="3856899"/>
+            <a:ext cx="1540323" cy="175248"/>
+          </a:xfrm>
+          <a:prstGeom prst="straightConnector1">
+            <a:avLst/>
+          </a:prstGeom>
+          <a:ln>
+            <a:tailEnd type="triangle"/>
+          </a:ln>
+        </p:spPr>
+        <p:style>
+          <a:lnRef idx="1">
+            <a:schemeClr val="accent1"/>
+          </a:lnRef>
+          <a:fillRef idx="0">
+            <a:schemeClr val="accent1"/>
+          </a:fillRef>
+          <a:effectRef idx="0">
+            <a:schemeClr val="accent1"/>
+          </a:effectRef>
+          <a:fontRef idx="minor">
+            <a:schemeClr val="tx1"/>
+          </a:fontRef>
+        </p:style>
+      </p:cxnSp>
+      <p:pic>
+        <p:nvPicPr>
+          <p:cNvPr id="20" name="図 19"/>
+          <p:cNvPicPr>
+            <a:picLocks noChangeAspect="1"/>
+          </p:cNvPicPr>
+          <p:nvPr/>
+        </p:nvPicPr>
+        <p:blipFill>
+          <a:blip r:embed="rId4"/>
+          <a:stretch>
+            <a:fillRect/>
+          </a:stretch>
+        </p:blipFill>
+        <p:spPr>
+          <a:xfrm flipH="1">
+            <a:off x="5132366" y="3735074"/>
+            <a:ext cx="1086347" cy="1442804"/>
+          </a:xfrm>
+          <a:prstGeom prst="rect">
+            <a:avLst/>
+          </a:prstGeom>
+        </p:spPr>
+      </p:pic>
+      <p:sp>
+        <p:nvSpPr>
+          <p:cNvPr id="25" name="線吹き出し 1 24"/>
+          <p:cNvSpPr/>
+          <p:nvPr/>
+        </p:nvSpPr>
+        <p:spPr>
+          <a:xfrm>
+            <a:off x="3453068" y="1426367"/>
+            <a:ext cx="929701" cy="906957"/>
+          </a:xfrm>
+          <a:prstGeom prst="callout1">
+            <a:avLst/>
+          </a:prstGeom>
+          <a:solidFill>
+            <a:schemeClr val="accent4">
+              <a:alpha val="50000"/>
+            </a:schemeClr>
+          </a:solidFill>
+          <a:ln>
+            <a:noFill/>
+          </a:ln>
+        </p:spPr>
+        <p:style>
+          <a:lnRef idx="0">
+            <a:scrgbClr r="0" g="0" b="0"/>
+          </a:lnRef>
+          <a:fillRef idx="0">
+            <a:scrgbClr r="0" g="0" b="0"/>
+          </a:fillRef>
+          <a:effectRef idx="0">
+            <a:scrgbClr r="0" g="0" b="0"/>
+          </a:effectRef>
+          <a:fontRef idx="minor">
+            <a:schemeClr val="lt1"/>
+          </a:fontRef>
+        </p:style>
+        <p:txBody>
+          <a:bodyPr rtlCol="0" anchor="ctr"/>
+          <a:lstStyle/>
+          <a:p>
+            <a:pPr algn="ctr"/>
+            <a:endParaRPr kumimoji="1" lang="ja-JP" altLang="en-US"/>
+          </a:p>
+        </p:txBody>
+      </p:sp>
+      <p:pic>
+        <p:nvPicPr>
+          <p:cNvPr id="27" name="図 26"/>
+          <p:cNvPicPr>
+            <a:picLocks noChangeAspect="1"/>
+          </p:cNvPicPr>
+          <p:nvPr/>
+        </p:nvPicPr>
+        <p:blipFill>
+          <a:blip r:embed="rId5"/>
+          <a:stretch>
+            <a:fillRect/>
+          </a:stretch>
+        </p:blipFill>
+        <p:spPr>
+          <a:xfrm>
+            <a:off x="2051720" y="3089253"/>
+            <a:ext cx="1540323" cy="1024217"/>
+          </a:xfrm>
+          <a:prstGeom prst="rect">
+            <a:avLst/>
+          </a:prstGeom>
+        </p:spPr>
+      </p:pic>
+      <p:pic>
+        <p:nvPicPr>
+          <p:cNvPr id="31" name="図 30"/>
+          <p:cNvPicPr>
+            <a:picLocks noChangeAspect="1"/>
+          </p:cNvPicPr>
+          <p:nvPr/>
+        </p:nvPicPr>
+        <p:blipFill>
+          <a:blip r:embed="rId6"/>
+          <a:stretch>
+            <a:fillRect/>
+          </a:stretch>
+        </p:blipFill>
+        <p:spPr>
+          <a:xfrm>
+            <a:off x="-684584" y="836062"/>
+            <a:ext cx="2993024" cy="1022454"/>
+          </a:xfrm>
+          <a:prstGeom prst="rect">
+            <a:avLst/>
+          </a:prstGeom>
+        </p:spPr>
+      </p:pic>
+      <p:cxnSp>
+        <p:nvCxnSpPr>
+          <p:cNvPr id="33" name="直線矢印コネクタ 32"/>
+          <p:cNvCxnSpPr/>
+          <p:nvPr/>
+        </p:nvCxnSpPr>
+        <p:spPr>
+          <a:xfrm>
+            <a:off x="251520" y="1700808"/>
+            <a:ext cx="0" cy="2281790"/>
+          </a:xfrm>
+          <a:prstGeom prst="straightConnector1">
+            <a:avLst/>
+          </a:prstGeom>
+          <a:ln>
+            <a:tailEnd type="triangle"/>
+          </a:ln>
+        </p:spPr>
+        <p:style>
+          <a:lnRef idx="1">
+            <a:schemeClr val="accent1"/>
+          </a:lnRef>
+          <a:fillRef idx="0">
+            <a:schemeClr val="accent1"/>
+          </a:fillRef>
+          <a:effectRef idx="0">
+            <a:schemeClr val="accent1"/>
+          </a:effectRef>
+          <a:fontRef idx="minor">
+            <a:schemeClr val="tx1"/>
+          </a:fontRef>
+        </p:style>
+      </p:cxnSp>
+      <p:sp>
+        <p:nvSpPr>
+          <p:cNvPr id="34" name="テキスト ボックス 33"/>
+          <p:cNvSpPr txBox="1"/>
+          <p:nvPr/>
+        </p:nvSpPr>
+        <p:spPr>
+          <a:xfrm>
+            <a:off x="85039" y="4061207"/>
+            <a:ext cx="3507003" cy="2308324"/>
+          </a:xfrm>
+          <a:prstGeom prst="rect">
+            <a:avLst/>
+          </a:prstGeom>
+          <a:noFill/>
+        </p:spPr>
+        <p:txBody>
+          <a:bodyPr wrap="square" rtlCol="0">
+            <a:spAutoFit/>
+          </a:bodyPr>
+          <a:lstStyle/>
+          <a:p>
+            <a:r>
+              <a:rPr kumimoji="1" lang="ja-JP" altLang="en-US" sz="2400" dirty="0" smtClean="0">
+                <a:solidFill>
+                  <a:srgbClr val="FFFF00"/>
+                </a:solidFill>
+              </a:rPr>
+              <a:t>操作方法</a:t>
+            </a:r>
+            <a:endParaRPr kumimoji="1" lang="en-US" altLang="ja-JP" sz="2400" dirty="0" smtClean="0">
+              <a:solidFill>
+                <a:srgbClr val="FFFF00"/>
+              </a:solidFill>
+            </a:endParaRPr>
+          </a:p>
+          <a:p>
+            <a:r>
+              <a:rPr lang="ja-JP" altLang="en-US" sz="2400" dirty="0" smtClean="0">
+                <a:solidFill>
+                  <a:srgbClr val="FFFF00"/>
+                </a:solidFill>
+              </a:rPr>
+              <a:t>左キー：左移動</a:t>
+            </a:r>
+            <a:endParaRPr lang="en-US" altLang="ja-JP" sz="2400" dirty="0" smtClean="0">
+              <a:solidFill>
+                <a:srgbClr val="FFFF00"/>
+              </a:solidFill>
+            </a:endParaRPr>
+          </a:p>
+          <a:p>
+            <a:r>
+              <a:rPr kumimoji="1" lang="ja-JP" altLang="en-US" sz="2400" dirty="0" smtClean="0">
+                <a:solidFill>
+                  <a:srgbClr val="FFFF00"/>
+                </a:solidFill>
+              </a:rPr>
+              <a:t>右キー：右移動</a:t>
+            </a:r>
+            <a:endParaRPr kumimoji="1" lang="en-US" altLang="ja-JP" sz="2400" dirty="0" smtClean="0">
+              <a:solidFill>
+                <a:srgbClr val="FFFF00"/>
+              </a:solidFill>
+            </a:endParaRPr>
+          </a:p>
+          <a:p>
+            <a:r>
+              <a:rPr lang="ja-JP" altLang="en-US" sz="2400" dirty="0" smtClean="0">
+                <a:solidFill>
+                  <a:srgbClr val="FFFF00"/>
+                </a:solidFill>
+              </a:rPr>
+              <a:t>移動時</a:t>
+            </a:r>
+            <a:r>
+              <a:rPr lang="en-US" altLang="ja-JP" sz="2400" dirty="0" smtClean="0">
+                <a:solidFill>
+                  <a:srgbClr val="FFFF00"/>
+                </a:solidFill>
+              </a:rPr>
               <a:t>+A</a:t>
             </a:r>
             <a:r>
-              <a:rPr lang="ja-JP" altLang="en-US" sz="4800" b="1" dirty="0"/>
-              <a:t>キー</a:t>
-            </a:r>
-            <a:r>
-              <a:rPr lang="en-US" altLang="ja-JP" sz="4800" b="1" dirty="0"/>
-              <a:t>	</a:t>
-            </a:r>
-            <a:r>
-              <a:rPr lang="ja-JP" altLang="en-US" sz="4800" b="1" dirty="0" smtClean="0"/>
-              <a:t>ダッシュ</a:t>
-            </a:r>
-            <a:r>
-              <a:rPr lang="en-US" altLang="ja-JP" sz="4800" b="1" dirty="0"/>
-              <a:t/>
-            </a:r>
-            <a:br>
-              <a:rPr lang="en-US" altLang="ja-JP" sz="4800" b="1" dirty="0"/>
-            </a:br>
-            <a:r>
-              <a:rPr lang="ja-JP" altLang="en-US" sz="4800" b="1" dirty="0" smtClean="0"/>
-              <a:t>十</a:t>
-            </a:r>
-            <a:r>
-              <a:rPr lang="ja-JP" altLang="en-US" sz="4800" b="1" dirty="0"/>
-              <a:t>字</a:t>
-            </a:r>
-            <a:r>
-              <a:rPr lang="ja-JP" altLang="en-US" sz="4800" b="1" dirty="0" smtClean="0"/>
-              <a:t>キー上</a:t>
-            </a:r>
-            <a:r>
-              <a:rPr lang="en-US" altLang="ja-JP" sz="4800" b="1" dirty="0" smtClean="0"/>
-              <a:t>		</a:t>
-            </a:r>
-            <a:r>
-              <a:rPr lang="ja-JP" altLang="en-US" sz="4800" b="1" dirty="0" smtClean="0"/>
-              <a:t>ジャンプ</a:t>
-            </a:r>
-            <a:r>
-              <a:rPr lang="en-US" altLang="ja-JP" sz="4800" b="1" dirty="0" smtClean="0"/>
-              <a:t/>
-            </a:r>
-            <a:br>
-              <a:rPr lang="en-US" altLang="ja-JP" sz="4800" b="1" dirty="0" smtClean="0"/>
-            </a:br>
-            <a:r>
-              <a:rPr lang="en-US" altLang="ja-JP" sz="4800" b="1" dirty="0" smtClean="0"/>
+              <a:rPr lang="ja-JP" altLang="en-US" sz="2400" dirty="0" smtClean="0">
+                <a:solidFill>
+                  <a:srgbClr val="FFFF00"/>
+                </a:solidFill>
+              </a:rPr>
+              <a:t>キー：ダッシュ</a:t>
+            </a:r>
+            <a:endParaRPr lang="en-US" altLang="ja-JP" sz="2400" dirty="0" smtClean="0">
+              <a:solidFill>
+                <a:srgbClr val="FFFF00"/>
+              </a:solidFill>
+            </a:endParaRPr>
+          </a:p>
+          <a:p>
+            <a:r>
+              <a:rPr kumimoji="1" lang="en-US" altLang="ja-JP" sz="2400" dirty="0" smtClean="0">
+                <a:solidFill>
+                  <a:srgbClr val="FFFF00"/>
+                </a:solidFill>
+              </a:rPr>
               <a:t>Z</a:t>
             </a:r>
             <a:r>
-              <a:rPr lang="ja-JP" altLang="en-US" sz="4800" b="1" dirty="0" smtClean="0"/>
-              <a:t>キー</a:t>
-            </a:r>
-            <a:r>
-              <a:rPr lang="en-US" altLang="ja-JP" sz="4800" b="1" dirty="0" smtClean="0"/>
-              <a:t>				</a:t>
-            </a:r>
-            <a:r>
-              <a:rPr lang="ja-JP" altLang="en-US" sz="4800" b="1" dirty="0" smtClean="0"/>
-              <a:t>弾丸発射</a:t>
-            </a:r>
-            <a:endParaRPr kumimoji="1" lang="ja-JP" altLang="en-US" sz="4800" b="1" dirty="0"/>
+              <a:rPr kumimoji="1" lang="ja-JP" altLang="en-US" sz="2400" dirty="0" smtClean="0">
+                <a:solidFill>
+                  <a:srgbClr val="FFFF00"/>
+                </a:solidFill>
+              </a:rPr>
+              <a:t>キー：弾丸発射</a:t>
+            </a:r>
+            <a:endParaRPr kumimoji="1" lang="en-US" altLang="ja-JP" sz="2400" dirty="0" smtClean="0">
+              <a:solidFill>
+                <a:srgbClr val="FFFF00"/>
+              </a:solidFill>
+            </a:endParaRPr>
+          </a:p>
+          <a:p>
+            <a:r>
+              <a:rPr lang="ja-JP" altLang="en-US" sz="2400" dirty="0" smtClean="0">
+                <a:solidFill>
+                  <a:srgbClr val="FFFF00"/>
+                </a:solidFill>
+              </a:rPr>
+              <a:t>上キー：ジャンプ</a:t>
+            </a:r>
+            <a:endParaRPr kumimoji="1" lang="ja-JP" altLang="en-US" sz="2400" dirty="0">
+              <a:solidFill>
+                <a:srgbClr val="FFFF00"/>
+              </a:solidFill>
+            </a:endParaRPr>
           </a:p>
         </p:txBody>
       </p:sp>
     </p:spTree>
     <p:extLst>
       <p:ext uri="{BB962C8B-B14F-4D97-AF65-F5344CB8AC3E}">
-        <p14:creationId xmlns:p14="http://schemas.microsoft.com/office/powerpoint/2010/main" val="3938706953"/>
+        <p14:creationId xmlns:p14="http://schemas.microsoft.com/office/powerpoint/2010/main" val="3561711160"/>
       </p:ext>
     </p:extLst>
   </p:cSld>
@@ -3951,48 +4776,47 @@
           <a:lstStyle/>
           <a:p>
             <a:r>
-              <a:rPr kumimoji="1" lang="ja-JP" altLang="en-US" sz="7200" b="1" u="sng" dirty="0" smtClean="0"/>
+              <a:rPr kumimoji="1" lang="ja-JP" altLang="en-US" sz="7200" b="1" dirty="0" smtClean="0"/>
               <a:t>敵</a:t>
             </a:r>
             <a:r>
-              <a:rPr lang="ja-JP" altLang="en-US" sz="7200" b="1" u="sng" dirty="0"/>
-              <a:t>　</a:t>
-            </a:r>
-            <a:r>
-              <a:rPr lang="en-US" altLang="ja-JP" sz="7200" b="1" u="sng" dirty="0" smtClean="0"/>
+              <a:rPr lang="en-US" altLang="ja-JP" sz="7200" b="1" dirty="0"/>
+              <a:t> </a:t>
+            </a:r>
+            <a:r>
+              <a:rPr lang="en-US" altLang="ja-JP" sz="7200" b="1" dirty="0" smtClean="0"/>
               <a:t>MOB</a:t>
             </a:r>
             <a:r>
-              <a:rPr lang="ja-JP" altLang="en-US" sz="7200" b="1" u="sng" dirty="0" smtClean="0"/>
+              <a:rPr lang="ja-JP" altLang="en-US" sz="7200" b="1" dirty="0" smtClean="0"/>
+              <a:t> 特殊</a:t>
+            </a:r>
+            <a:r>
+              <a:rPr lang="ja-JP" altLang="en-US" sz="7200" b="1" dirty="0"/>
               <a:t>ゾンビ</a:t>
             </a:r>
-            <a:endParaRPr kumimoji="1" lang="ja-JP" altLang="en-US" sz="7200" b="1" u="sng" dirty="0"/>
+            <a:endParaRPr kumimoji="1" lang="ja-JP" altLang="en-US" sz="7200" b="1" dirty="0"/>
           </a:p>
         </p:txBody>
       </p:sp>
       <p:pic>
         <p:nvPicPr>
-          <p:cNvPr id="8" name="図 7"/>
+          <p:cNvPr id="3" name="図 2"/>
           <p:cNvPicPr>
             <a:picLocks noChangeAspect="1"/>
           </p:cNvPicPr>
           <p:nvPr/>
         </p:nvPicPr>
-        <p:blipFill rotWithShape="1">
-          <a:blip r:embed="rId2">
-            <a:extLst>
-              <a:ext uri="{28A0092B-C50C-407E-A947-70E740481C1C}">
-                <a14:useLocalDpi xmlns:a14="http://schemas.microsoft.com/office/drawing/2010/main" val="0"/>
-              </a:ext>
-            </a:extLst>
-          </a:blip>
-          <a:srcRect t="13182" r="75624" b="63091"/>
-          <a:stretch/>
+        <p:blipFill>
+          <a:blip r:embed="rId2"/>
+          <a:stretch>
+            <a:fillRect/>
+          </a:stretch>
         </p:blipFill>
         <p:spPr>
           <a:xfrm>
-            <a:off x="251520" y="1179062"/>
-            <a:ext cx="3672408" cy="3042141"/>
+            <a:off x="827584" y="1518118"/>
+            <a:ext cx="2186166" cy="1809116"/>
           </a:xfrm>
           <a:prstGeom prst="rect">
             <a:avLst/>
@@ -4001,62 +4825,295 @@
       </p:pic>
       <p:sp>
         <p:nvSpPr>
-          <p:cNvPr id="13" name="タイトル 12"/>
-          <p:cNvSpPr>
-            <a:spLocks noGrp="1"/>
-          </p:cNvSpPr>
-          <p:nvPr>
-            <p:ph type="ctrTitle"/>
-          </p:nvPr>
+          <p:cNvPr id="4" name="タイトル 12"/>
+          <p:cNvSpPr txBox="1">
+            <a:spLocks/>
+          </p:cNvSpPr>
+          <p:nvPr/>
         </p:nvSpPr>
         <p:spPr>
           <a:xfrm>
-            <a:off x="-180528" y="3717033"/>
-            <a:ext cx="9324528" cy="3140968"/>
+            <a:off x="3247132" y="1662135"/>
+            <a:ext cx="5868144" cy="2060752"/>
           </a:xfrm>
+          <a:prstGeom prst="rect">
+            <a:avLst/>
+          </a:prstGeom>
         </p:spPr>
         <p:txBody>
           <a:bodyPr>
             <a:noAutofit/>
           </a:bodyPr>
-          <a:lstStyle/>
-          <a:p>
-            <a:pPr algn="r"/>
-            <a:r>
-              <a:rPr lang="en-US" altLang="ja-JP" sz="8800" b="1" dirty="0" smtClean="0"/>
+          <a:lstStyle>
+            <a:lvl1pPr algn="l" defTabSz="914400" rtl="0" eaLnBrk="1" latinLnBrk="0" hangingPunct="1">
+              <a:spcBef>
+                <a:spcPct val="0"/>
+              </a:spcBef>
+              <a:buNone/>
+              <a:defRPr kumimoji="1" sz="4000" kern="1200">
+                <a:solidFill>
+                  <a:schemeClr val="tx2"/>
+                </a:solidFill>
+                <a:latin typeface="+mj-lt"/>
+                <a:ea typeface="+mj-ea"/>
+                <a:cs typeface="+mj-cs"/>
+              </a:defRPr>
+            </a:lvl1pPr>
+            <a:lvl2pPr eaLnBrk="1" hangingPunct="1">
+              <a:defRPr kumimoji="1">
+                <a:solidFill>
+                  <a:schemeClr val="tx2"/>
+                </a:solidFill>
+              </a:defRPr>
+            </a:lvl2pPr>
+            <a:lvl3pPr eaLnBrk="1" hangingPunct="1">
+              <a:defRPr kumimoji="1">
+                <a:solidFill>
+                  <a:schemeClr val="tx2"/>
+                </a:solidFill>
+              </a:defRPr>
+            </a:lvl3pPr>
+            <a:lvl4pPr eaLnBrk="1" hangingPunct="1">
+              <a:defRPr kumimoji="1">
+                <a:solidFill>
+                  <a:schemeClr val="tx2"/>
+                </a:solidFill>
+              </a:defRPr>
+            </a:lvl4pPr>
+            <a:lvl5pPr eaLnBrk="1" hangingPunct="1">
+              <a:defRPr kumimoji="1">
+                <a:solidFill>
+                  <a:schemeClr val="tx2"/>
+                </a:solidFill>
+              </a:defRPr>
+            </a:lvl5pPr>
+            <a:lvl6pPr eaLnBrk="1" hangingPunct="1">
+              <a:defRPr kumimoji="1">
+                <a:solidFill>
+                  <a:schemeClr val="tx2"/>
+                </a:solidFill>
+              </a:defRPr>
+            </a:lvl6pPr>
+            <a:lvl7pPr eaLnBrk="1" hangingPunct="1">
+              <a:defRPr kumimoji="1">
+                <a:solidFill>
+                  <a:schemeClr val="tx2"/>
+                </a:solidFill>
+              </a:defRPr>
+            </a:lvl7pPr>
+            <a:lvl8pPr eaLnBrk="1" hangingPunct="1">
+              <a:defRPr kumimoji="1">
+                <a:solidFill>
+                  <a:schemeClr val="tx2"/>
+                </a:solidFill>
+              </a:defRPr>
+            </a:lvl8pPr>
+            <a:lvl9pPr eaLnBrk="1" hangingPunct="1">
+              <a:defRPr kumimoji="1">
+                <a:solidFill>
+                  <a:schemeClr val="tx2"/>
+                </a:solidFill>
+              </a:defRPr>
+            </a:lvl9pPr>
+          </a:lstStyle>
+          <a:p>
+            <a:pPr algn="ctr"/>
+            <a:r>
+              <a:rPr lang="en-US" altLang="ja-JP" sz="5400" b="1" dirty="0" smtClean="0"/>
               <a:t>HP</a:t>
             </a:r>
             <a:r>
-              <a:rPr lang="ja-JP" altLang="en-US" sz="8800" b="1" dirty="0"/>
-              <a:t>が</a:t>
-            </a:r>
-            <a:r>
-              <a:rPr lang="ja-JP" altLang="en-US" sz="8800" b="1" dirty="0" smtClean="0"/>
-              <a:t>少ない</a:t>
-            </a:r>
-            <a:r>
-              <a:rPr lang="ja-JP" altLang="en-US" sz="8800" b="1" dirty="0" smtClean="0"/>
-              <a:t>ゾンビ</a:t>
-            </a:r>
-            <a:r>
-              <a:rPr lang="en-US" altLang="ja-JP" sz="8800" b="1" dirty="0" smtClean="0"/>
+              <a:rPr lang="ja-JP" altLang="en-US" sz="5400" b="1" dirty="0" smtClean="0"/>
+              <a:t>が少ないゾンビ</a:t>
+            </a:r>
+            <a:r>
+              <a:rPr lang="en-US" altLang="ja-JP" sz="5400" b="1" dirty="0" smtClean="0"/>
               <a:t/>
             </a:r>
             <a:br>
-              <a:rPr lang="en-US" altLang="ja-JP" sz="8800" b="1" dirty="0" smtClean="0"/>
+              <a:rPr lang="en-US" altLang="ja-JP" sz="5400" b="1" dirty="0" smtClean="0"/>
             </a:br>
             <a:r>
-              <a:rPr lang="ja-JP" altLang="en-US" sz="8800" b="1" dirty="0" smtClean="0"/>
+              <a:rPr lang="ja-JP" altLang="en-US" sz="5400" b="1" dirty="0" smtClean="0"/>
               <a:t>出現数は多い</a:t>
             </a:r>
-            <a:endParaRPr kumimoji="1" lang="ja-JP" altLang="en-US" sz="8800" b="1" dirty="0"/>
-          </a:p>
-        </p:txBody>
-      </p:sp>
+            <a:endParaRPr lang="ja-JP" altLang="en-US" sz="5400" b="1" dirty="0"/>
+          </a:p>
+        </p:txBody>
+      </p:sp>
+      <p:pic>
+        <p:nvPicPr>
+          <p:cNvPr id="5" name="図 4"/>
+          <p:cNvPicPr>
+            <a:picLocks noChangeAspect="1"/>
+          </p:cNvPicPr>
+          <p:nvPr/>
+        </p:nvPicPr>
+        <p:blipFill>
+          <a:blip r:embed="rId3"/>
+          <a:stretch>
+            <a:fillRect/>
+          </a:stretch>
+        </p:blipFill>
+        <p:spPr>
+          <a:xfrm>
+            <a:off x="256549" y="4133270"/>
+            <a:ext cx="3595371" cy="2164957"/>
+          </a:xfrm>
+          <a:prstGeom prst="rect">
+            <a:avLst/>
+          </a:prstGeom>
+        </p:spPr>
+      </p:pic>
+      <p:sp>
+        <p:nvSpPr>
+          <p:cNvPr id="6" name="タイトル 12"/>
+          <p:cNvSpPr txBox="1">
+            <a:spLocks/>
+          </p:cNvSpPr>
+          <p:nvPr/>
+        </p:nvSpPr>
+        <p:spPr>
+          <a:xfrm>
+            <a:off x="3387636" y="4437112"/>
+            <a:ext cx="5715560" cy="2042038"/>
+          </a:xfrm>
+          <a:prstGeom prst="rect">
+            <a:avLst/>
+          </a:prstGeom>
+        </p:spPr>
+        <p:txBody>
+          <a:bodyPr>
+            <a:noAutofit/>
+          </a:bodyPr>
+          <a:lstStyle>
+            <a:lvl1pPr algn="l" defTabSz="914400" rtl="0" eaLnBrk="1" latinLnBrk="0" hangingPunct="1">
+              <a:spcBef>
+                <a:spcPct val="0"/>
+              </a:spcBef>
+              <a:buNone/>
+              <a:defRPr kumimoji="1" sz="4000" kern="1200">
+                <a:solidFill>
+                  <a:schemeClr val="tx2"/>
+                </a:solidFill>
+                <a:latin typeface="+mj-lt"/>
+                <a:ea typeface="+mj-ea"/>
+                <a:cs typeface="+mj-cs"/>
+              </a:defRPr>
+            </a:lvl1pPr>
+            <a:lvl2pPr eaLnBrk="1" hangingPunct="1">
+              <a:defRPr kumimoji="1">
+                <a:solidFill>
+                  <a:schemeClr val="tx2"/>
+                </a:solidFill>
+              </a:defRPr>
+            </a:lvl2pPr>
+            <a:lvl3pPr eaLnBrk="1" hangingPunct="1">
+              <a:defRPr kumimoji="1">
+                <a:solidFill>
+                  <a:schemeClr val="tx2"/>
+                </a:solidFill>
+              </a:defRPr>
+            </a:lvl3pPr>
+            <a:lvl4pPr eaLnBrk="1" hangingPunct="1">
+              <a:defRPr kumimoji="1">
+                <a:solidFill>
+                  <a:schemeClr val="tx2"/>
+                </a:solidFill>
+              </a:defRPr>
+            </a:lvl4pPr>
+            <a:lvl5pPr eaLnBrk="1" hangingPunct="1">
+              <a:defRPr kumimoji="1">
+                <a:solidFill>
+                  <a:schemeClr val="tx2"/>
+                </a:solidFill>
+              </a:defRPr>
+            </a:lvl5pPr>
+            <a:lvl6pPr eaLnBrk="1" hangingPunct="1">
+              <a:defRPr kumimoji="1">
+                <a:solidFill>
+                  <a:schemeClr val="tx2"/>
+                </a:solidFill>
+              </a:defRPr>
+            </a:lvl6pPr>
+            <a:lvl7pPr eaLnBrk="1" hangingPunct="1">
+              <a:defRPr kumimoji="1">
+                <a:solidFill>
+                  <a:schemeClr val="tx2"/>
+                </a:solidFill>
+              </a:defRPr>
+            </a:lvl7pPr>
+            <a:lvl8pPr eaLnBrk="1" hangingPunct="1">
+              <a:defRPr kumimoji="1">
+                <a:solidFill>
+                  <a:schemeClr val="tx2"/>
+                </a:solidFill>
+              </a:defRPr>
+            </a:lvl8pPr>
+            <a:lvl9pPr eaLnBrk="1" hangingPunct="1">
+              <a:defRPr kumimoji="1">
+                <a:solidFill>
+                  <a:schemeClr val="tx2"/>
+                </a:solidFill>
+              </a:defRPr>
+            </a:lvl9pPr>
+          </a:lstStyle>
+          <a:p>
+            <a:pPr algn="ctr"/>
+            <a:r>
+              <a:rPr lang="en-US" altLang="ja-JP" sz="5400" b="1" dirty="0" smtClean="0"/>
+              <a:t>HP</a:t>
+            </a:r>
+            <a:r>
+              <a:rPr lang="ja-JP" altLang="en-US" sz="5400" b="1" dirty="0" smtClean="0"/>
+              <a:t>が高めのゾンビ</a:t>
+            </a:r>
+            <a:endParaRPr lang="en-US" altLang="ja-JP" sz="5400" b="1" dirty="0" smtClean="0"/>
+          </a:p>
+          <a:p>
+            <a:pPr algn="ctr"/>
+            <a:r>
+              <a:rPr lang="ja-JP" altLang="en-US" sz="5400" b="1" dirty="0" smtClean="0"/>
+              <a:t>出現数は多い</a:t>
+            </a:r>
+            <a:endParaRPr lang="ja-JP" altLang="en-US" sz="5400" b="1" dirty="0"/>
+          </a:p>
+        </p:txBody>
+      </p:sp>
+      <p:cxnSp>
+        <p:nvCxnSpPr>
+          <p:cNvPr id="8" name="直線コネクタ 7"/>
+          <p:cNvCxnSpPr/>
+          <p:nvPr/>
+        </p:nvCxnSpPr>
+        <p:spPr>
+          <a:xfrm>
+            <a:off x="-108520" y="3789040"/>
+            <a:ext cx="9213452" cy="0"/>
+          </a:xfrm>
+          <a:prstGeom prst="line">
+            <a:avLst/>
+          </a:prstGeom>
+        </p:spPr>
+        <p:style>
+          <a:lnRef idx="1">
+            <a:schemeClr val="accent1"/>
+          </a:lnRef>
+          <a:fillRef idx="0">
+            <a:schemeClr val="accent1"/>
+          </a:fillRef>
+          <a:effectRef idx="0">
+            <a:schemeClr val="accent1"/>
+          </a:effectRef>
+          <a:fontRef idx="minor">
+            <a:schemeClr val="tx1"/>
+          </a:fontRef>
+        </p:style>
+      </p:cxnSp>
     </p:spTree>
     <p:extLst>
       <p:ext uri="{BB962C8B-B14F-4D97-AF65-F5344CB8AC3E}">
-        <p14:creationId xmlns:p14="http://schemas.microsoft.com/office/powerpoint/2010/main" val="2194192259"/>
+        <p14:creationId xmlns:p14="http://schemas.microsoft.com/office/powerpoint/2010/main" val="3999262922"/>
       </p:ext>
     </p:extLst>
   </p:cSld>
@@ -4091,8 +5148,8 @@
         </p:nvSpPr>
         <p:spPr>
           <a:xfrm>
-            <a:off x="0" y="5601"/>
-            <a:ext cx="9212271" cy="1200329"/>
+            <a:off x="251520" y="-5804"/>
+            <a:ext cx="8604448" cy="1200329"/>
           </a:xfrm>
           <a:prstGeom prst="rect">
             <a:avLst/>
@@ -4106,18 +5163,18 @@
           <a:lstStyle/>
           <a:p>
             <a:r>
-              <a:rPr kumimoji="1" lang="ja-JP" altLang="en-US" sz="7200" b="1" u="sng" dirty="0" smtClean="0"/>
+              <a:rPr kumimoji="1" lang="ja-JP" altLang="en-US" sz="7200" b="1" dirty="0" smtClean="0"/>
               <a:t>敵</a:t>
             </a:r>
             <a:r>
-              <a:rPr lang="en-US" altLang="ja-JP" sz="7200" b="1" u="sng" dirty="0" smtClean="0"/>
-              <a:t>	</a:t>
-            </a:r>
-            <a:r>
-              <a:rPr lang="ja-JP" altLang="en-US" sz="7200" b="1" u="sng" dirty="0" smtClean="0"/>
-              <a:t>特殊ゾンビ</a:t>
-            </a:r>
-            <a:endParaRPr kumimoji="1" lang="ja-JP" altLang="en-US" sz="7200" b="1" u="sng" dirty="0"/>
+              <a:rPr lang="ja-JP" altLang="en-US" sz="7200" b="1" dirty="0"/>
+              <a:t> </a:t>
+            </a:r>
+            <a:r>
+              <a:rPr lang="ja-JP" altLang="en-US" sz="7200" b="1" dirty="0" smtClean="0"/>
+              <a:t>中ボス ボスゾンビ</a:t>
+            </a:r>
+            <a:endParaRPr kumimoji="1" lang="ja-JP" altLang="en-US" sz="7200" b="1" dirty="0"/>
           </a:p>
         </p:txBody>
       </p:sp>
@@ -4137,8 +5194,8 @@
         </p:blipFill>
         <p:spPr>
           <a:xfrm>
-            <a:off x="-17359" y="1205930"/>
-            <a:ext cx="5796136" cy="2891643"/>
+            <a:off x="251520" y="1060025"/>
+            <a:ext cx="2882974" cy="2431468"/>
           </a:xfrm>
           <a:prstGeom prst="rect">
             <a:avLst/>
@@ -4147,7 +5204,7 @@
       </p:pic>
       <p:sp>
         <p:nvSpPr>
-          <p:cNvPr id="7" name="タイトル 12"/>
+          <p:cNvPr id="4" name="タイトル 12"/>
           <p:cNvSpPr txBox="1">
             <a:spLocks/>
           </p:cNvSpPr>
@@ -4155,8 +5212,8 @@
         </p:nvSpPr>
         <p:spPr>
           <a:xfrm>
-            <a:off x="755576" y="4365104"/>
-            <a:ext cx="8388424" cy="2492896"/>
+            <a:off x="2915816" y="1286628"/>
+            <a:ext cx="5436096" cy="2502411"/>
           </a:xfrm>
           <a:prstGeom prst="rect">
             <a:avLst/>
@@ -4239,123 +5296,98 @@
             </a:lvl9pPr>
           </a:lstStyle>
           <a:p>
-            <a:pPr algn="r"/>
-            <a:r>
-              <a:rPr lang="en-US" altLang="ja-JP" sz="8000" b="1" dirty="0" smtClean="0"/>
+            <a:pPr algn="ctr"/>
+            <a:r>
+              <a:rPr lang="ja-JP" altLang="en-US" sz="5400" b="1" dirty="0" smtClean="0"/>
+              <a:t>他より</a:t>
+            </a:r>
+            <a:r>
+              <a:rPr lang="en-US" altLang="ja-JP" sz="5400" b="1" dirty="0" smtClean="0"/>
               <a:t>HP</a:t>
             </a:r>
             <a:r>
-              <a:rPr lang="ja-JP" altLang="en-US" sz="8000" b="1" dirty="0" smtClean="0"/>
-              <a:t>が高めの</a:t>
-            </a:r>
-            <a:r>
-              <a:rPr lang="ja-JP" altLang="en-US" sz="8000" b="1" dirty="0" smtClean="0"/>
-              <a:t>ゾンビ</a:t>
-            </a:r>
-            <a:endParaRPr lang="en-US" altLang="ja-JP" sz="8000" b="1" dirty="0" smtClean="0"/>
-          </a:p>
-          <a:p>
-            <a:pPr algn="r"/>
-            <a:r>
-              <a:rPr lang="ja-JP" altLang="en-US" sz="8000" b="1" dirty="0" smtClean="0"/>
-              <a:t>出現数は多い</a:t>
-            </a:r>
-            <a:endParaRPr lang="ja-JP" altLang="en-US" sz="8000" b="1" dirty="0"/>
-          </a:p>
-        </p:txBody>
-      </p:sp>
-    </p:spTree>
-    <p:extLst>
-      <p:ext uri="{BB962C8B-B14F-4D97-AF65-F5344CB8AC3E}">
-        <p14:creationId xmlns:p14="http://schemas.microsoft.com/office/powerpoint/2010/main" val="743092172"/>
-      </p:ext>
-    </p:extLst>
-  </p:cSld>
-  <p:clrMapOvr>
-    <a:masterClrMapping/>
-  </p:clrMapOvr>
-</p:sld>
-</file>
-
-<file path=ppt/slides/slide6.xml><?xml version="1.0" encoding="utf-8"?>
-<p:sld xmlns:a="http://schemas.openxmlformats.org/drawingml/2006/main" xmlns:r="http://schemas.openxmlformats.org/officeDocument/2006/relationships" xmlns:p="http://schemas.openxmlformats.org/presentationml/2006/main">
-  <p:cSld>
-    <p:spTree>
-      <p:nvGrpSpPr>
-        <p:cNvPr id="1" name=""/>
-        <p:cNvGrpSpPr/>
-        <p:nvPr/>
-      </p:nvGrpSpPr>
-      <p:grpSpPr>
-        <a:xfrm>
-          <a:off x="0" y="0"/>
-          <a:ext cx="0" cy="0"/>
-          <a:chOff x="0" y="0"/>
-          <a:chExt cx="0" cy="0"/>
-        </a:xfrm>
-      </p:grpSpPr>
-      <p:sp>
-        <p:nvSpPr>
-          <p:cNvPr id="2" name="テキスト ボックス 1"/>
-          <p:cNvSpPr txBox="1"/>
+              <a:rPr lang="ja-JP" altLang="en-US" sz="5400" b="1" dirty="0" smtClean="0"/>
+              <a:t>が</a:t>
+            </a:r>
+            <a:endParaRPr lang="en-US" altLang="ja-JP" sz="5400" b="1" dirty="0" smtClean="0"/>
+          </a:p>
+          <a:p>
+            <a:pPr algn="ctr"/>
+            <a:r>
+              <a:rPr lang="ja-JP" altLang="en-US" sz="5400" b="1" dirty="0" smtClean="0"/>
+              <a:t>高いゾンビ</a:t>
+            </a:r>
+            <a:r>
+              <a:rPr lang="en-US" altLang="ja-JP" sz="5400" b="1" dirty="0" smtClean="0"/>
+              <a:t/>
+            </a:r>
+            <a:br>
+              <a:rPr lang="en-US" altLang="ja-JP" sz="5400" b="1" dirty="0" smtClean="0"/>
+            </a:br>
+            <a:r>
+              <a:rPr lang="en-US" altLang="ja-JP" sz="5400" b="1" dirty="0" smtClean="0"/>
+              <a:t>STAGE</a:t>
+            </a:r>
+            <a:r>
+              <a:rPr lang="ja-JP" altLang="en-US" sz="5400" b="1" dirty="0" smtClean="0"/>
+              <a:t>の中ボス</a:t>
+            </a:r>
+            <a:endParaRPr lang="en-US" altLang="ja-JP" sz="5400" b="1" dirty="0" smtClean="0"/>
+          </a:p>
+          <a:p>
+            <a:pPr algn="ctr"/>
+            <a:endParaRPr lang="ja-JP" altLang="en-US" sz="5400" b="1" dirty="0"/>
+          </a:p>
+        </p:txBody>
+      </p:sp>
+      <p:cxnSp>
+        <p:nvCxnSpPr>
+          <p:cNvPr id="6" name="直線コネクタ 5"/>
+          <p:cNvCxnSpPr/>
           <p:nvPr/>
-        </p:nvSpPr>
+        </p:nvCxnSpPr>
         <p:spPr>
           <a:xfrm>
-            <a:off x="1" y="5601"/>
-            <a:ext cx="8604448" cy="1200329"/>
+            <a:off x="-144524" y="3789040"/>
+            <a:ext cx="9396536" cy="0"/>
           </a:xfrm>
-          <a:prstGeom prst="rect">
+          <a:prstGeom prst="line">
             <a:avLst/>
           </a:prstGeom>
-          <a:noFill/>
         </p:spPr>
-        <p:txBody>
-          <a:bodyPr wrap="square" rtlCol="0">
-            <a:spAutoFit/>
-          </a:bodyPr>
-          <a:lstStyle/>
-          <a:p>
-            <a:r>
-              <a:rPr kumimoji="1" lang="ja-JP" altLang="en-US" sz="7200" b="1" u="sng" dirty="0" smtClean="0"/>
-              <a:t>敵</a:t>
-            </a:r>
-            <a:r>
-              <a:rPr lang="ja-JP" altLang="en-US" sz="7200" b="1" u="sng" dirty="0"/>
-              <a:t>　</a:t>
-            </a:r>
-            <a:r>
-              <a:rPr lang="ja-JP" altLang="en-US" sz="7200" b="1" u="sng" dirty="0" smtClean="0"/>
-              <a:t>中ボスゾンビ</a:t>
-            </a:r>
-            <a:endParaRPr kumimoji="1" lang="ja-JP" altLang="en-US" sz="7200" b="1" u="sng" dirty="0"/>
-          </a:p>
-        </p:txBody>
-      </p:sp>
+        <p:style>
+          <a:lnRef idx="1">
+            <a:schemeClr val="accent1"/>
+          </a:lnRef>
+          <a:fillRef idx="0">
+            <a:schemeClr val="accent1"/>
+          </a:fillRef>
+          <a:effectRef idx="0">
+            <a:schemeClr val="accent1"/>
+          </a:effectRef>
+          <a:fontRef idx="minor">
+            <a:schemeClr val="tx1"/>
+          </a:fontRef>
+        </p:style>
+      </p:cxnSp>
       <p:pic>
         <p:nvPicPr>
-          <p:cNvPr id="5" name="図 4"/>
+          <p:cNvPr id="7" name="図 6"/>
           <p:cNvPicPr>
             <a:picLocks noChangeAspect="1"/>
           </p:cNvPicPr>
           <p:nvPr/>
         </p:nvPicPr>
         <p:blipFill>
-          <a:blip r:embed="rId2">
-            <a:extLst>
-              <a:ext uri="{28A0092B-C50C-407E-A947-70E740481C1C}">
-                <a14:useLocalDpi xmlns:a14="http://schemas.microsoft.com/office/drawing/2010/main" val="0"/>
-              </a:ext>
-            </a:extLst>
-          </a:blip>
+          <a:blip r:embed="rId3"/>
           <a:stretch>
             <a:fillRect/>
           </a:stretch>
         </p:blipFill>
         <p:spPr>
           <a:xfrm>
-            <a:off x="107504" y="1340767"/>
-            <a:ext cx="4752528" cy="4007033"/>
+            <a:off x="270620" y="3913035"/>
+            <a:ext cx="1475656" cy="2944965"/>
           </a:xfrm>
           <a:prstGeom prst="rect">
             <a:avLst/>
@@ -4364,7 +5396,7 @@
       </p:pic>
       <p:sp>
         <p:nvSpPr>
-          <p:cNvPr id="6" name="タイトル 12"/>
+          <p:cNvPr id="8" name="タイトル 12"/>
           <p:cNvSpPr txBox="1">
             <a:spLocks/>
           </p:cNvSpPr>
@@ -4372,8 +5404,8 @@
         </p:nvSpPr>
         <p:spPr>
           <a:xfrm>
-            <a:off x="2699792" y="3356992"/>
-            <a:ext cx="6444208" cy="3501008"/>
+            <a:off x="2939306" y="3803174"/>
+            <a:ext cx="5413598" cy="2944345"/>
           </a:xfrm>
           <a:prstGeom prst="rect">
             <a:avLst/>
@@ -4456,642 +5488,43 @@
             </a:lvl9pPr>
           </a:lstStyle>
           <a:p>
-            <a:pPr algn="r"/>
-            <a:r>
-              <a:rPr lang="ja-JP" altLang="en-US" sz="6600" b="1" dirty="0" smtClean="0"/>
-              <a:t>他より</a:t>
-            </a:r>
+            <a:pPr algn="ctr"/>
             <a:r>
               <a:rPr lang="en-US" altLang="ja-JP" sz="6600" b="1" dirty="0" smtClean="0"/>
               <a:t>HP</a:t>
             </a:r>
             <a:r>
               <a:rPr lang="ja-JP" altLang="en-US" sz="6600" b="1" dirty="0" smtClean="0"/>
-              <a:t>が</a:t>
+              <a:t>が一番</a:t>
             </a:r>
             <a:endParaRPr lang="en-US" altLang="ja-JP" sz="6600" b="1" dirty="0" smtClean="0"/>
           </a:p>
           <a:p>
-            <a:pPr algn="r"/>
+            <a:pPr algn="ctr"/>
             <a:r>
               <a:rPr lang="ja-JP" altLang="en-US" sz="6600" b="1" dirty="0" smtClean="0"/>
               <a:t>高いゾンビ</a:t>
             </a:r>
-            <a:r>
-              <a:rPr lang="en-US" altLang="ja-JP" sz="6600" b="1" dirty="0" smtClean="0"/>
-              <a:t/>
-            </a:r>
-            <a:br>
-              <a:rPr lang="en-US" altLang="ja-JP" sz="6600" b="1" dirty="0" smtClean="0"/>
-            </a:br>
+            <a:endParaRPr lang="en-US" altLang="ja-JP" sz="6600" b="1" dirty="0" smtClean="0"/>
+          </a:p>
+          <a:p>
+            <a:pPr algn="ctr"/>
             <a:r>
               <a:rPr lang="en-US" altLang="ja-JP" sz="6600" b="1" dirty="0" smtClean="0"/>
               <a:t>STAGE</a:t>
             </a:r>
             <a:r>
               <a:rPr lang="ja-JP" altLang="en-US" sz="6600" b="1" dirty="0" smtClean="0"/>
-              <a:t>の中ボス</a:t>
+              <a:t>ボス</a:t>
             </a:r>
             <a:endParaRPr lang="en-US" altLang="ja-JP" sz="6600" b="1" dirty="0" smtClean="0"/>
-          </a:p>
-          <a:p>
-            <a:pPr algn="r"/>
-            <a:endParaRPr lang="ja-JP" altLang="en-US" sz="6600" b="1" dirty="0"/>
           </a:p>
         </p:txBody>
       </p:sp>
     </p:spTree>
     <p:extLst>
       <p:ext uri="{BB962C8B-B14F-4D97-AF65-F5344CB8AC3E}">
-        <p14:creationId xmlns:p14="http://schemas.microsoft.com/office/powerpoint/2010/main" val="3201587670"/>
-      </p:ext>
-    </p:extLst>
-  </p:cSld>
-  <p:clrMapOvr>
-    <a:masterClrMapping/>
-  </p:clrMapOvr>
-</p:sld>
-</file>
-
-<file path=ppt/slides/slide7.xml><?xml version="1.0" encoding="utf-8"?>
-<p:sld xmlns:a="http://schemas.openxmlformats.org/drawingml/2006/main" xmlns:r="http://schemas.openxmlformats.org/officeDocument/2006/relationships" xmlns:p="http://schemas.openxmlformats.org/presentationml/2006/main">
-  <p:cSld>
-    <p:spTree>
-      <p:nvGrpSpPr>
-        <p:cNvPr id="1" name=""/>
-        <p:cNvGrpSpPr/>
-        <p:nvPr/>
-      </p:nvGrpSpPr>
-      <p:grpSpPr>
-        <a:xfrm>
-          <a:off x="0" y="0"/>
-          <a:ext cx="0" cy="0"/>
-          <a:chOff x="0" y="0"/>
-          <a:chExt cx="0" cy="0"/>
-        </a:xfrm>
-      </p:grpSpPr>
-      <p:sp>
-        <p:nvSpPr>
-          <p:cNvPr id="2" name="テキスト ボックス 1"/>
-          <p:cNvSpPr txBox="1"/>
-          <p:nvPr/>
-        </p:nvSpPr>
-        <p:spPr>
-          <a:xfrm>
-            <a:off x="0" y="5601"/>
-            <a:ext cx="9212271" cy="1200329"/>
-          </a:xfrm>
-          <a:prstGeom prst="rect">
-            <a:avLst/>
-          </a:prstGeom>
-          <a:noFill/>
-        </p:spPr>
-        <p:txBody>
-          <a:bodyPr wrap="square" rtlCol="0">
-            <a:spAutoFit/>
-          </a:bodyPr>
-          <a:lstStyle/>
-          <a:p>
-            <a:r>
-              <a:rPr kumimoji="1" lang="ja-JP" altLang="en-US" sz="7200" b="1" u="sng" dirty="0" smtClean="0"/>
-              <a:t>敵</a:t>
-            </a:r>
-            <a:r>
-              <a:rPr lang="ja-JP" altLang="en-US" sz="7200" b="1" u="sng" dirty="0"/>
-              <a:t>　</a:t>
-            </a:r>
-            <a:r>
-              <a:rPr lang="ja-JP" altLang="en-US" sz="7200" b="1" u="sng" dirty="0" smtClean="0"/>
-              <a:t>ボスゾンビ</a:t>
-            </a:r>
-            <a:endParaRPr kumimoji="1" lang="ja-JP" altLang="en-US" sz="7200" b="1" u="sng" dirty="0"/>
-          </a:p>
-        </p:txBody>
-      </p:sp>
-      <p:pic>
-        <p:nvPicPr>
-          <p:cNvPr id="4" name="図 3"/>
-          <p:cNvPicPr>
-            <a:picLocks noChangeAspect="1"/>
-          </p:cNvPicPr>
-          <p:nvPr/>
-        </p:nvPicPr>
-        <p:blipFill>
-          <a:blip r:embed="rId2">
-            <a:extLst>
-              <a:ext uri="{28A0092B-C50C-407E-A947-70E740481C1C}">
-                <a14:useLocalDpi xmlns:a14="http://schemas.microsoft.com/office/drawing/2010/main" val="0"/>
-              </a:ext>
-            </a:extLst>
-          </a:blip>
-          <a:stretch>
-            <a:fillRect/>
-          </a:stretch>
-        </p:blipFill>
-        <p:spPr>
-          <a:xfrm>
-            <a:off x="19472" y="1205930"/>
-            <a:ext cx="2830599" cy="5661198"/>
-          </a:xfrm>
-          <a:prstGeom prst="rect">
-            <a:avLst/>
-          </a:prstGeom>
-        </p:spPr>
-      </p:pic>
-      <p:sp>
-        <p:nvSpPr>
-          <p:cNvPr id="6" name="タイトル 12"/>
-          <p:cNvSpPr txBox="1">
-            <a:spLocks/>
-          </p:cNvSpPr>
-          <p:nvPr/>
-        </p:nvSpPr>
-        <p:spPr>
-          <a:xfrm>
-            <a:off x="3333637" y="2708920"/>
-            <a:ext cx="5810362" cy="4149080"/>
-          </a:xfrm>
-          <a:prstGeom prst="rect">
-            <a:avLst/>
-          </a:prstGeom>
-        </p:spPr>
-        <p:txBody>
-          <a:bodyPr>
-            <a:normAutofit/>
-          </a:bodyPr>
-          <a:lstStyle>
-            <a:lvl1pPr algn="l" defTabSz="914400" rtl="0" eaLnBrk="1" latinLnBrk="0" hangingPunct="1">
-              <a:spcBef>
-                <a:spcPct val="0"/>
-              </a:spcBef>
-              <a:buNone/>
-              <a:defRPr kumimoji="1" sz="4000" kern="1200">
-                <a:solidFill>
-                  <a:schemeClr val="tx2"/>
-                </a:solidFill>
-                <a:latin typeface="+mj-lt"/>
-                <a:ea typeface="+mj-ea"/>
-                <a:cs typeface="+mj-cs"/>
-              </a:defRPr>
-            </a:lvl1pPr>
-            <a:lvl2pPr eaLnBrk="1" hangingPunct="1">
-              <a:defRPr kumimoji="1">
-                <a:solidFill>
-                  <a:schemeClr val="tx2"/>
-                </a:solidFill>
-              </a:defRPr>
-            </a:lvl2pPr>
-            <a:lvl3pPr eaLnBrk="1" hangingPunct="1">
-              <a:defRPr kumimoji="1">
-                <a:solidFill>
-                  <a:schemeClr val="tx2"/>
-                </a:solidFill>
-              </a:defRPr>
-            </a:lvl3pPr>
-            <a:lvl4pPr eaLnBrk="1" hangingPunct="1">
-              <a:defRPr kumimoji="1">
-                <a:solidFill>
-                  <a:schemeClr val="tx2"/>
-                </a:solidFill>
-              </a:defRPr>
-            </a:lvl4pPr>
-            <a:lvl5pPr eaLnBrk="1" hangingPunct="1">
-              <a:defRPr kumimoji="1">
-                <a:solidFill>
-                  <a:schemeClr val="tx2"/>
-                </a:solidFill>
-              </a:defRPr>
-            </a:lvl5pPr>
-            <a:lvl6pPr eaLnBrk="1" hangingPunct="1">
-              <a:defRPr kumimoji="1">
-                <a:solidFill>
-                  <a:schemeClr val="tx2"/>
-                </a:solidFill>
-              </a:defRPr>
-            </a:lvl6pPr>
-            <a:lvl7pPr eaLnBrk="1" hangingPunct="1">
-              <a:defRPr kumimoji="1">
-                <a:solidFill>
-                  <a:schemeClr val="tx2"/>
-                </a:solidFill>
-              </a:defRPr>
-            </a:lvl7pPr>
-            <a:lvl8pPr eaLnBrk="1" hangingPunct="1">
-              <a:defRPr kumimoji="1">
-                <a:solidFill>
-                  <a:schemeClr val="tx2"/>
-                </a:solidFill>
-              </a:defRPr>
-            </a:lvl8pPr>
-            <a:lvl9pPr eaLnBrk="1" hangingPunct="1">
-              <a:defRPr kumimoji="1">
-                <a:solidFill>
-                  <a:schemeClr val="tx2"/>
-                </a:solidFill>
-              </a:defRPr>
-            </a:lvl9pPr>
-          </a:lstStyle>
-          <a:p>
-            <a:endParaRPr lang="ja-JP" altLang="en-US" dirty="0"/>
-          </a:p>
-        </p:txBody>
-      </p:sp>
-      <p:sp>
-        <p:nvSpPr>
-          <p:cNvPr id="7" name="タイトル 12"/>
-          <p:cNvSpPr txBox="1">
-            <a:spLocks/>
-          </p:cNvSpPr>
-          <p:nvPr/>
-        </p:nvSpPr>
-        <p:spPr>
-          <a:xfrm>
-            <a:off x="2483768" y="2397130"/>
-            <a:ext cx="6660232" cy="4460869"/>
-          </a:xfrm>
-          <a:prstGeom prst="rect">
-            <a:avLst/>
-          </a:prstGeom>
-        </p:spPr>
-        <p:txBody>
-          <a:bodyPr>
-            <a:noAutofit/>
-          </a:bodyPr>
-          <a:lstStyle>
-            <a:lvl1pPr algn="l" defTabSz="914400" rtl="0" eaLnBrk="1" latinLnBrk="0" hangingPunct="1">
-              <a:spcBef>
-                <a:spcPct val="0"/>
-              </a:spcBef>
-              <a:buNone/>
-              <a:defRPr kumimoji="1" sz="4000" kern="1200">
-                <a:solidFill>
-                  <a:schemeClr val="tx2"/>
-                </a:solidFill>
-                <a:latin typeface="+mj-lt"/>
-                <a:ea typeface="+mj-ea"/>
-                <a:cs typeface="+mj-cs"/>
-              </a:defRPr>
-            </a:lvl1pPr>
-            <a:lvl2pPr eaLnBrk="1" hangingPunct="1">
-              <a:defRPr kumimoji="1">
-                <a:solidFill>
-                  <a:schemeClr val="tx2"/>
-                </a:solidFill>
-              </a:defRPr>
-            </a:lvl2pPr>
-            <a:lvl3pPr eaLnBrk="1" hangingPunct="1">
-              <a:defRPr kumimoji="1">
-                <a:solidFill>
-                  <a:schemeClr val="tx2"/>
-                </a:solidFill>
-              </a:defRPr>
-            </a:lvl3pPr>
-            <a:lvl4pPr eaLnBrk="1" hangingPunct="1">
-              <a:defRPr kumimoji="1">
-                <a:solidFill>
-                  <a:schemeClr val="tx2"/>
-                </a:solidFill>
-              </a:defRPr>
-            </a:lvl4pPr>
-            <a:lvl5pPr eaLnBrk="1" hangingPunct="1">
-              <a:defRPr kumimoji="1">
-                <a:solidFill>
-                  <a:schemeClr val="tx2"/>
-                </a:solidFill>
-              </a:defRPr>
-            </a:lvl5pPr>
-            <a:lvl6pPr eaLnBrk="1" hangingPunct="1">
-              <a:defRPr kumimoji="1">
-                <a:solidFill>
-                  <a:schemeClr val="tx2"/>
-                </a:solidFill>
-              </a:defRPr>
-            </a:lvl6pPr>
-            <a:lvl7pPr eaLnBrk="1" hangingPunct="1">
-              <a:defRPr kumimoji="1">
-                <a:solidFill>
-                  <a:schemeClr val="tx2"/>
-                </a:solidFill>
-              </a:defRPr>
-            </a:lvl7pPr>
-            <a:lvl8pPr eaLnBrk="1" hangingPunct="1">
-              <a:defRPr kumimoji="1">
-                <a:solidFill>
-                  <a:schemeClr val="tx2"/>
-                </a:solidFill>
-              </a:defRPr>
-            </a:lvl8pPr>
-            <a:lvl9pPr eaLnBrk="1" hangingPunct="1">
-              <a:defRPr kumimoji="1">
-                <a:solidFill>
-                  <a:schemeClr val="tx2"/>
-                </a:solidFill>
-              </a:defRPr>
-            </a:lvl9pPr>
-          </a:lstStyle>
-          <a:p>
-            <a:pPr algn="ctr"/>
-            <a:r>
-              <a:rPr lang="en-US" altLang="ja-JP" sz="9600" b="1" dirty="0" smtClean="0"/>
-              <a:t>HP</a:t>
-            </a:r>
-            <a:r>
-              <a:rPr lang="ja-JP" altLang="en-US" sz="9600" b="1" dirty="0" smtClean="0"/>
-              <a:t>が一番</a:t>
-            </a:r>
-            <a:endParaRPr lang="en-US" altLang="ja-JP" sz="9600" b="1" dirty="0" smtClean="0"/>
-          </a:p>
-          <a:p>
-            <a:pPr algn="ctr"/>
-            <a:r>
-              <a:rPr lang="ja-JP" altLang="en-US" sz="9600" b="1" dirty="0" smtClean="0"/>
-              <a:t>高いゾンビ</a:t>
-            </a:r>
-            <a:endParaRPr lang="en-US" altLang="ja-JP" sz="9600" b="1" dirty="0" smtClean="0"/>
-          </a:p>
-          <a:p>
-            <a:pPr algn="ctr"/>
-            <a:r>
-              <a:rPr lang="en-US" altLang="ja-JP" sz="9600" b="1" dirty="0" smtClean="0"/>
-              <a:t>STAGE</a:t>
-            </a:r>
-            <a:r>
-              <a:rPr lang="ja-JP" altLang="en-US" sz="9600" b="1" dirty="0" smtClean="0"/>
-              <a:t>ボス</a:t>
-            </a:r>
-            <a:endParaRPr lang="en-US" altLang="ja-JP" sz="9600" b="1" dirty="0" smtClean="0"/>
-          </a:p>
-        </p:txBody>
-      </p:sp>
-    </p:spTree>
-    <p:extLst>
-      <p:ext uri="{BB962C8B-B14F-4D97-AF65-F5344CB8AC3E}">
-        <p14:creationId xmlns:p14="http://schemas.microsoft.com/office/powerpoint/2010/main" val="4258203473"/>
-      </p:ext>
-    </p:extLst>
-  </p:cSld>
-  <p:clrMapOvr>
-    <a:masterClrMapping/>
-  </p:clrMapOvr>
-</p:sld>
-</file>
-
-<file path=ppt/slides/slide8.xml><?xml version="1.0" encoding="utf-8"?>
-<p:sld xmlns:a="http://schemas.openxmlformats.org/drawingml/2006/main" xmlns:r="http://schemas.openxmlformats.org/officeDocument/2006/relationships" xmlns:p="http://schemas.openxmlformats.org/presentationml/2006/main">
-  <p:cSld>
-    <p:spTree>
-      <p:nvGrpSpPr>
-        <p:cNvPr id="1" name=""/>
-        <p:cNvGrpSpPr/>
-        <p:nvPr/>
-      </p:nvGrpSpPr>
-      <p:grpSpPr>
-        <a:xfrm>
-          <a:off x="0" y="0"/>
-          <a:ext cx="0" cy="0"/>
-          <a:chOff x="0" y="0"/>
-          <a:chExt cx="0" cy="0"/>
-        </a:xfrm>
-      </p:grpSpPr>
-      <p:sp>
-        <p:nvSpPr>
-          <p:cNvPr id="2" name="テキスト ボックス 1"/>
-          <p:cNvSpPr txBox="1"/>
-          <p:nvPr/>
-        </p:nvSpPr>
-        <p:spPr>
-          <a:xfrm>
-            <a:off x="1187624" y="116632"/>
-            <a:ext cx="6495429" cy="1446550"/>
-          </a:xfrm>
-          <a:prstGeom prst="rect">
-            <a:avLst/>
-          </a:prstGeom>
-          <a:noFill/>
-        </p:spPr>
-        <p:txBody>
-          <a:bodyPr wrap="square" rtlCol="0">
-            <a:spAutoFit/>
-          </a:bodyPr>
-          <a:lstStyle/>
-          <a:p>
-            <a:r>
-              <a:rPr lang="ja-JP" altLang="en-US" sz="8800" u="sng" dirty="0" smtClean="0"/>
-              <a:t>アイテム情報</a:t>
-            </a:r>
-            <a:endParaRPr kumimoji="1" lang="ja-JP" altLang="en-US" sz="8800" u="sng" dirty="0"/>
-          </a:p>
-        </p:txBody>
-      </p:sp>
-      <p:sp>
-        <p:nvSpPr>
-          <p:cNvPr id="3" name="テキスト ボックス 2"/>
-          <p:cNvSpPr txBox="1"/>
-          <p:nvPr/>
-        </p:nvSpPr>
-        <p:spPr>
-          <a:xfrm>
-            <a:off x="31231" y="1569679"/>
-            <a:ext cx="3316633" cy="1815882"/>
-          </a:xfrm>
-          <a:prstGeom prst="rect">
-            <a:avLst/>
-          </a:prstGeom>
-          <a:noFill/>
-        </p:spPr>
-        <p:txBody>
-          <a:bodyPr wrap="square" rtlCol="0">
-            <a:spAutoFit/>
-          </a:bodyPr>
-          <a:lstStyle/>
-          <a:p>
-            <a:r>
-              <a:rPr kumimoji="1" lang="ja-JP" altLang="en-US" sz="4000" dirty="0" smtClean="0">
-                <a:solidFill>
-                  <a:srgbClr val="FFFF00"/>
-                </a:solidFill>
-              </a:rPr>
-              <a:t>回復アイテム</a:t>
-            </a:r>
-            <a:endParaRPr lang="en-US" altLang="ja-JP" sz="3600" dirty="0" smtClean="0">
-              <a:solidFill>
-                <a:srgbClr val="FFFF00"/>
-              </a:solidFill>
-            </a:endParaRPr>
-          </a:p>
-          <a:p>
-            <a:r>
-              <a:rPr lang="ja-JP" altLang="en-US" sz="3600" dirty="0" smtClean="0">
-                <a:solidFill>
-                  <a:srgbClr val="00B050"/>
-                </a:solidFill>
-              </a:rPr>
-              <a:t>回復薬</a:t>
-            </a:r>
-            <a:endParaRPr lang="en-US" altLang="ja-JP" sz="3600" dirty="0" smtClean="0">
-              <a:solidFill>
-                <a:srgbClr val="00B050"/>
-              </a:solidFill>
-            </a:endParaRPr>
-          </a:p>
-          <a:p>
-            <a:r>
-              <a:rPr lang="en-US" altLang="ja-JP" sz="3600" dirty="0" smtClean="0"/>
-              <a:t>HP</a:t>
-            </a:r>
-            <a:r>
-              <a:rPr lang="ja-JP" altLang="en-US" sz="3600" dirty="0" smtClean="0"/>
-              <a:t>を</a:t>
-            </a:r>
-            <a:r>
-              <a:rPr lang="en-US" altLang="ja-JP" sz="3600" dirty="0" smtClean="0"/>
-              <a:t>3</a:t>
-            </a:r>
-            <a:r>
-              <a:rPr lang="ja-JP" altLang="en-US" sz="3600" dirty="0" smtClean="0"/>
-              <a:t>回復する</a:t>
-            </a:r>
-            <a:endParaRPr lang="en-US" altLang="ja-JP" sz="3600" dirty="0" smtClean="0"/>
-          </a:p>
-        </p:txBody>
-      </p:sp>
-      <p:pic>
-        <p:nvPicPr>
-          <p:cNvPr id="4" name="図 3"/>
-          <p:cNvPicPr>
-            <a:picLocks noChangeAspect="1"/>
-          </p:cNvPicPr>
-          <p:nvPr/>
-        </p:nvPicPr>
-        <p:blipFill>
-          <a:blip r:embed="rId2">
-            <a:extLst>
-              <a:ext uri="{28A0092B-C50C-407E-A947-70E740481C1C}">
-                <a14:useLocalDpi xmlns:a14="http://schemas.microsoft.com/office/drawing/2010/main" val="0"/>
-              </a:ext>
-            </a:extLst>
-          </a:blip>
-          <a:stretch>
-            <a:fillRect/>
-          </a:stretch>
-        </p:blipFill>
-        <p:spPr>
-          <a:xfrm>
-            <a:off x="-108520" y="3439069"/>
-            <a:ext cx="2249127" cy="2987122"/>
-          </a:xfrm>
-          <a:prstGeom prst="rect">
-            <a:avLst/>
-          </a:prstGeom>
-        </p:spPr>
-      </p:pic>
-      <p:sp>
-        <p:nvSpPr>
-          <p:cNvPr id="5" name="正方形/長方形 4"/>
-          <p:cNvSpPr/>
-          <p:nvPr/>
-        </p:nvSpPr>
-        <p:spPr>
-          <a:xfrm>
-            <a:off x="3995936" y="1541047"/>
-            <a:ext cx="4572000" cy="1815882"/>
-          </a:xfrm>
-          <a:prstGeom prst="rect">
-            <a:avLst/>
-          </a:prstGeom>
-        </p:spPr>
-        <p:txBody>
-          <a:bodyPr>
-            <a:spAutoFit/>
-          </a:bodyPr>
-          <a:lstStyle/>
-          <a:p>
-            <a:pPr lvl="0"/>
-            <a:r>
-              <a:rPr lang="ja-JP" altLang="en-US" sz="4000" dirty="0">
-                <a:solidFill>
-                  <a:srgbClr val="FFFF00"/>
-                </a:solidFill>
-              </a:rPr>
-              <a:t>武器補助アイテム</a:t>
-            </a:r>
-            <a:endParaRPr lang="en-US" altLang="ja-JP" sz="4000" dirty="0">
-              <a:solidFill>
-                <a:srgbClr val="FFFF00"/>
-              </a:solidFill>
-            </a:endParaRPr>
-          </a:p>
-          <a:p>
-            <a:pPr lvl="0"/>
-            <a:r>
-              <a:rPr lang="ja-JP" altLang="en-US" sz="3600" dirty="0" smtClean="0">
-                <a:solidFill>
-                  <a:srgbClr val="00B050"/>
-                </a:solidFill>
-              </a:rPr>
-              <a:t>弾丸キット</a:t>
-            </a:r>
-            <a:endParaRPr lang="en-US" altLang="ja-JP" sz="3600" dirty="0">
-              <a:solidFill>
-                <a:srgbClr val="00B050"/>
-              </a:solidFill>
-            </a:endParaRPr>
-          </a:p>
-          <a:p>
-            <a:pPr lvl="0"/>
-            <a:r>
-              <a:rPr lang="ja-JP" altLang="en-US" sz="3600" dirty="0" smtClean="0">
-                <a:solidFill>
-                  <a:prstClr val="white"/>
-                </a:solidFill>
-              </a:rPr>
-              <a:t>銃</a:t>
-            </a:r>
-            <a:r>
-              <a:rPr lang="ja-JP" altLang="en-US" sz="3600" dirty="0">
-                <a:solidFill>
-                  <a:prstClr val="white"/>
-                </a:solidFill>
-              </a:rPr>
-              <a:t>の弾丸数を増やす</a:t>
-            </a:r>
-            <a:endParaRPr lang="ja-JP" altLang="en-US" sz="2800" dirty="0"/>
-          </a:p>
-        </p:txBody>
-      </p:sp>
-      <p:pic>
-        <p:nvPicPr>
-          <p:cNvPr id="6" name="図 5"/>
-          <p:cNvPicPr>
-            <a:picLocks noChangeAspect="1"/>
-          </p:cNvPicPr>
-          <p:nvPr/>
-        </p:nvPicPr>
-        <p:blipFill rotWithShape="1">
-          <a:blip r:embed="rId3">
-            <a:extLst>
-              <a:ext uri="{28A0092B-C50C-407E-A947-70E740481C1C}">
-                <a14:useLocalDpi xmlns:a14="http://schemas.microsoft.com/office/drawing/2010/main" val="0"/>
-              </a:ext>
-            </a:extLst>
-          </a:blip>
-          <a:srcRect l="2206" t="4413" r="2914" b="2914"/>
-          <a:stretch/>
-        </p:blipFill>
-        <p:spPr>
-          <a:xfrm rot="10800000">
-            <a:off x="4448229" y="3639833"/>
-            <a:ext cx="3096344" cy="3024336"/>
-          </a:xfrm>
-          <a:prstGeom prst="rect">
-            <a:avLst/>
-          </a:prstGeom>
-        </p:spPr>
-      </p:pic>
-    </p:spTree>
-    <p:extLst>
-      <p:ext uri="{BB962C8B-B14F-4D97-AF65-F5344CB8AC3E}">
-        <p14:creationId xmlns:p14="http://schemas.microsoft.com/office/powerpoint/2010/main" val="1613272909"/>
+        <p14:creationId xmlns:p14="http://schemas.microsoft.com/office/powerpoint/2010/main" val="2641364937"/>
       </p:ext>
     </p:extLst>
   </p:cSld>
@@ -5389,4 +5822,265 @@
   <a:objectDefaults/>
   <a:extraClrSchemeLst/>
 </a:theme>
+</file>
+
+<file path=ppt/theme/theme2.xml><?xml version="1.0" encoding="utf-8"?>
+<a:theme xmlns:a="http://schemas.openxmlformats.org/drawingml/2006/main" name="Office テーマ">
+  <a:themeElements>
+    <a:clrScheme name="Office">
+      <a:dk1>
+        <a:sysClr val="windowText" lastClr="000000"/>
+      </a:dk1>
+      <a:lt1>
+        <a:sysClr val="window" lastClr="FFFFFF"/>
+      </a:lt1>
+      <a:dk2>
+        <a:srgbClr val="44546A"/>
+      </a:dk2>
+      <a:lt2>
+        <a:srgbClr val="E7E6E6"/>
+      </a:lt2>
+      <a:accent1>
+        <a:srgbClr val="5B9BD5"/>
+      </a:accent1>
+      <a:accent2>
+        <a:srgbClr val="ED7D31"/>
+      </a:accent2>
+      <a:accent3>
+        <a:srgbClr val="A5A5A5"/>
+      </a:accent3>
+      <a:accent4>
+        <a:srgbClr val="FFC000"/>
+      </a:accent4>
+      <a:accent5>
+        <a:srgbClr val="4472C4"/>
+      </a:accent5>
+      <a:accent6>
+        <a:srgbClr val="70AD47"/>
+      </a:accent6>
+      <a:hlink>
+        <a:srgbClr val="0563C1"/>
+      </a:hlink>
+      <a:folHlink>
+        <a:srgbClr val="954F72"/>
+      </a:folHlink>
+    </a:clrScheme>
+    <a:fontScheme name="Office">
+      <a:majorFont>
+        <a:latin typeface="游ゴシック Light" panose="020F0302020204030204"/>
+        <a:ea typeface=""/>
+        <a:cs typeface=""/>
+        <a:font script="Jpan" typeface="游ゴシック Light"/>
+        <a:font script="Hang" typeface="맑은 고딕"/>
+        <a:font script="Hans" typeface="等线 Light"/>
+        <a:font script="Hant" typeface="新細明體"/>
+        <a:font script="Arab" typeface="Times New Roman"/>
+        <a:font script="Hebr" typeface="Times New Roman"/>
+        <a:font script="Thai" typeface="Angsana New"/>
+        <a:font script="Ethi" typeface="Nyala"/>
+        <a:font script="Beng" typeface="Vrinda"/>
+        <a:font script="Gujr" typeface="Shruti"/>
+        <a:font script="Khmr" typeface="MoolBoran"/>
+        <a:font script="Knda" typeface="Tunga"/>
+        <a:font script="Guru" typeface="Raavi"/>
+        <a:font script="Cans" typeface="Euphemia"/>
+        <a:font script="Cher" typeface="Plantagenet Cherokee"/>
+        <a:font script="Yiii" typeface="Microsoft Yi Baiti"/>
+        <a:font script="Tibt" typeface="Microsoft Himalaya"/>
+        <a:font script="Thaa" typeface="MV Boli"/>
+        <a:font script="Deva" typeface="Mangal"/>
+        <a:font script="Telu" typeface="Gautami"/>
+        <a:font script="Taml" typeface="Latha"/>
+        <a:font script="Syrc" typeface="Estrangelo Edessa"/>
+        <a:font script="Orya" typeface="Kalinga"/>
+        <a:font script="Mlym" typeface="Kartika"/>
+        <a:font script="Laoo" typeface="DokChampa"/>
+        <a:font script="Sinh" typeface="Iskoola Pota"/>
+        <a:font script="Mong" typeface="Mongolian Baiti"/>
+        <a:font script="Viet" typeface="Times New Roman"/>
+        <a:font script="Uigh" typeface="Microsoft Uighur"/>
+        <a:font script="Geor" typeface="Sylfaen"/>
+      </a:majorFont>
+      <a:minorFont>
+        <a:latin typeface="游ゴシック" panose="020F0502020204030204"/>
+        <a:ea typeface=""/>
+        <a:cs typeface=""/>
+        <a:font script="Jpan" typeface="游ゴシック"/>
+        <a:font script="Hang" typeface="맑은 고딕"/>
+        <a:font script="Hans" typeface="等线"/>
+        <a:font script="Hant" typeface="新細明體"/>
+        <a:font script="Arab" typeface="Arial"/>
+        <a:font script="Hebr" typeface="Arial"/>
+        <a:font script="Thai" typeface="Cordia New"/>
+        <a:font script="Ethi" typeface="Nyala"/>
+        <a:font script="Beng" typeface="Vrinda"/>
+        <a:font script="Gujr" typeface="Shruti"/>
+        <a:font script="Khmr" typeface="DaunPenh"/>
+        <a:font script="Knda" typeface="Tunga"/>
+        <a:font script="Guru" typeface="Raavi"/>
+        <a:font script="Cans" typeface="Euphemia"/>
+        <a:font script="Cher" typeface="Plantagenet Cherokee"/>
+        <a:font script="Yiii" typeface="Microsoft Yi Baiti"/>
+        <a:font script="Tibt" typeface="Microsoft Himalaya"/>
+        <a:font script="Thaa" typeface="MV Boli"/>
+        <a:font script="Deva" typeface="Mangal"/>
+        <a:font script="Telu" typeface="Gautami"/>
+        <a:font script="Taml" typeface="Latha"/>
+        <a:font script="Syrc" typeface="Estrangelo Edessa"/>
+        <a:font script="Orya" typeface="Kalinga"/>
+        <a:font script="Mlym" typeface="Kartika"/>
+        <a:font script="Laoo" typeface="DokChampa"/>
+        <a:font script="Sinh" typeface="Iskoola Pota"/>
+        <a:font script="Mong" typeface="Mongolian Baiti"/>
+        <a:font script="Viet" typeface="Arial"/>
+        <a:font script="Uigh" typeface="Microsoft Uighur"/>
+        <a:font script="Geor" typeface="Sylfaen"/>
+      </a:minorFont>
+    </a:fontScheme>
+    <a:fmtScheme name="Office">
+      <a:fillStyleLst>
+        <a:solidFill>
+          <a:schemeClr val="phClr"/>
+        </a:solidFill>
+        <a:gradFill rotWithShape="1">
+          <a:gsLst>
+            <a:gs pos="0">
+              <a:schemeClr val="phClr">
+                <a:lumMod val="110000"/>
+                <a:satMod val="105000"/>
+                <a:tint val="67000"/>
+              </a:schemeClr>
+            </a:gs>
+            <a:gs pos="50000">
+              <a:schemeClr val="phClr">
+                <a:lumMod val="105000"/>
+                <a:satMod val="103000"/>
+                <a:tint val="73000"/>
+              </a:schemeClr>
+            </a:gs>
+            <a:gs pos="100000">
+              <a:schemeClr val="phClr">
+                <a:lumMod val="105000"/>
+                <a:satMod val="109000"/>
+                <a:tint val="81000"/>
+              </a:schemeClr>
+            </a:gs>
+          </a:gsLst>
+          <a:lin ang="5400000" scaled="0"/>
+        </a:gradFill>
+        <a:gradFill rotWithShape="1">
+          <a:gsLst>
+            <a:gs pos="0">
+              <a:schemeClr val="phClr">
+                <a:satMod val="103000"/>
+                <a:lumMod val="102000"/>
+                <a:tint val="94000"/>
+              </a:schemeClr>
+            </a:gs>
+            <a:gs pos="50000">
+              <a:schemeClr val="phClr">
+                <a:satMod val="110000"/>
+                <a:lumMod val="100000"/>
+                <a:shade val="100000"/>
+              </a:schemeClr>
+            </a:gs>
+            <a:gs pos="100000">
+              <a:schemeClr val="phClr">
+                <a:lumMod val="99000"/>
+                <a:satMod val="120000"/>
+                <a:shade val="78000"/>
+              </a:schemeClr>
+            </a:gs>
+          </a:gsLst>
+          <a:lin ang="5400000" scaled="0"/>
+        </a:gradFill>
+      </a:fillStyleLst>
+      <a:lnStyleLst>
+        <a:ln w="6350" cap="flat" cmpd="sng" algn="ctr">
+          <a:solidFill>
+            <a:schemeClr val="phClr"/>
+          </a:solidFill>
+          <a:prstDash val="solid"/>
+          <a:miter lim="800000"/>
+        </a:ln>
+        <a:ln w="12700" cap="flat" cmpd="sng" algn="ctr">
+          <a:solidFill>
+            <a:schemeClr val="phClr"/>
+          </a:solidFill>
+          <a:prstDash val="solid"/>
+          <a:miter lim="800000"/>
+        </a:ln>
+        <a:ln w="19050" cap="flat" cmpd="sng" algn="ctr">
+          <a:solidFill>
+            <a:schemeClr val="phClr"/>
+          </a:solidFill>
+          <a:prstDash val="solid"/>
+          <a:miter lim="800000"/>
+        </a:ln>
+      </a:lnStyleLst>
+      <a:effectStyleLst>
+        <a:effectStyle>
+          <a:effectLst/>
+        </a:effectStyle>
+        <a:effectStyle>
+          <a:effectLst/>
+        </a:effectStyle>
+        <a:effectStyle>
+          <a:effectLst>
+            <a:outerShdw blurRad="57150" dist="19050" dir="5400000" algn="ctr" rotWithShape="0">
+              <a:srgbClr val="000000">
+                <a:alpha val="63000"/>
+              </a:srgbClr>
+            </a:outerShdw>
+          </a:effectLst>
+        </a:effectStyle>
+      </a:effectStyleLst>
+      <a:bgFillStyleLst>
+        <a:solidFill>
+          <a:schemeClr val="phClr"/>
+        </a:solidFill>
+        <a:solidFill>
+          <a:schemeClr val="phClr">
+            <a:tint val="95000"/>
+            <a:satMod val="170000"/>
+          </a:schemeClr>
+        </a:solidFill>
+        <a:gradFill rotWithShape="1">
+          <a:gsLst>
+            <a:gs pos="0">
+              <a:schemeClr val="phClr">
+                <a:tint val="93000"/>
+                <a:satMod val="150000"/>
+                <a:shade val="98000"/>
+                <a:lumMod val="102000"/>
+              </a:schemeClr>
+            </a:gs>
+            <a:gs pos="50000">
+              <a:schemeClr val="phClr">
+                <a:tint val="98000"/>
+                <a:satMod val="130000"/>
+                <a:shade val="90000"/>
+                <a:lumMod val="103000"/>
+              </a:schemeClr>
+            </a:gs>
+            <a:gs pos="100000">
+              <a:schemeClr val="phClr">
+                <a:shade val="63000"/>
+                <a:satMod val="120000"/>
+              </a:schemeClr>
+            </a:gs>
+          </a:gsLst>
+          <a:lin ang="5400000" scaled="0"/>
+        </a:gradFill>
+      </a:bgFillStyleLst>
+    </a:fmtScheme>
+  </a:themeElements>
+  <a:objectDefaults/>
+  <a:extraClrSchemeLst/>
+  <a:extLst>
+    <a:ext uri="{05A4C25C-085E-4340-85A3-A5531E510DB2}">
+      <thm15:themeFamily xmlns:thm15="http://schemas.microsoft.com/office/thememl/2012/main" name="Office Theme" id="{62F939B6-93AF-4DB8-9C6B-D6C7DFDC589F}" vid="{4A3C46E8-61CC-4603-A589-7422A47A8E4A}"/>
+    </a:ext>
+  </a:extLst>
+</a:theme>
 </file>
--- a/説明書.pptx
+++ b/説明書.pptx
@@ -5,14 +5,15 @@
     <p:sldMasterId id="2147483660" r:id="rId1"/>
   </p:sldMasterIdLst>
   <p:notesMasterIdLst>
-    <p:notesMasterId r:id="rId7"/>
+    <p:notesMasterId r:id="rId8"/>
   </p:notesMasterIdLst>
   <p:sldIdLst>
     <p:sldId id="256" r:id="rId2"/>
     <p:sldId id="257" r:id="rId3"/>
     <p:sldId id="268" r:id="rId4"/>
-    <p:sldId id="269" r:id="rId5"/>
-    <p:sldId id="267" r:id="rId6"/>
+    <p:sldId id="270" r:id="rId5"/>
+    <p:sldId id="269" r:id="rId6"/>
+    <p:sldId id="267" r:id="rId7"/>
   </p:sldIdLst>
   <p:sldSz cx="9144000" cy="6858000" type="screen4x3"/>
   <p:notesSz cx="6858000" cy="9144000"/>
@@ -212,7 +213,7 @@
           <a:p>
             <a:fld id="{E15C7742-2DEF-4E9E-9A04-1C00CA135920}" type="datetimeFigureOut">
               <a:rPr kumimoji="1" lang="ja-JP" altLang="en-US" smtClean="0"/>
-              <a:t>2019/12/19</a:t>
+              <a:t>2019/12/20</a:t>
             </a:fld>
             <a:endParaRPr kumimoji="1" lang="ja-JP" altLang="en-US"/>
           </a:p>
@@ -699,7 +700,7 @@
           <a:p>
             <a:fld id="{CC73F6B0-EA48-4F5C-91D5-BA0DC18B95CF}" type="datetimeFigureOut">
               <a:rPr kumimoji="1" lang="ja-JP" altLang="en-US" smtClean="0"/>
-              <a:t>2019/12/19</a:t>
+              <a:t>2019/12/20</a:t>
             </a:fld>
             <a:endParaRPr kumimoji="1" lang="ja-JP" altLang="en-US"/>
           </a:p>
@@ -896,7 +897,7 @@
           <a:p>
             <a:fld id="{CC73F6B0-EA48-4F5C-91D5-BA0DC18B95CF}" type="datetimeFigureOut">
               <a:rPr kumimoji="1" lang="ja-JP" altLang="en-US" smtClean="0"/>
-              <a:t>2019/12/19</a:t>
+              <a:t>2019/12/20</a:t>
             </a:fld>
             <a:endParaRPr kumimoji="1" lang="ja-JP" altLang="en-US"/>
           </a:p>
@@ -1103,7 +1104,7 @@
           <a:p>
             <a:fld id="{CC73F6B0-EA48-4F5C-91D5-BA0DC18B95CF}" type="datetimeFigureOut">
               <a:rPr kumimoji="1" lang="ja-JP" altLang="en-US" smtClean="0"/>
-              <a:t>2019/12/19</a:t>
+              <a:t>2019/12/20</a:t>
             </a:fld>
             <a:endParaRPr kumimoji="1" lang="ja-JP" altLang="en-US"/>
           </a:p>
@@ -1300,7 +1301,7 @@
           <a:p>
             <a:fld id="{CC73F6B0-EA48-4F5C-91D5-BA0DC18B95CF}" type="datetimeFigureOut">
               <a:rPr kumimoji="1" lang="ja-JP" altLang="en-US" smtClean="0"/>
-              <a:t>2019/12/19</a:t>
+              <a:t>2019/12/20</a:t>
             </a:fld>
             <a:endParaRPr kumimoji="1" lang="ja-JP" altLang="en-US"/>
           </a:p>
@@ -1539,7 +1540,7 @@
           <a:p>
             <a:fld id="{CC73F6B0-EA48-4F5C-91D5-BA0DC18B95CF}" type="datetimeFigureOut">
               <a:rPr kumimoji="1" lang="ja-JP" altLang="en-US" smtClean="0"/>
-              <a:t>2019/12/19</a:t>
+              <a:t>2019/12/20</a:t>
             </a:fld>
             <a:endParaRPr kumimoji="1" lang="ja-JP" altLang="en-US"/>
           </a:p>
@@ -1629,7 +1630,7 @@
           <a:p>
             <a:fld id="{CC73F6B0-EA48-4F5C-91D5-BA0DC18B95CF}" type="datetimeFigureOut">
               <a:rPr kumimoji="1" lang="ja-JP" altLang="en-US" smtClean="0"/>
-              <a:t>2019/12/19</a:t>
+              <a:t>2019/12/20</a:t>
             </a:fld>
             <a:endParaRPr kumimoji="1" lang="ja-JP" altLang="en-US"/>
           </a:p>
@@ -2067,7 +2068,7 @@
           <a:p>
             <a:fld id="{CC73F6B0-EA48-4F5C-91D5-BA0DC18B95CF}" type="datetimeFigureOut">
               <a:rPr kumimoji="1" lang="ja-JP" altLang="en-US" smtClean="0"/>
-              <a:t>2019/12/19</a:t>
+              <a:t>2019/12/20</a:t>
             </a:fld>
             <a:endParaRPr kumimoji="1" lang="ja-JP" altLang="en-US"/>
           </a:p>
@@ -2386,7 +2387,7 @@
           <a:p>
             <a:fld id="{CC73F6B0-EA48-4F5C-91D5-BA0DC18B95CF}" type="datetimeFigureOut">
               <a:rPr kumimoji="1" lang="ja-JP" altLang="en-US" smtClean="0"/>
-              <a:t>2019/12/19</a:t>
+              <a:t>2019/12/20</a:t>
             </a:fld>
             <a:endParaRPr kumimoji="1" lang="ja-JP" altLang="en-US"/>
           </a:p>
@@ -2476,7 +2477,7 @@
           <a:p>
             <a:fld id="{CC73F6B0-EA48-4F5C-91D5-BA0DC18B95CF}" type="datetimeFigureOut">
               <a:rPr kumimoji="1" lang="ja-JP" altLang="en-US" smtClean="0"/>
-              <a:t>2019/12/19</a:t>
+              <a:t>2019/12/20</a:t>
             </a:fld>
             <a:endParaRPr kumimoji="1" lang="ja-JP" altLang="en-US"/>
           </a:p>
@@ -2782,7 +2783,7 @@
           <a:p>
             <a:fld id="{CC73F6B0-EA48-4F5C-91D5-BA0DC18B95CF}" type="datetimeFigureOut">
               <a:rPr kumimoji="1" lang="ja-JP" altLang="en-US" smtClean="0"/>
-              <a:t>2019/12/19</a:t>
+              <a:t>2019/12/20</a:t>
             </a:fld>
             <a:endParaRPr kumimoji="1" lang="ja-JP" altLang="en-US"/>
           </a:p>
@@ -3054,7 +3055,7 @@
           <a:p>
             <a:fld id="{CC73F6B0-EA48-4F5C-91D5-BA0DC18B95CF}" type="datetimeFigureOut">
               <a:rPr kumimoji="1" lang="ja-JP" altLang="en-US" smtClean="0"/>
-              <a:t>2019/12/19</a:t>
+              <a:t>2019/12/20</a:t>
             </a:fld>
             <a:endParaRPr kumimoji="1" lang="ja-JP" altLang="en-US"/>
           </a:p>
@@ -3386,7 +3387,7 @@
           <a:p>
             <a:fld id="{CC73F6B0-EA48-4F5C-91D5-BA0DC18B95CF}" type="datetimeFigureOut">
               <a:rPr kumimoji="1" lang="ja-JP" altLang="en-US" smtClean="0"/>
-              <a:t>2019/12/19</a:t>
+              <a:t>2019/12/20</a:t>
             </a:fld>
             <a:endParaRPr kumimoji="1" lang="ja-JP" altLang="en-US"/>
           </a:p>
@@ -3858,10 +3859,10 @@
           <a:lstStyle/>
           <a:p>
             <a:r>
-              <a:rPr kumimoji="1" lang="ja-JP" altLang="en-US" sz="13800" dirty="0" smtClean="0"/>
+              <a:rPr kumimoji="1" lang="ja-JP" altLang="en-US" sz="13800" b="1" dirty="0" smtClean="0"/>
               <a:t>説明書</a:t>
             </a:r>
-            <a:endParaRPr kumimoji="1" lang="ja-JP" altLang="en-US" sz="13800" dirty="0"/>
+            <a:endParaRPr kumimoji="1" lang="ja-JP" altLang="en-US" sz="13800" b="1" dirty="0"/>
           </a:p>
         </p:txBody>
       </p:sp>
@@ -3888,15 +3889,39 @@
           <a:lstStyle/>
           <a:p>
             <a:r>
-              <a:rPr kumimoji="1" lang="en-US" altLang="ja-JP" sz="7200" dirty="0" smtClean="0"/>
+              <a:rPr kumimoji="1" lang="en-US" altLang="ja-JP" sz="7200" dirty="0" smtClean="0">
+                <a:effectLst>
+                  <a:outerShdw blurRad="38100" dist="38100" dir="2700000" algn="tl">
+                    <a:srgbClr val="000000">
+                      <a:alpha val="43137"/>
+                    </a:srgbClr>
+                  </a:outerShdw>
+                </a:effectLst>
+              </a:rPr>
               <a:t>Over</a:t>
             </a:r>
             <a:r>
-              <a:rPr kumimoji="1" lang="ja-JP" altLang="en-US" sz="7200" dirty="0" smtClean="0"/>
+              <a:rPr kumimoji="1" lang="ja-JP" altLang="en-US" sz="7200" dirty="0" smtClean="0">
+                <a:effectLst>
+                  <a:outerShdw blurRad="38100" dist="38100" dir="2700000" algn="tl">
+                    <a:srgbClr val="000000">
+                      <a:alpha val="43137"/>
+                    </a:srgbClr>
+                  </a:outerShdw>
+                </a:effectLst>
+              </a:rPr>
               <a:t>　</a:t>
             </a:r>
             <a:r>
-              <a:rPr kumimoji="1" lang="en-US" altLang="ja-JP" sz="7200" dirty="0" smtClean="0"/>
+              <a:rPr kumimoji="1" lang="en-US" altLang="ja-JP" sz="7200" dirty="0" smtClean="0">
+                <a:effectLst>
+                  <a:outerShdw blurRad="38100" dist="38100" dir="2700000" algn="tl">
+                    <a:srgbClr val="000000">
+                      <a:alpha val="43137"/>
+                    </a:srgbClr>
+                  </a:outerShdw>
+                </a:effectLst>
+              </a:rPr>
               <a:t>Killer</a:t>
             </a:r>
           </a:p>
@@ -3906,10 +3931,25 @@
                 <a:solidFill>
                   <a:srgbClr val="FF0000"/>
                 </a:solidFill>
+                <a:effectLst>
+                  <a:outerShdw blurRad="38100" dist="38100" dir="2700000" algn="tl">
+                    <a:srgbClr val="000000">
+                      <a:alpha val="43137"/>
+                    </a:srgbClr>
+                  </a:outerShdw>
+                </a:effectLst>
               </a:rPr>
               <a:t>動く屍を超えて行け</a:t>
             </a:r>
-            <a:endParaRPr kumimoji="1" lang="ja-JP" altLang="en-US" sz="7200" dirty="0"/>
+            <a:endParaRPr kumimoji="1" lang="ja-JP" altLang="en-US" sz="7200" dirty="0">
+              <a:effectLst>
+                <a:outerShdw blurRad="38100" dist="38100" dir="2700000" algn="tl">
+                  <a:srgbClr val="000000">
+                    <a:alpha val="43137"/>
+                  </a:srgbClr>
+                </a:outerShdw>
+              </a:effectLst>
+            </a:endParaRPr>
           </a:p>
         </p:txBody>
       </p:sp>
@@ -3966,22 +4006,53 @@
           <a:lstStyle/>
           <a:p>
             <a:r>
-              <a:rPr kumimoji="1" lang="ja-JP" altLang="en-US" sz="4800" b="1" i="1" u="sng" dirty="0" smtClean="0"/>
+              <a:rPr kumimoji="1" lang="ja-JP" altLang="en-US" sz="4800" b="1" u="sng" dirty="0" smtClean="0">
+                <a:effectLst>
+                  <a:outerShdw blurRad="38100" dist="38100" dir="2700000" algn="tl">
+                    <a:srgbClr val="000000">
+                      <a:alpha val="43137"/>
+                    </a:srgbClr>
+                  </a:outerShdw>
+                </a:effectLst>
+              </a:rPr>
               <a:t>横スクロール</a:t>
             </a:r>
             <a:r>
-              <a:rPr kumimoji="1" lang="ja-JP" altLang="en-US" sz="4800" b="1" i="1" u="sng" dirty="0" smtClean="0">
+              <a:rPr kumimoji="1" lang="ja-JP" altLang="en-US" sz="4800" b="1" u="sng" dirty="0" smtClean="0">
                 <a:solidFill>
                   <a:srgbClr val="FF0000"/>
                 </a:solidFill>
+                <a:effectLst>
+                  <a:outerShdw blurRad="38100" dist="38100" dir="2700000" algn="tl">
+                    <a:srgbClr val="000000">
+                      <a:alpha val="43137"/>
+                    </a:srgbClr>
+                  </a:outerShdw>
+                </a:effectLst>
               </a:rPr>
               <a:t>ゾンビ</a:t>
             </a:r>
             <a:r>
-              <a:rPr kumimoji="1" lang="ja-JP" altLang="en-US" sz="4800" b="1" i="1" u="sng" dirty="0" smtClean="0"/>
+              <a:rPr kumimoji="1" lang="ja-JP" altLang="en-US" sz="4800" b="1" u="sng" dirty="0" smtClean="0">
+                <a:effectLst>
+                  <a:outerShdw blurRad="38100" dist="38100" dir="2700000" algn="tl">
+                    <a:srgbClr val="000000">
+                      <a:alpha val="43137"/>
+                    </a:srgbClr>
+                  </a:outerShdw>
+                </a:effectLst>
+              </a:rPr>
               <a:t>シューティング</a:t>
             </a:r>
-            <a:endParaRPr kumimoji="1" lang="ja-JP" altLang="en-US" sz="4800" b="1" i="1" u="sng" dirty="0"/>
+            <a:endParaRPr kumimoji="1" lang="ja-JP" altLang="en-US" sz="4800" b="1" u="sng" dirty="0">
+              <a:effectLst>
+                <a:outerShdw blurRad="38100" dist="38100" dir="2700000" algn="tl">
+                  <a:srgbClr val="000000">
+                    <a:alpha val="43137"/>
+                  </a:srgbClr>
+                </a:outerShdw>
+              </a:effectLst>
+            </a:endParaRPr>
           </a:p>
         </p:txBody>
       </p:sp>
@@ -4088,7 +4159,7 @@
         </p:blipFill>
         <p:spPr>
           <a:xfrm>
-            <a:off x="1" y="0"/>
+            <a:off x="-11741" y="0"/>
             <a:ext cx="5148064" cy="3717032"/>
           </a:xfrm>
           <a:prstGeom prst="rect">
@@ -4104,8 +4175,8 @@
         </p:nvSpPr>
         <p:spPr>
           <a:xfrm>
-            <a:off x="5580112" y="1533542"/>
-            <a:ext cx="3305965" cy="2000548"/>
+            <a:off x="5306991" y="1313041"/>
+            <a:ext cx="3563888" cy="2308324"/>
           </a:xfrm>
           <a:prstGeom prst="rect">
             <a:avLst/>
@@ -4119,12 +4190,76 @@
           <a:p>
             <a:pPr lvl="0"/>
             <a:r>
-              <a:rPr lang="ja-JP" altLang="en-US" sz="2800" dirty="0">
-                <a:solidFill>
-                  <a:srgbClr val="FFFF00"/>
-                </a:solidFill>
+              <a:rPr lang="ja-JP" altLang="en-US" sz="3200" b="1" u="sng" dirty="0">
+                <a:effectLst>
+                  <a:outerShdw blurRad="38100" dist="38100" dir="2700000" algn="tl">
+                    <a:srgbClr val="000000">
+                      <a:alpha val="43137"/>
+                    </a:srgbClr>
+                  </a:outerShdw>
+                </a:effectLst>
               </a:rPr>
               <a:t>武器補助アイテム</a:t>
+            </a:r>
+            <a:endParaRPr lang="en-US" altLang="ja-JP" sz="3200" b="1" u="sng" dirty="0">
+              <a:effectLst>
+                <a:outerShdw blurRad="38100" dist="38100" dir="2700000" algn="tl">
+                  <a:srgbClr val="000000">
+                    <a:alpha val="43137"/>
+                  </a:srgbClr>
+                </a:outerShdw>
+              </a:effectLst>
+            </a:endParaRPr>
+          </a:p>
+          <a:p>
+            <a:pPr lvl="0"/>
+            <a:r>
+              <a:rPr lang="ja-JP" altLang="en-US" sz="2800" dirty="0" smtClean="0">
+                <a:solidFill>
+                  <a:srgbClr val="FFFF00"/>
+                </a:solidFill>
+              </a:rPr>
+              <a:t>弾丸キット</a:t>
+            </a:r>
+            <a:endParaRPr lang="en-US" altLang="ja-JP" sz="2800" dirty="0" smtClean="0">
+              <a:solidFill>
+                <a:srgbClr val="FFFF00"/>
+              </a:solidFill>
+            </a:endParaRPr>
+          </a:p>
+          <a:p>
+            <a:pPr lvl="0"/>
+            <a:r>
+              <a:rPr lang="en-US" altLang="ja-JP" sz="2800" dirty="0" smtClean="0">
+                <a:solidFill>
+                  <a:srgbClr val="FFFF00"/>
+                </a:solidFill>
+              </a:rPr>
+              <a:t>MOB</a:t>
+            </a:r>
+            <a:r>
+              <a:rPr lang="ja-JP" altLang="en-US" sz="2800" dirty="0" smtClean="0">
+                <a:solidFill>
+                  <a:srgbClr val="FFFF00"/>
+                </a:solidFill>
+              </a:rPr>
+              <a:t>特殊を倒すと</a:t>
+            </a:r>
+            <a:endParaRPr lang="en-US" altLang="ja-JP" sz="2800" dirty="0" smtClean="0">
+              <a:solidFill>
+                <a:srgbClr val="FFFF00"/>
+              </a:solidFill>
+            </a:endParaRPr>
+          </a:p>
+          <a:p>
+            <a:pPr lvl="0"/>
+            <a:r>
+              <a:rPr lang="ja-JP" altLang="en-US" sz="2800" dirty="0" smtClean="0">
+                <a:solidFill>
+                  <a:srgbClr val="FFFF00"/>
+                </a:solidFill>
+              </a:rPr>
+              <a:t>一定確率でドロップ</a:t>
             </a:r>
             <a:endParaRPr lang="en-US" altLang="ja-JP" sz="2800" dirty="0">
               <a:solidFill>
@@ -4135,12 +4270,81 @@
           <a:p>
             <a:pPr lvl="0"/>
             <a:r>
+              <a:rPr lang="ja-JP" altLang="en-US" sz="2800" dirty="0" smtClean="0">
+                <a:solidFill>
+                  <a:srgbClr val="FFFF00"/>
+                </a:solidFill>
+              </a:rPr>
+              <a:t>銃</a:t>
+            </a:r>
+            <a:r>
+              <a:rPr lang="ja-JP" altLang="en-US" sz="2800" dirty="0">
+                <a:solidFill>
+                  <a:srgbClr val="FFFF00"/>
+                </a:solidFill>
+              </a:rPr>
+              <a:t>の弾丸数を増やす</a:t>
+            </a:r>
+            <a:endParaRPr lang="ja-JP" altLang="en-US" sz="2000" dirty="0">
+              <a:solidFill>
+                <a:srgbClr val="FFFF00"/>
+              </a:solidFill>
+            </a:endParaRPr>
+          </a:p>
+        </p:txBody>
+      </p:sp>
+      <p:sp>
+        <p:nvSpPr>
+          <p:cNvPr id="7" name="テキスト ボックス 6"/>
+          <p:cNvSpPr txBox="1"/>
+          <p:nvPr/>
+        </p:nvSpPr>
+        <p:spPr>
+          <a:xfrm>
+            <a:off x="4071951" y="5047732"/>
+            <a:ext cx="4824536" cy="1631216"/>
+          </a:xfrm>
+          <a:prstGeom prst="rect">
+            <a:avLst/>
+          </a:prstGeom>
+          <a:noFill/>
+        </p:spPr>
+        <p:txBody>
+          <a:bodyPr wrap="square" rtlCol="0">
+            <a:spAutoFit/>
+          </a:bodyPr>
+          <a:lstStyle/>
+          <a:p>
+            <a:r>
+              <a:rPr kumimoji="1" lang="ja-JP" altLang="en-US" sz="2800" b="1" u="sng" dirty="0" smtClean="0">
+                <a:effectLst>
+                  <a:outerShdw blurRad="38100" dist="38100" dir="2700000" algn="tl">
+                    <a:srgbClr val="000000">
+                      <a:alpha val="43137"/>
+                    </a:srgbClr>
+                  </a:outerShdw>
+                </a:effectLst>
+              </a:rPr>
+              <a:t>回復アイテム</a:t>
+            </a:r>
+            <a:endParaRPr lang="en-US" altLang="ja-JP" sz="2400" b="1" u="sng" dirty="0" smtClean="0">
+              <a:effectLst>
+                <a:outerShdw blurRad="38100" dist="38100" dir="2700000" algn="tl">
+                  <a:srgbClr val="000000">
+                    <a:alpha val="43137"/>
+                  </a:srgbClr>
+                </a:outerShdw>
+              </a:effectLst>
+            </a:endParaRPr>
+          </a:p>
+          <a:p>
+            <a:r>
               <a:rPr lang="ja-JP" altLang="en-US" sz="2400" dirty="0" smtClean="0">
                 <a:solidFill>
                   <a:srgbClr val="FFFF00"/>
                 </a:solidFill>
               </a:rPr>
-              <a:t>弾丸キット</a:t>
+              <a:t>回復薬</a:t>
             </a:r>
             <a:endParaRPr lang="en-US" altLang="ja-JP" sz="2400" dirty="0" smtClean="0">
               <a:solidFill>
@@ -4149,7 +4353,6 @@
             </a:endParaRPr>
           </a:p>
           <a:p>
-            <a:pPr lvl="0"/>
             <a:r>
               <a:rPr lang="en-US" altLang="ja-JP" sz="2400" dirty="0" smtClean="0">
                 <a:solidFill>
@@ -4164,15 +4367,7 @@
                   <a:srgbClr val="FFFF00"/>
                 </a:solidFill>
               </a:rPr>
-              <a:t>特殊を倒す</a:t>
-            </a:r>
-            <a:r>
-              <a:rPr lang="ja-JP" altLang="en-US" sz="2400" dirty="0" smtClean="0">
-                <a:solidFill>
-                  <a:srgbClr val="FFFF00"/>
-                </a:solidFill>
-              </a:rPr>
-              <a:t>と</a:t>
+              <a:t>を倒すと一定確率でドロップ</a:t>
             </a:r>
             <a:endParaRPr lang="en-US" altLang="ja-JP" sz="2400" dirty="0" smtClean="0">
               <a:solidFill>
@@ -4181,14 +4376,29 @@
             </a:endParaRPr>
           </a:p>
           <a:p>
-            <a:pPr lvl="0"/>
+            <a:r>
+              <a:rPr lang="en-US" altLang="ja-JP" sz="2400" dirty="0" smtClean="0">
+                <a:solidFill>
+                  <a:srgbClr val="FFFF00"/>
+                </a:solidFill>
+              </a:rPr>
+              <a:t>HP</a:t>
+            </a:r>
             <a:r>
               <a:rPr lang="ja-JP" altLang="en-US" sz="2400" dirty="0" smtClean="0">
                 <a:solidFill>
                   <a:srgbClr val="FFFF00"/>
                 </a:solidFill>
               </a:rPr>
-              <a:t>一定</a:t>
+              <a:t>を</a:t>
+            </a:r>
+            <a:r>
+              <a:rPr lang="en-US" altLang="ja-JP" sz="2400" dirty="0" smtClean="0">
+                <a:solidFill>
+                  <a:srgbClr val="FFFF00"/>
+                </a:solidFill>
+              </a:rPr>
+              <a:t>3</a:t>
             </a:r>
             <a:r>
               <a:rPr lang="ja-JP" altLang="en-US" sz="2400" dirty="0" smtClean="0">
@@ -4196,165 +4406,28 @@
                   <a:srgbClr val="FFFF00"/>
                 </a:solidFill>
               </a:rPr>
-              <a:t>確率でドロップ</a:t>
-            </a:r>
-            <a:endParaRPr lang="en-US" altLang="ja-JP" sz="2400" dirty="0">
+              <a:t>回復する</a:t>
+            </a:r>
+            <a:endParaRPr lang="en-US" altLang="ja-JP" sz="2400" dirty="0" smtClean="0">
               <a:solidFill>
                 <a:srgbClr val="FFFF00"/>
               </a:solidFill>
             </a:endParaRPr>
           </a:p>
-          <a:p>
-            <a:pPr lvl="0"/>
-            <a:r>
-              <a:rPr lang="ja-JP" altLang="en-US" sz="2400" dirty="0" smtClean="0">
-                <a:solidFill>
-                  <a:srgbClr val="FFFF00"/>
-                </a:solidFill>
-              </a:rPr>
-              <a:t>銃</a:t>
-            </a:r>
-            <a:r>
-              <a:rPr lang="ja-JP" altLang="en-US" sz="2400" dirty="0">
-                <a:solidFill>
-                  <a:srgbClr val="FFFF00"/>
-                </a:solidFill>
-              </a:rPr>
-              <a:t>の弾丸数を増やす</a:t>
-            </a:r>
-            <a:endParaRPr lang="ja-JP" altLang="en-US" dirty="0">
-              <a:solidFill>
-                <a:srgbClr val="FFFF00"/>
-              </a:solidFill>
-            </a:endParaRPr>
-          </a:p>
-        </p:txBody>
-      </p:sp>
-      <p:sp>
-        <p:nvSpPr>
-          <p:cNvPr id="7" name="テキスト ボックス 6"/>
-          <p:cNvSpPr txBox="1"/>
-          <p:nvPr/>
-        </p:nvSpPr>
-        <p:spPr>
-          <a:xfrm>
-            <a:off x="5148065" y="5307701"/>
-            <a:ext cx="3888431" cy="1384995"/>
-          </a:xfrm>
-          <a:prstGeom prst="rect">
-            <a:avLst/>
-          </a:prstGeom>
-          <a:noFill/>
-        </p:spPr>
-        <p:txBody>
-          <a:bodyPr wrap="square" rtlCol="0">
-            <a:spAutoFit/>
-          </a:bodyPr>
-          <a:lstStyle/>
-          <a:p>
-            <a:r>
-              <a:rPr kumimoji="1" lang="ja-JP" altLang="en-US" sz="2400" dirty="0" smtClean="0">
-                <a:solidFill>
-                  <a:srgbClr val="FFFF00"/>
-                </a:solidFill>
-              </a:rPr>
-              <a:t>回復アイテム</a:t>
-            </a:r>
-            <a:endParaRPr lang="en-US" altLang="ja-JP" sz="2000" dirty="0" smtClean="0">
-              <a:solidFill>
-                <a:srgbClr val="FFFF00"/>
-              </a:solidFill>
-            </a:endParaRPr>
-          </a:p>
-          <a:p>
-            <a:r>
-              <a:rPr lang="ja-JP" altLang="en-US" sz="2000" dirty="0" smtClean="0">
-                <a:solidFill>
-                  <a:srgbClr val="FFFF00"/>
-                </a:solidFill>
-              </a:rPr>
-              <a:t>回復薬</a:t>
-            </a:r>
-            <a:endParaRPr lang="en-US" altLang="ja-JP" sz="2000" dirty="0" smtClean="0">
-              <a:solidFill>
-                <a:srgbClr val="FFFF00"/>
-              </a:solidFill>
-            </a:endParaRPr>
-          </a:p>
-          <a:p>
-            <a:r>
-              <a:rPr lang="en-US" altLang="ja-JP" sz="2000" dirty="0" smtClean="0">
-                <a:solidFill>
-                  <a:srgbClr val="FFFF00"/>
-                </a:solidFill>
-              </a:rPr>
-              <a:t>MOB</a:t>
-            </a:r>
-            <a:r>
-              <a:rPr lang="ja-JP" altLang="en-US" sz="2000" dirty="0" smtClean="0">
-                <a:solidFill>
-                  <a:srgbClr val="FFFF00"/>
-                </a:solidFill>
-              </a:rPr>
-              <a:t>を倒すと一定確率でドロップ</a:t>
-            </a:r>
-            <a:endParaRPr lang="en-US" altLang="ja-JP" sz="2000" dirty="0" smtClean="0">
-              <a:solidFill>
-                <a:srgbClr val="FFFF00"/>
-              </a:solidFill>
-            </a:endParaRPr>
-          </a:p>
-          <a:p>
-            <a:r>
-              <a:rPr lang="en-US" altLang="ja-JP" sz="2000" dirty="0" smtClean="0">
-                <a:solidFill>
-                  <a:srgbClr val="FFFF00"/>
-                </a:solidFill>
-              </a:rPr>
-              <a:t>HP</a:t>
-            </a:r>
-            <a:r>
-              <a:rPr lang="ja-JP" altLang="en-US" sz="2000" dirty="0" smtClean="0">
-                <a:solidFill>
-                  <a:srgbClr val="FFFF00"/>
-                </a:solidFill>
-              </a:rPr>
-              <a:t>を</a:t>
-            </a:r>
-            <a:r>
-              <a:rPr lang="en-US" altLang="ja-JP" sz="2000" dirty="0" smtClean="0">
-                <a:solidFill>
-                  <a:srgbClr val="FFFF00"/>
-                </a:solidFill>
-              </a:rPr>
-              <a:t>3</a:t>
-            </a:r>
-            <a:r>
-              <a:rPr lang="ja-JP" altLang="en-US" sz="2000" dirty="0" smtClean="0">
-                <a:solidFill>
-                  <a:srgbClr val="FFFF00"/>
-                </a:solidFill>
-              </a:rPr>
-              <a:t>回復する</a:t>
-            </a:r>
-            <a:endParaRPr lang="en-US" altLang="ja-JP" sz="2000" dirty="0" smtClean="0">
-              <a:solidFill>
-                <a:srgbClr val="FFFF00"/>
-              </a:solidFill>
-            </a:endParaRPr>
-          </a:p>
         </p:txBody>
       </p:sp>
       <p:cxnSp>
         <p:nvCxnSpPr>
           <p:cNvPr id="3" name="直線矢印コネクタ 2"/>
-          <p:cNvCxnSpPr/>
+          <p:cNvCxnSpPr>
+            <a:stCxn id="8" idx="3"/>
+          </p:cNvCxnSpPr>
           <p:nvPr/>
         </p:nvCxnSpPr>
         <p:spPr>
           <a:xfrm flipV="1">
-            <a:off x="4381583" y="1138437"/>
-            <a:ext cx="2206641" cy="720079"/>
+            <a:off x="4024652" y="670439"/>
+            <a:ext cx="2281550" cy="1114342"/>
           </a:xfrm>
           <a:prstGeom prst="straightConnector1">
             <a:avLst/>
@@ -4378,40 +4451,18 @@
           </a:fontRef>
         </p:style>
       </p:cxnSp>
-      <p:pic>
-        <p:nvPicPr>
-          <p:cNvPr id="14" name="図 13"/>
-          <p:cNvPicPr>
-            <a:picLocks noChangeAspect="1"/>
-          </p:cNvPicPr>
-          <p:nvPr/>
-        </p:nvPicPr>
-        <p:blipFill>
-          <a:blip r:embed="rId3"/>
-          <a:stretch>
-            <a:fillRect/>
-          </a:stretch>
-        </p:blipFill>
-        <p:spPr>
-          <a:xfrm>
-            <a:off x="6738249" y="373030"/>
-            <a:ext cx="1160512" cy="1160512"/>
-          </a:xfrm>
-          <a:prstGeom prst="rect">
-            <a:avLst/>
-          </a:prstGeom>
-        </p:spPr>
-      </p:pic>
       <p:cxnSp>
         <p:nvCxnSpPr>
           <p:cNvPr id="18" name="直線矢印コネクタ 17"/>
-          <p:cNvCxnSpPr/>
+          <p:cNvCxnSpPr>
+            <a:stCxn id="9" idx="3"/>
+          </p:cNvCxnSpPr>
           <p:nvPr/>
         </p:nvCxnSpPr>
         <p:spPr>
           <a:xfrm>
-            <a:off x="3592043" y="3856899"/>
-            <a:ext cx="1540323" cy="175248"/>
+            <a:off x="3596023" y="3502728"/>
+            <a:ext cx="1404911" cy="552096"/>
           </a:xfrm>
           <a:prstGeom prst="straightConnector1">
             <a:avLst/>
@@ -4444,109 +4495,15 @@
           <p:nvPr/>
         </p:nvPicPr>
         <p:blipFill>
-          <a:blip r:embed="rId4"/>
+          <a:blip r:embed="rId3"/>
           <a:stretch>
             <a:fillRect/>
           </a:stretch>
         </p:blipFill>
         <p:spPr>
           <a:xfrm flipH="1">
-            <a:off x="5132366" y="3735074"/>
+            <a:off x="5015550" y="3598226"/>
             <a:ext cx="1086347" cy="1442804"/>
-          </a:xfrm>
-          <a:prstGeom prst="rect">
-            <a:avLst/>
-          </a:prstGeom>
-        </p:spPr>
-      </p:pic>
-      <p:sp>
-        <p:nvSpPr>
-          <p:cNvPr id="25" name="線吹き出し 1 24"/>
-          <p:cNvSpPr/>
-          <p:nvPr/>
-        </p:nvSpPr>
-        <p:spPr>
-          <a:xfrm>
-            <a:off x="3453068" y="1426367"/>
-            <a:ext cx="929701" cy="906957"/>
-          </a:xfrm>
-          <a:prstGeom prst="callout1">
-            <a:avLst/>
-          </a:prstGeom>
-          <a:solidFill>
-            <a:schemeClr val="accent4">
-              <a:alpha val="50000"/>
-            </a:schemeClr>
-          </a:solidFill>
-          <a:ln>
-            <a:noFill/>
-          </a:ln>
-        </p:spPr>
-        <p:style>
-          <a:lnRef idx="0">
-            <a:scrgbClr r="0" g="0" b="0"/>
-          </a:lnRef>
-          <a:fillRef idx="0">
-            <a:scrgbClr r="0" g="0" b="0"/>
-          </a:fillRef>
-          <a:effectRef idx="0">
-            <a:scrgbClr r="0" g="0" b="0"/>
-          </a:effectRef>
-          <a:fontRef idx="minor">
-            <a:schemeClr val="lt1"/>
-          </a:fontRef>
-        </p:style>
-        <p:txBody>
-          <a:bodyPr rtlCol="0" anchor="ctr"/>
-          <a:lstStyle/>
-          <a:p>
-            <a:pPr algn="ctr"/>
-            <a:endParaRPr kumimoji="1" lang="ja-JP" altLang="en-US"/>
-          </a:p>
-        </p:txBody>
-      </p:sp>
-      <p:pic>
-        <p:nvPicPr>
-          <p:cNvPr id="27" name="図 26"/>
-          <p:cNvPicPr>
-            <a:picLocks noChangeAspect="1"/>
-          </p:cNvPicPr>
-          <p:nvPr/>
-        </p:nvPicPr>
-        <p:blipFill>
-          <a:blip r:embed="rId5"/>
-          <a:stretch>
-            <a:fillRect/>
-          </a:stretch>
-        </p:blipFill>
-        <p:spPr>
-          <a:xfrm>
-            <a:off x="2051720" y="3089253"/>
-            <a:ext cx="1540323" cy="1024217"/>
-          </a:xfrm>
-          <a:prstGeom prst="rect">
-            <a:avLst/>
-          </a:prstGeom>
-        </p:spPr>
-      </p:pic>
-      <p:pic>
-        <p:nvPicPr>
-          <p:cNvPr id="31" name="図 30"/>
-          <p:cNvPicPr>
-            <a:picLocks noChangeAspect="1"/>
-          </p:cNvPicPr>
-          <p:nvPr/>
-        </p:nvPicPr>
-        <p:blipFill>
-          <a:blip r:embed="rId6"/>
-          <a:stretch>
-            <a:fillRect/>
-          </a:stretch>
-        </p:blipFill>
-        <p:spPr>
-          <a:xfrm>
-            <a:off x="-684584" y="836062"/>
-            <a:ext cx="2993024" cy="1022454"/>
           </a:xfrm>
           <a:prstGeom prst="rect">
             <a:avLst/>
@@ -4560,9 +4517,9 @@
           <p:nvPr/>
         </p:nvCxnSpPr>
         <p:spPr>
-          <a:xfrm>
-            <a:off x="251520" y="1700808"/>
-            <a:ext cx="0" cy="2281790"/>
+          <a:xfrm flipH="1">
+            <a:off x="251520" y="1758553"/>
+            <a:ext cx="936104" cy="2224045"/>
           </a:xfrm>
           <a:prstGeom prst="straightConnector1">
             <a:avLst/>
@@ -4594,8 +4551,8 @@
         </p:nvSpPr>
         <p:spPr>
           <a:xfrm>
-            <a:off x="85039" y="4061207"/>
-            <a:ext cx="3507003" cy="2308324"/>
+            <a:off x="-11741" y="3967200"/>
+            <a:ext cx="4126922" cy="2677656"/>
           </a:xfrm>
           <a:prstGeom prst="rect">
             <a:avLst/>
@@ -4609,14 +4566,37 @@
           <a:lstStyle/>
           <a:p>
             <a:r>
-              <a:rPr kumimoji="1" lang="ja-JP" altLang="en-US" sz="2400" dirty="0" smtClean="0">
-                <a:solidFill>
-                  <a:srgbClr val="FFFF00"/>
-                </a:solidFill>
+              <a:rPr kumimoji="1" lang="ja-JP" altLang="en-US" sz="2800" b="1" u="sng" dirty="0" smtClean="0">
+                <a:effectLst>
+                  <a:outerShdw blurRad="38100" dist="38100" dir="2700000" algn="tl">
+                    <a:srgbClr val="000000">
+                      <a:alpha val="43137"/>
+                    </a:srgbClr>
+                  </a:outerShdw>
+                </a:effectLst>
               </a:rPr>
               <a:t>操作方法</a:t>
             </a:r>
-            <a:endParaRPr kumimoji="1" lang="en-US" altLang="ja-JP" sz="2400" dirty="0" smtClean="0">
+            <a:endParaRPr kumimoji="1" lang="en-US" altLang="ja-JP" sz="2800" b="1" u="sng" dirty="0" smtClean="0">
+              <a:effectLst>
+                <a:outerShdw blurRad="38100" dist="38100" dir="2700000" algn="tl">
+                  <a:srgbClr val="000000">
+                    <a:alpha val="43137"/>
+                  </a:srgbClr>
+                </a:outerShdw>
+              </a:effectLst>
+            </a:endParaRPr>
+          </a:p>
+          <a:p>
+            <a:r>
+              <a:rPr lang="ja-JP" altLang="en-US" sz="2800" dirty="0" smtClean="0">
+                <a:solidFill>
+                  <a:srgbClr val="FFFF00"/>
+                </a:solidFill>
+              </a:rPr>
+              <a:t>左キー：左移動</a:t>
+            </a:r>
+            <a:endParaRPr lang="en-US" altLang="ja-JP" sz="2800" dirty="0" smtClean="0">
               <a:solidFill>
                 <a:srgbClr val="FFFF00"/>
               </a:solidFill>
@@ -4624,14 +4604,14 @@
           </a:p>
           <a:p>
             <a:r>
-              <a:rPr lang="ja-JP" altLang="en-US" sz="2400" dirty="0" smtClean="0">
+              <a:rPr kumimoji="1" lang="ja-JP" altLang="en-US" sz="2800" dirty="0" smtClean="0">
                 <a:solidFill>
                   <a:srgbClr val="FFFF00"/>
                 </a:solidFill>
               </a:rPr>
-              <a:t>左キー：左移動</a:t>
-            </a:r>
-            <a:endParaRPr lang="en-US" altLang="ja-JP" sz="2400" dirty="0" smtClean="0">
+              <a:t>右キー：右移動</a:t>
+            </a:r>
+            <a:endParaRPr kumimoji="1" lang="en-US" altLang="ja-JP" sz="2800" dirty="0" smtClean="0">
               <a:solidFill>
                 <a:srgbClr val="FFFF00"/>
               </a:solidFill>
@@ -4639,14 +4619,30 @@
           </a:p>
           <a:p>
             <a:r>
-              <a:rPr kumimoji="1" lang="ja-JP" altLang="en-US" sz="2400" dirty="0" smtClean="0">
+              <a:rPr lang="ja-JP" altLang="en-US" sz="2800" dirty="0" smtClean="0">
                 <a:solidFill>
                   <a:srgbClr val="FFFF00"/>
                 </a:solidFill>
               </a:rPr>
-              <a:t>右キー：右移動</a:t>
-            </a:r>
-            <a:endParaRPr kumimoji="1" lang="en-US" altLang="ja-JP" sz="2400" dirty="0" smtClean="0">
+              <a:t>移動時</a:t>
+            </a:r>
+            <a:r>
+              <a:rPr lang="en-US" altLang="ja-JP" sz="2800" dirty="0" smtClean="0">
+                <a:solidFill>
+                  <a:srgbClr val="FFFF00"/>
+                </a:solidFill>
+              </a:rPr>
+              <a:t>+A</a:t>
+            </a:r>
+            <a:r>
+              <a:rPr lang="ja-JP" altLang="en-US" sz="2800" dirty="0" smtClean="0">
+                <a:solidFill>
+                  <a:srgbClr val="FFFF00"/>
+                </a:solidFill>
+              </a:rPr>
+              <a:t>キー：ダッシュ</a:t>
+            </a:r>
+            <a:endParaRPr lang="en-US" altLang="ja-JP" sz="2800" dirty="0" smtClean="0">
               <a:solidFill>
                 <a:srgbClr val="FFFF00"/>
               </a:solidFill>
@@ -4654,30 +4650,22 @@
           </a:p>
           <a:p>
             <a:r>
-              <a:rPr lang="ja-JP" altLang="en-US" sz="2400" dirty="0" smtClean="0">
+              <a:rPr kumimoji="1" lang="en-US" altLang="ja-JP" sz="2800" dirty="0" smtClean="0">
                 <a:solidFill>
                   <a:srgbClr val="FFFF00"/>
                 </a:solidFill>
               </a:rPr>
-              <a:t>移動時</a:t>
-            </a:r>
-            <a:r>
-              <a:rPr lang="en-US" altLang="ja-JP" sz="2400" dirty="0" smtClean="0">
+              <a:t>Z</a:t>
+            </a:r>
+            <a:r>
+              <a:rPr kumimoji="1" lang="ja-JP" altLang="en-US" sz="2800" dirty="0" smtClean="0">
                 <a:solidFill>
                   <a:srgbClr val="FFFF00"/>
                 </a:solidFill>
               </a:rPr>
-              <a:t>+A</a:t>
-            </a:r>
-            <a:r>
-              <a:rPr lang="ja-JP" altLang="en-US" sz="2400" dirty="0" smtClean="0">
-                <a:solidFill>
-                  <a:srgbClr val="FFFF00"/>
-                </a:solidFill>
-              </a:rPr>
-              <a:t>キー：ダッシュ</a:t>
-            </a:r>
-            <a:endParaRPr lang="en-US" altLang="ja-JP" sz="2400" dirty="0" smtClean="0">
+              <a:t>キー：弾丸発射</a:t>
+            </a:r>
+            <a:endParaRPr kumimoji="1" lang="en-US" altLang="ja-JP" sz="2800" dirty="0" smtClean="0">
               <a:solidFill>
                 <a:srgbClr val="FFFF00"/>
               </a:solidFill>
@@ -4685,44 +4673,147 @@
           </a:p>
           <a:p>
             <a:r>
-              <a:rPr kumimoji="1" lang="en-US" altLang="ja-JP" sz="2400" dirty="0" smtClean="0">
+              <a:rPr lang="ja-JP" altLang="en-US" sz="2800" dirty="0" smtClean="0">
                 <a:solidFill>
                   <a:srgbClr val="FFFF00"/>
                 </a:solidFill>
               </a:rPr>
-              <a:t>Z</a:t>
-            </a:r>
-            <a:r>
-              <a:rPr kumimoji="1" lang="ja-JP" altLang="en-US" sz="2400" dirty="0" smtClean="0">
-                <a:solidFill>
-                  <a:srgbClr val="FFFF00"/>
-                </a:solidFill>
-              </a:rPr>
-              <a:t>キー：弾丸発射</a:t>
-            </a:r>
-            <a:endParaRPr kumimoji="1" lang="en-US" altLang="ja-JP" sz="2400" dirty="0" smtClean="0">
+              <a:t>上キー：ジャンプ</a:t>
+            </a:r>
+            <a:endParaRPr kumimoji="1" lang="ja-JP" altLang="en-US" sz="2800" dirty="0">
               <a:solidFill>
                 <a:srgbClr val="FFFF00"/>
               </a:solidFill>
             </a:endParaRPr>
           </a:p>
-          <a:p>
-            <a:r>
-              <a:rPr lang="ja-JP" altLang="en-US" sz="2400" dirty="0" smtClean="0">
-                <a:solidFill>
-                  <a:srgbClr val="FFFF00"/>
-                </a:solidFill>
-              </a:rPr>
-              <a:t>上キー：ジャンプ</a:t>
-            </a:r>
-            <a:endParaRPr kumimoji="1" lang="ja-JP" altLang="en-US" sz="2400" dirty="0">
-              <a:solidFill>
-                <a:srgbClr val="FFFF00"/>
-              </a:solidFill>
-            </a:endParaRPr>
-          </a:p>
-        </p:txBody>
-      </p:sp>
+        </p:txBody>
+      </p:sp>
+      <p:sp>
+        <p:nvSpPr>
+          <p:cNvPr id="6" name="フローチャート: 処理 5"/>
+          <p:cNvSpPr/>
+          <p:nvPr/>
+        </p:nvSpPr>
+        <p:spPr>
+          <a:xfrm>
+            <a:off x="-1" y="778383"/>
+            <a:ext cx="2283189" cy="980170"/>
+          </a:xfrm>
+          <a:prstGeom prst="flowChartProcess">
+            <a:avLst/>
+          </a:prstGeom>
+          <a:noFill/>
+          <a:ln w="9525" cap="flat" cmpd="sng" algn="ctr">
+            <a:solidFill>
+              <a:srgbClr val="FFFF00"/>
+            </a:solidFill>
+            <a:prstDash val="solid"/>
+            <a:round/>
+            <a:headEnd type="none" w="med" len="med"/>
+            <a:tailEnd type="none" w="med" len="med"/>
+          </a:ln>
+        </p:spPr>
+        <p:style>
+          <a:lnRef idx="0">
+            <a:scrgbClr r="0" g="0" b="0"/>
+          </a:lnRef>
+          <a:fillRef idx="0">
+            <a:scrgbClr r="0" g="0" b="0"/>
+          </a:fillRef>
+          <a:effectRef idx="0">
+            <a:scrgbClr r="0" g="0" b="0"/>
+          </a:effectRef>
+          <a:fontRef idx="minor">
+            <a:schemeClr val="accent1"/>
+          </a:fontRef>
+        </p:style>
+        <p:txBody>
+          <a:bodyPr rtlCol="0" anchor="ctr"/>
+          <a:lstStyle/>
+          <a:p>
+            <a:pPr algn="ctr"/>
+            <a:endParaRPr kumimoji="1" lang="ja-JP" altLang="en-US"/>
+          </a:p>
+        </p:txBody>
+      </p:sp>
+      <p:pic>
+        <p:nvPicPr>
+          <p:cNvPr id="8" name="図 7"/>
+          <p:cNvPicPr>
+            <a:picLocks noChangeAspect="1"/>
+          </p:cNvPicPr>
+          <p:nvPr/>
+        </p:nvPicPr>
+        <p:blipFill>
+          <a:blip r:embed="rId4"/>
+          <a:stretch>
+            <a:fillRect/>
+          </a:stretch>
+        </p:blipFill>
+        <p:spPr>
+          <a:xfrm>
+            <a:off x="2742314" y="1364697"/>
+            <a:ext cx="1282338" cy="840167"/>
+          </a:xfrm>
+          <a:prstGeom prst="rect">
+            <a:avLst/>
+          </a:prstGeom>
+        </p:spPr>
+      </p:pic>
+      <p:pic>
+        <p:nvPicPr>
+          <p:cNvPr id="9" name="図 8"/>
+          <p:cNvPicPr>
+            <a:picLocks noChangeAspect="1"/>
+          </p:cNvPicPr>
+          <p:nvPr/>
+        </p:nvPicPr>
+        <p:blipFill>
+          <a:blip r:embed="rId5"/>
+          <a:stretch>
+            <a:fillRect/>
+          </a:stretch>
+        </p:blipFill>
+        <p:spPr>
+          <a:xfrm>
+            <a:off x="2528383" y="3082067"/>
+            <a:ext cx="1067640" cy="841321"/>
+          </a:xfrm>
+          <a:prstGeom prst="rect">
+            <a:avLst/>
+          </a:prstGeom>
+        </p:spPr>
+      </p:pic>
+      <p:pic>
+        <p:nvPicPr>
+          <p:cNvPr id="10" name="図 9"/>
+          <p:cNvPicPr>
+            <a:picLocks noChangeAspect="1"/>
+          </p:cNvPicPr>
+          <p:nvPr/>
+        </p:nvPicPr>
+        <p:blipFill>
+          <a:blip r:embed="rId6">
+            <a:extLst>
+              <a:ext uri="{28A0092B-C50C-407E-A947-70E740481C1C}">
+                <a14:useLocalDpi xmlns:a14="http://schemas.microsoft.com/office/drawing/2010/main" val="0"/>
+              </a:ext>
+            </a:extLst>
+          </a:blip>
+          <a:stretch>
+            <a:fillRect/>
+          </a:stretch>
+        </p:blipFill>
+        <p:spPr>
+          <a:xfrm>
+            <a:off x="6306202" y="76274"/>
+            <a:ext cx="1282338" cy="1288423"/>
+          </a:xfrm>
+          <a:prstGeom prst="rect">
+            <a:avLst/>
+          </a:prstGeom>
+        </p:spPr>
+      </p:pic>
     </p:spTree>
     <p:extLst>
       <p:ext uri="{BB962C8B-B14F-4D97-AF65-F5344CB8AC3E}">
@@ -4753,6 +4844,401 @@
           <a:chExt cx="0" cy="0"/>
         </a:xfrm>
       </p:grpSpPr>
+      <p:pic>
+        <p:nvPicPr>
+          <p:cNvPr id="6" name="図 5"/>
+          <p:cNvPicPr>
+            <a:picLocks noChangeAspect="1"/>
+          </p:cNvPicPr>
+          <p:nvPr/>
+        </p:nvPicPr>
+        <p:blipFill rotWithShape="1">
+          <a:blip r:embed="rId2">
+            <a:extLst>
+              <a:ext uri="{28A0092B-C50C-407E-A947-70E740481C1C}">
+                <a14:useLocalDpi xmlns:a14="http://schemas.microsoft.com/office/drawing/2010/main" val="0"/>
+              </a:ext>
+            </a:extLst>
+          </a:blip>
+          <a:srcRect l="307" r="81975" b="49798"/>
+          <a:stretch/>
+        </p:blipFill>
+        <p:spPr>
+          <a:xfrm>
+            <a:off x="153478" y="4167064"/>
+            <a:ext cx="1683261" cy="1907696"/>
+          </a:xfrm>
+          <a:prstGeom prst="rect">
+            <a:avLst/>
+          </a:prstGeom>
+        </p:spPr>
+      </p:pic>
+      <p:pic>
+        <p:nvPicPr>
+          <p:cNvPr id="7" name="図 6"/>
+          <p:cNvPicPr>
+            <a:picLocks noChangeAspect="1"/>
+          </p:cNvPicPr>
+          <p:nvPr/>
+        </p:nvPicPr>
+        <p:blipFill>
+          <a:blip r:embed="rId3">
+            <a:extLst>
+              <a:ext uri="{28A0092B-C50C-407E-A947-70E740481C1C}">
+                <a14:useLocalDpi xmlns:a14="http://schemas.microsoft.com/office/drawing/2010/main" val="0"/>
+              </a:ext>
+            </a:extLst>
+          </a:blip>
+          <a:stretch>
+            <a:fillRect/>
+          </a:stretch>
+        </p:blipFill>
+        <p:spPr>
+          <a:xfrm rot="10800000">
+            <a:off x="2317608" y="4476034"/>
+            <a:ext cx="441650" cy="441650"/>
+          </a:xfrm>
+          <a:prstGeom prst="rect">
+            <a:avLst/>
+          </a:prstGeom>
+        </p:spPr>
+      </p:pic>
+      <p:pic>
+        <p:nvPicPr>
+          <p:cNvPr id="8" name="図 7"/>
+          <p:cNvPicPr>
+            <a:picLocks noChangeAspect="1"/>
+          </p:cNvPicPr>
+          <p:nvPr/>
+        </p:nvPicPr>
+        <p:blipFill rotWithShape="1">
+          <a:blip r:embed="rId4">
+            <a:extLst>
+              <a:ext uri="{28A0092B-C50C-407E-A947-70E740481C1C}">
+                <a14:useLocalDpi xmlns:a14="http://schemas.microsoft.com/office/drawing/2010/main" val="0"/>
+              </a:ext>
+            </a:extLst>
+          </a:blip>
+          <a:srcRect t="13086" r="75101" b="63290"/>
+          <a:stretch/>
+        </p:blipFill>
+        <p:spPr>
+          <a:xfrm>
+            <a:off x="2338852" y="4165167"/>
+            <a:ext cx="1980844" cy="1879481"/>
+          </a:xfrm>
+          <a:prstGeom prst="rect">
+            <a:avLst/>
+          </a:prstGeom>
+        </p:spPr>
+      </p:pic>
+      <p:sp>
+        <p:nvSpPr>
+          <p:cNvPr id="9" name="タイトル 8"/>
+          <p:cNvSpPr>
+            <a:spLocks noGrp="1"/>
+          </p:cNvSpPr>
+          <p:nvPr>
+            <p:ph type="title"/>
+          </p:nvPr>
+        </p:nvSpPr>
+        <p:spPr>
+          <a:xfrm>
+            <a:off x="251520" y="188640"/>
+            <a:ext cx="5184576" cy="1154097"/>
+          </a:xfrm>
+        </p:spPr>
+        <p:txBody>
+          <a:bodyPr>
+            <a:normAutofit/>
+          </a:bodyPr>
+          <a:lstStyle/>
+          <a:p>
+            <a:r>
+              <a:rPr kumimoji="1" lang="ja-JP" altLang="en-US" sz="6600" b="1" u="sng" dirty="0" smtClean="0">
+                <a:effectLst>
+                  <a:outerShdw blurRad="38100" dist="38100" dir="2700000" algn="tl">
+                    <a:srgbClr val="000000">
+                      <a:alpha val="43137"/>
+                    </a:srgbClr>
+                  </a:outerShdw>
+                </a:effectLst>
+              </a:rPr>
+              <a:t>敵を倒す方法</a:t>
+            </a:r>
+            <a:endParaRPr kumimoji="1" lang="ja-JP" altLang="en-US" sz="6600" b="1" u="sng" dirty="0">
+              <a:effectLst>
+                <a:outerShdw blurRad="38100" dist="38100" dir="2700000" algn="tl">
+                  <a:srgbClr val="000000">
+                    <a:alpha val="43137"/>
+                  </a:srgbClr>
+                </a:outerShdw>
+              </a:effectLst>
+            </a:endParaRPr>
+          </a:p>
+        </p:txBody>
+      </p:sp>
+      <p:sp>
+        <p:nvSpPr>
+          <p:cNvPr id="10" name="正方形/長方形 9"/>
+          <p:cNvSpPr/>
+          <p:nvPr/>
+        </p:nvSpPr>
+        <p:spPr>
+          <a:xfrm>
+            <a:off x="251520" y="1427412"/>
+            <a:ext cx="7834548" cy="1446550"/>
+          </a:xfrm>
+          <a:prstGeom prst="rect">
+            <a:avLst/>
+          </a:prstGeom>
+        </p:spPr>
+        <p:txBody>
+          <a:bodyPr wrap="square">
+            <a:spAutoFit/>
+          </a:bodyPr>
+          <a:lstStyle/>
+          <a:p>
+            <a:r>
+              <a:rPr lang="en-US" altLang="ja-JP" sz="4400" dirty="0">
+                <a:solidFill>
+                  <a:srgbClr val="FFFF00"/>
+                </a:solidFill>
+              </a:rPr>
+              <a:t>Z</a:t>
+            </a:r>
+            <a:r>
+              <a:rPr lang="ja-JP" altLang="en-US" sz="4400" dirty="0" smtClean="0">
+                <a:solidFill>
+                  <a:srgbClr val="FFFF00"/>
+                </a:solidFill>
+              </a:rPr>
+              <a:t>キー</a:t>
+            </a:r>
+            <a:r>
+              <a:rPr lang="ja-JP" altLang="en-US" sz="4400" dirty="0">
+                <a:solidFill>
+                  <a:srgbClr val="FFFF00"/>
+                </a:solidFill>
+              </a:rPr>
+              <a:t>で</a:t>
+            </a:r>
+            <a:r>
+              <a:rPr lang="ja-JP" altLang="en-US" sz="4400" dirty="0" smtClean="0">
+                <a:solidFill>
+                  <a:srgbClr val="FFFF00"/>
+                </a:solidFill>
+              </a:rPr>
+              <a:t>弾丸発射</a:t>
+            </a:r>
+            <a:endParaRPr lang="en-US" altLang="ja-JP" sz="4400" dirty="0" smtClean="0">
+              <a:solidFill>
+                <a:srgbClr val="FFFF00"/>
+              </a:solidFill>
+            </a:endParaRPr>
+          </a:p>
+          <a:p>
+            <a:r>
+              <a:rPr lang="ja-JP" altLang="en-US" sz="4400" dirty="0" smtClean="0">
+                <a:solidFill>
+                  <a:srgbClr val="FFFF00"/>
+                </a:solidFill>
+              </a:rPr>
+              <a:t>弾丸が敵に当たると敵を倒せる</a:t>
+            </a:r>
+            <a:endParaRPr lang="en-US" altLang="ja-JP" sz="4400" dirty="0">
+              <a:solidFill>
+                <a:srgbClr val="FFFF00"/>
+              </a:solidFill>
+            </a:endParaRPr>
+          </a:p>
+        </p:txBody>
+      </p:sp>
+      <p:sp>
+        <p:nvSpPr>
+          <p:cNvPr id="11" name="下矢印 10"/>
+          <p:cNvSpPr/>
+          <p:nvPr/>
+        </p:nvSpPr>
+        <p:spPr>
+          <a:xfrm rot="16200000">
+            <a:off x="4596914" y="4051117"/>
+            <a:ext cx="677911" cy="1368153"/>
+          </a:xfrm>
+          <a:prstGeom prst="downArrow">
+            <a:avLst/>
+          </a:prstGeom>
+        </p:spPr>
+        <p:style>
+          <a:lnRef idx="2">
+            <a:schemeClr val="accent1">
+              <a:shade val="50000"/>
+            </a:schemeClr>
+          </a:lnRef>
+          <a:fillRef idx="1">
+            <a:schemeClr val="accent1"/>
+          </a:fillRef>
+          <a:effectRef idx="0">
+            <a:schemeClr val="accent1"/>
+          </a:effectRef>
+          <a:fontRef idx="minor">
+            <a:schemeClr val="lt1"/>
+          </a:fontRef>
+        </p:style>
+        <p:txBody>
+          <a:bodyPr rtlCol="0" anchor="ctr"/>
+          <a:lstStyle/>
+          <a:p>
+            <a:pPr algn="ctr"/>
+            <a:endParaRPr kumimoji="1" lang="ja-JP" altLang="en-US"/>
+          </a:p>
+        </p:txBody>
+      </p:sp>
+      <p:sp>
+        <p:nvSpPr>
+          <p:cNvPr id="12" name="爆発 1 11"/>
+          <p:cNvSpPr/>
+          <p:nvPr/>
+        </p:nvSpPr>
+        <p:spPr>
+          <a:xfrm>
+            <a:off x="2678233" y="4165167"/>
+            <a:ext cx="827292" cy="699420"/>
+          </a:xfrm>
+          <a:prstGeom prst="irregularSeal1">
+            <a:avLst/>
+          </a:prstGeom>
+          <a:solidFill>
+            <a:srgbClr val="C00000"/>
+          </a:solidFill>
+        </p:spPr>
+        <p:style>
+          <a:lnRef idx="2">
+            <a:schemeClr val="accent1">
+              <a:shade val="50000"/>
+            </a:schemeClr>
+          </a:lnRef>
+          <a:fillRef idx="1">
+            <a:schemeClr val="accent1"/>
+          </a:fillRef>
+          <a:effectRef idx="0">
+            <a:schemeClr val="accent1"/>
+          </a:effectRef>
+          <a:fontRef idx="minor">
+            <a:schemeClr val="lt1"/>
+          </a:fontRef>
+        </p:style>
+        <p:txBody>
+          <a:bodyPr rtlCol="0" anchor="ctr"/>
+          <a:lstStyle/>
+          <a:p>
+            <a:pPr algn="ctr"/>
+            <a:endParaRPr kumimoji="1" lang="ja-JP" altLang="en-US"/>
+          </a:p>
+        </p:txBody>
+      </p:sp>
+      <p:pic>
+        <p:nvPicPr>
+          <p:cNvPr id="13" name="図 12"/>
+          <p:cNvPicPr>
+            <a:picLocks noChangeAspect="1"/>
+          </p:cNvPicPr>
+          <p:nvPr/>
+        </p:nvPicPr>
+        <p:blipFill>
+          <a:blip r:embed="rId5"/>
+          <a:stretch>
+            <a:fillRect/>
+          </a:stretch>
+        </p:blipFill>
+        <p:spPr>
+          <a:xfrm>
+            <a:off x="5619947" y="4165167"/>
+            <a:ext cx="1767578" cy="1909593"/>
+          </a:xfrm>
+          <a:prstGeom prst="rect">
+            <a:avLst/>
+          </a:prstGeom>
+        </p:spPr>
+      </p:pic>
+      <p:pic>
+        <p:nvPicPr>
+          <p:cNvPr id="15" name="図 14"/>
+          <p:cNvPicPr>
+            <a:picLocks noChangeAspect="1"/>
+          </p:cNvPicPr>
+          <p:nvPr/>
+        </p:nvPicPr>
+        <p:blipFill>
+          <a:blip r:embed="rId6"/>
+          <a:stretch>
+            <a:fillRect/>
+          </a:stretch>
+        </p:blipFill>
+        <p:spPr>
+          <a:xfrm>
+            <a:off x="7863544" y="4514877"/>
+            <a:ext cx="445047" cy="445047"/>
+          </a:xfrm>
+          <a:prstGeom prst="rect">
+            <a:avLst/>
+          </a:prstGeom>
+        </p:spPr>
+      </p:pic>
+      <p:pic>
+        <p:nvPicPr>
+          <p:cNvPr id="16" name="図 15"/>
+          <p:cNvPicPr>
+            <a:picLocks noChangeAspect="1"/>
+          </p:cNvPicPr>
+          <p:nvPr/>
+        </p:nvPicPr>
+        <p:blipFill>
+          <a:blip r:embed="rId6"/>
+          <a:stretch>
+            <a:fillRect/>
+          </a:stretch>
+        </p:blipFill>
+        <p:spPr>
+          <a:xfrm>
+            <a:off x="1764825" y="4472637"/>
+            <a:ext cx="445047" cy="445047"/>
+          </a:xfrm>
+          <a:prstGeom prst="rect">
+            <a:avLst/>
+          </a:prstGeom>
+        </p:spPr>
+      </p:pic>
+    </p:spTree>
+    <p:extLst>
+      <p:ext uri="{BB962C8B-B14F-4D97-AF65-F5344CB8AC3E}">
+        <p14:creationId xmlns:p14="http://schemas.microsoft.com/office/powerpoint/2010/main" val="3937791784"/>
+      </p:ext>
+    </p:extLst>
+  </p:cSld>
+  <p:clrMapOvr>
+    <a:masterClrMapping/>
+  </p:clrMapOvr>
+</p:sld>
+</file>
+
+<file path=ppt/slides/slide5.xml><?xml version="1.0" encoding="utf-8"?>
+<p:sld xmlns:a="http://schemas.openxmlformats.org/drawingml/2006/main" xmlns:r="http://schemas.openxmlformats.org/officeDocument/2006/relationships" xmlns:p="http://schemas.openxmlformats.org/presentationml/2006/main">
+  <p:cSld>
+    <p:spTree>
+      <p:nvGrpSpPr>
+        <p:cNvPr id="1" name=""/>
+        <p:cNvGrpSpPr/>
+        <p:nvPr/>
+      </p:nvGrpSpPr>
+      <p:grpSpPr>
+        <a:xfrm>
+          <a:off x="0" y="0"/>
+          <a:ext cx="0" cy="0"/>
+          <a:chOff x="0" y="0"/>
+          <a:chExt cx="0" cy="0"/>
+        </a:xfrm>
+      </p:grpSpPr>
       <p:sp>
         <p:nvSpPr>
           <p:cNvPr id="2" name="テキスト ボックス 1"/>
@@ -4776,26 +5262,74 @@
           <a:lstStyle/>
           <a:p>
             <a:r>
-              <a:rPr kumimoji="1" lang="ja-JP" altLang="en-US" sz="7200" b="1" dirty="0" smtClean="0"/>
+              <a:rPr kumimoji="1" lang="ja-JP" altLang="en-US" sz="7200" b="1" dirty="0" smtClean="0">
+                <a:effectLst>
+                  <a:outerShdw blurRad="38100" dist="38100" dir="2700000" algn="tl">
+                    <a:srgbClr val="000000">
+                      <a:alpha val="43137"/>
+                    </a:srgbClr>
+                  </a:outerShdw>
+                </a:effectLst>
+              </a:rPr>
               <a:t>敵</a:t>
             </a:r>
             <a:r>
-              <a:rPr lang="en-US" altLang="ja-JP" sz="7200" b="1" dirty="0"/>
+              <a:rPr lang="en-US" altLang="ja-JP" sz="7200" b="1" dirty="0">
+                <a:effectLst>
+                  <a:outerShdw blurRad="38100" dist="38100" dir="2700000" algn="tl">
+                    <a:srgbClr val="000000">
+                      <a:alpha val="43137"/>
+                    </a:srgbClr>
+                  </a:outerShdw>
+                </a:effectLst>
+              </a:rPr>
               <a:t> </a:t>
             </a:r>
             <a:r>
-              <a:rPr lang="en-US" altLang="ja-JP" sz="7200" b="1" dirty="0" smtClean="0"/>
+              <a:rPr lang="en-US" altLang="ja-JP" sz="7200" b="1" dirty="0" smtClean="0">
+                <a:effectLst>
+                  <a:outerShdw blurRad="38100" dist="38100" dir="2700000" algn="tl">
+                    <a:srgbClr val="000000">
+                      <a:alpha val="43137"/>
+                    </a:srgbClr>
+                  </a:outerShdw>
+                </a:effectLst>
+              </a:rPr>
               <a:t>MOB</a:t>
             </a:r>
             <a:r>
-              <a:rPr lang="ja-JP" altLang="en-US" sz="7200" b="1" dirty="0" smtClean="0"/>
+              <a:rPr lang="ja-JP" altLang="en-US" sz="7200" b="1" dirty="0" smtClean="0">
+                <a:effectLst>
+                  <a:outerShdw blurRad="38100" dist="38100" dir="2700000" algn="tl">
+                    <a:srgbClr val="000000">
+                      <a:alpha val="43137"/>
+                    </a:srgbClr>
+                  </a:outerShdw>
+                </a:effectLst>
+              </a:rPr>
               <a:t> 特殊</a:t>
             </a:r>
             <a:r>
-              <a:rPr lang="ja-JP" altLang="en-US" sz="7200" b="1" dirty="0"/>
+              <a:rPr lang="ja-JP" altLang="en-US" sz="7200" b="1" dirty="0">
+                <a:effectLst>
+                  <a:outerShdw blurRad="38100" dist="38100" dir="2700000" algn="tl">
+                    <a:srgbClr val="000000">
+                      <a:alpha val="43137"/>
+                    </a:srgbClr>
+                  </a:outerShdw>
+                </a:effectLst>
+              </a:rPr>
               <a:t>ゾンビ</a:t>
             </a:r>
-            <a:endParaRPr kumimoji="1" lang="ja-JP" altLang="en-US" sz="7200" b="1" dirty="0"/>
+            <a:endParaRPr kumimoji="1" lang="ja-JP" altLang="en-US" sz="7200" b="1" dirty="0">
+              <a:effectLst>
+                <a:outerShdw blurRad="38100" dist="38100" dir="2700000" algn="tl">
+                  <a:srgbClr val="000000">
+                    <a:alpha val="43137"/>
+                  </a:srgbClr>
+                </a:outerShdw>
+              </a:effectLst>
+            </a:endParaRPr>
           </a:p>
         </p:txBody>
       </p:sp>
@@ -5123,7 +5657,7 @@
 </p:sld>
 </file>
 
-<file path=ppt/slides/slide5.xml><?xml version="1.0" encoding="utf-8"?>
+<file path=ppt/slides/slide6.xml><?xml version="1.0" encoding="utf-8"?>
 <p:sld xmlns:a="http://schemas.openxmlformats.org/drawingml/2006/main" xmlns:r="http://schemas.openxmlformats.org/officeDocument/2006/relationships" xmlns:p="http://schemas.openxmlformats.org/presentationml/2006/main">
   <p:cSld>
     <p:spTree>
@@ -5163,18 +5697,50 @@
           <a:lstStyle/>
           <a:p>
             <a:r>
-              <a:rPr kumimoji="1" lang="ja-JP" altLang="en-US" sz="7200" b="1" dirty="0" smtClean="0"/>
+              <a:rPr kumimoji="1" lang="ja-JP" altLang="en-US" sz="7200" b="1" dirty="0" smtClean="0">
+                <a:effectLst>
+                  <a:outerShdw blurRad="38100" dist="38100" dir="2700000" algn="tl">
+                    <a:srgbClr val="000000">
+                      <a:alpha val="43137"/>
+                    </a:srgbClr>
+                  </a:outerShdw>
+                </a:effectLst>
+              </a:rPr>
               <a:t>敵</a:t>
             </a:r>
             <a:r>
-              <a:rPr lang="ja-JP" altLang="en-US" sz="7200" b="1" dirty="0"/>
+              <a:rPr lang="ja-JP" altLang="en-US" sz="7200" b="1" dirty="0">
+                <a:effectLst>
+                  <a:outerShdw blurRad="38100" dist="38100" dir="2700000" algn="tl">
+                    <a:srgbClr val="000000">
+                      <a:alpha val="43137"/>
+                    </a:srgbClr>
+                  </a:outerShdw>
+                </a:effectLst>
+              </a:rPr>
               <a:t> </a:t>
             </a:r>
             <a:r>
-              <a:rPr lang="ja-JP" altLang="en-US" sz="7200" b="1" dirty="0" smtClean="0"/>
+              <a:rPr lang="ja-JP" altLang="en-US" sz="7200" b="1" dirty="0" smtClean="0">
+                <a:effectLst>
+                  <a:outerShdw blurRad="38100" dist="38100" dir="2700000" algn="tl">
+                    <a:srgbClr val="000000">
+                      <a:alpha val="43137"/>
+                    </a:srgbClr>
+                  </a:outerShdw>
+                </a:effectLst>
+              </a:rPr>
               <a:t>中ボス ボスゾンビ</a:t>
             </a:r>
-            <a:endParaRPr kumimoji="1" lang="ja-JP" altLang="en-US" sz="7200" b="1" dirty="0"/>
+            <a:endParaRPr kumimoji="1" lang="ja-JP" altLang="en-US" sz="7200" b="1" dirty="0">
+              <a:effectLst>
+                <a:outerShdw blurRad="38100" dist="38100" dir="2700000" algn="tl">
+                  <a:srgbClr val="000000">
+                    <a:alpha val="43137"/>
+                  </a:srgbClr>
+                </a:outerShdw>
+              </a:effectLst>
+            </a:endParaRPr>
           </a:p>
         </p:txBody>
       </p:sp>

--- a/説明書.pptx
+++ b/説明書.pptx
@@ -5778,7 +5778,7 @@
         </p:nvSpPr>
         <p:spPr>
           <a:xfrm>
-            <a:off x="2915816" y="1286628"/>
+            <a:off x="2699792" y="1256353"/>
             <a:ext cx="5436096" cy="2502411"/>
           </a:xfrm>
           <a:prstGeom prst="rect">
@@ -5914,7 +5914,7 @@
         </p:nvCxnSpPr>
         <p:spPr>
           <a:xfrm>
-            <a:off x="-144524" y="3789040"/>
+            <a:off x="-144524" y="3725104"/>
             <a:ext cx="9396536" cy="0"/>
           </a:xfrm>
           <a:prstGeom prst="line">
@@ -5936,30 +5936,6 @@
           </a:fontRef>
         </p:style>
       </p:cxnSp>
-      <p:pic>
-        <p:nvPicPr>
-          <p:cNvPr id="7" name="図 6"/>
-          <p:cNvPicPr>
-            <a:picLocks noChangeAspect="1"/>
-          </p:cNvPicPr>
-          <p:nvPr/>
-        </p:nvPicPr>
-        <p:blipFill>
-          <a:blip r:embed="rId3"/>
-          <a:stretch>
-            <a:fillRect/>
-          </a:stretch>
-        </p:blipFill>
-        <p:spPr>
-          <a:xfrm>
-            <a:off x="270620" y="3913035"/>
-            <a:ext cx="1475656" cy="2944965"/>
-          </a:xfrm>
-          <a:prstGeom prst="rect">
-            <a:avLst/>
-          </a:prstGeom>
-        </p:spPr>
-      </p:pic>
       <p:sp>
         <p:nvSpPr>
           <p:cNvPr id="8" name="タイトル 12"/>
@@ -6087,6 +6063,50 @@
           </a:p>
         </p:txBody>
       </p:sp>
+      <p:sp>
+        <p:nvSpPr>
+          <p:cNvPr id="5" name="フローチャート: 結合子 4"/>
+          <p:cNvSpPr/>
+          <p:nvPr/>
+        </p:nvSpPr>
+        <p:spPr>
+          <a:xfrm>
+            <a:off x="0" y="3803174"/>
+            <a:ext cx="3419872" cy="3054826"/>
+          </a:xfrm>
+          <a:prstGeom prst="flowChartConnector">
+            <a:avLst/>
+          </a:prstGeom>
+        </p:spPr>
+        <p:style>
+          <a:lnRef idx="2">
+            <a:schemeClr val="dk1">
+              <a:shade val="50000"/>
+            </a:schemeClr>
+          </a:lnRef>
+          <a:fillRef idx="1">
+            <a:schemeClr val="dk1"/>
+          </a:fillRef>
+          <a:effectRef idx="0">
+            <a:schemeClr val="dk1"/>
+          </a:effectRef>
+          <a:fontRef idx="minor">
+            <a:schemeClr val="lt1"/>
+          </a:fontRef>
+        </p:style>
+        <p:txBody>
+          <a:bodyPr rtlCol="0" anchor="ctr"/>
+          <a:lstStyle/>
+          <a:p>
+            <a:pPr algn="ctr"/>
+            <a:r>
+              <a:rPr kumimoji="1" lang="ja-JP" altLang="en-US" sz="16600" b="1" dirty="0" smtClean="0"/>
+              <a:t>❓</a:t>
+            </a:r>
+            <a:endParaRPr kumimoji="1" lang="ja-JP" altLang="en-US" sz="16600" b="1" dirty="0"/>
+          </a:p>
+        </p:txBody>
+      </p:sp>
     </p:spTree>
     <p:extLst>
       <p:ext uri="{BB962C8B-B14F-4D97-AF65-F5344CB8AC3E}">
@@ -6097,6 +6117,13 @@
   <p:clrMapOvr>
     <a:masterClrMapping/>
   </p:clrMapOvr>
+  <p:timing>
+    <p:tnLst>
+      <p:par>
+        <p:cTn id="1" dur="indefinite" restart="never" nodeType="tmRoot"/>
+      </p:par>
+    </p:tnLst>
+  </p:timing>
 </p:sld>
 </file>
 

--- a/説明書.pptx
+++ b/説明書.pptx
@@ -4151,16 +4151,15 @@
           </p:cNvPicPr>
           <p:nvPr/>
         </p:nvPicPr>
-        <p:blipFill>
+        <p:blipFill rotWithShape="1">
           <a:blip r:embed="rId2"/>
-          <a:stretch>
-            <a:fillRect/>
-          </a:stretch>
+          <a:srcRect t="5075"/>
+          <a:stretch/>
         </p:blipFill>
         <p:spPr>
           <a:xfrm>
-            <a:off x="-11741" y="0"/>
-            <a:ext cx="5148064" cy="3717032"/>
+            <a:off x="-11741" y="76274"/>
+            <a:ext cx="5148064" cy="3640758"/>
           </a:xfrm>
           <a:prstGeom prst="rect">
             <a:avLst/>
@@ -4696,8 +4695,8 @@
         </p:nvSpPr>
         <p:spPr>
           <a:xfrm>
-            <a:off x="-1" y="778383"/>
-            <a:ext cx="2283189" cy="980170"/>
+            <a:off x="-1" y="670439"/>
+            <a:ext cx="2283189" cy="1088114"/>
           </a:xfrm>
           <a:prstGeom prst="flowChartProcess">
             <a:avLst/>
